--- a/DSD - ASVS.pptx
+++ b/DSD - ASVS.pptx
@@ -5,18 +5,21 @@
     <p:sldMasterId id="2147483840" r:id="rId4"/>
   </p:sldMasterIdLst>
   <p:notesMasterIdLst>
-    <p:notesMasterId r:id="rId11"/>
+    <p:notesMasterId r:id="rId14"/>
   </p:notesMasterIdLst>
   <p:handoutMasterIdLst>
-    <p:handoutMasterId r:id="rId12"/>
+    <p:handoutMasterId r:id="rId15"/>
   </p:handoutMasterIdLst>
   <p:sldIdLst>
     <p:sldId id="256" r:id="rId5"/>
-    <p:sldId id="267" r:id="rId6"/>
-    <p:sldId id="268" r:id="rId7"/>
-    <p:sldId id="270" r:id="rId8"/>
-    <p:sldId id="274" r:id="rId9"/>
-    <p:sldId id="273" r:id="rId10"/>
+    <p:sldId id="276" r:id="rId6"/>
+    <p:sldId id="277" r:id="rId7"/>
+    <p:sldId id="278" r:id="rId8"/>
+    <p:sldId id="275" r:id="rId9"/>
+    <p:sldId id="268" r:id="rId10"/>
+    <p:sldId id="270" r:id="rId11"/>
+    <p:sldId id="274" r:id="rId12"/>
+    <p:sldId id="273" r:id="rId13"/>
   </p:sldIdLst>
   <p:sldSz cx="12192000" cy="6858000"/>
   <p:notesSz cx="6858000" cy="9144000"/>
@@ -121,7 +124,10 @@
         <p14:section name="Default Section" id="{5DD9A050-B80D-4FEB-90AA-7876C10DCB54}">
           <p14:sldIdLst>
             <p14:sldId id="256"/>
-            <p14:sldId id="267"/>
+            <p14:sldId id="276"/>
+            <p14:sldId id="277"/>
+            <p14:sldId id="278"/>
+            <p14:sldId id="275"/>
             <p14:sldId id="268"/>
             <p14:sldId id="270"/>
             <p14:sldId id="274"/>
@@ -171,7 +177,7 @@
           <p:cNvPr id="2" name="Header Placeholder 1">
             <a:extLst>
               <a:ext uri="{FF2B5EF4-FFF2-40B4-BE49-F238E27FC236}">
-                <a16:creationId xmlns="" xmlns:a16="http://schemas.microsoft.com/office/drawing/2014/main" id="{4A259BEA-82BC-4476-91F2-380E77DBADB6}"/>
+                <a16:creationId xmlns:a16="http://schemas.microsoft.com/office/drawing/2014/main" id="{4A259BEA-82BC-4476-91F2-380E77DBADB6}"/>
               </a:ext>
             </a:extLst>
           </p:cNvPr>
@@ -208,7 +214,7 @@
           <p:cNvPr id="3" name="Date Placeholder 2">
             <a:extLst>
               <a:ext uri="{FF2B5EF4-FFF2-40B4-BE49-F238E27FC236}">
-                <a16:creationId xmlns="" xmlns:a16="http://schemas.microsoft.com/office/drawing/2014/main" id="{729DE9C3-2AB8-44E5-BCFE-5DD42DFC5640}"/>
+                <a16:creationId xmlns:a16="http://schemas.microsoft.com/office/drawing/2014/main" id="{729DE9C3-2AB8-44E5-BCFE-5DD42DFC5640}"/>
               </a:ext>
             </a:extLst>
           </p:cNvPr>
@@ -238,7 +244,7 @@
           <a:p>
             <a:fld id="{A6D7858F-6309-4F09-BEA0-6CBF97E55806}" type="datetimeFigureOut">
               <a:rPr lang="en-US" smtClean="0"/>
-              <a:t>11/15/21</a:t>
+              <a:t>12/18/2021</a:t>
             </a:fld>
             <a:endParaRPr lang="en-US" dirty="0"/>
           </a:p>
@@ -249,7 +255,7 @@
           <p:cNvPr id="4" name="Footer Placeholder 3">
             <a:extLst>
               <a:ext uri="{FF2B5EF4-FFF2-40B4-BE49-F238E27FC236}">
-                <a16:creationId xmlns="" xmlns:a16="http://schemas.microsoft.com/office/drawing/2014/main" id="{5E1B971B-9BC3-41DB-91DC-F03F5C808D7A}"/>
+                <a16:creationId xmlns:a16="http://schemas.microsoft.com/office/drawing/2014/main" id="{5E1B971B-9BC3-41DB-91DC-F03F5C808D7A}"/>
               </a:ext>
             </a:extLst>
           </p:cNvPr>
@@ -286,7 +292,7 @@
           <p:cNvPr id="5" name="Slide Number Placeholder 4">
             <a:extLst>
               <a:ext uri="{FF2B5EF4-FFF2-40B4-BE49-F238E27FC236}">
-                <a16:creationId xmlns="" xmlns:a16="http://schemas.microsoft.com/office/drawing/2014/main" id="{74A0720E-F4E2-435B-A885-9194BA30267C}"/>
+                <a16:creationId xmlns:a16="http://schemas.microsoft.com/office/drawing/2014/main" id="{74A0720E-F4E2-435B-A885-9194BA30267C}"/>
               </a:ext>
             </a:extLst>
           </p:cNvPr>
@@ -415,7 +421,7 @@
           <a:p>
             <a:fld id="{F4F53C5D-CD12-6D4C-A980-0612968271E2}" type="datetimeFigureOut">
               <a:rPr lang="en-US" smtClean="0"/>
-              <a:t>11/15/21</a:t>
+              <a:t>12/18/2021</a:t>
             </a:fld>
             <a:endParaRPr lang="en-US" dirty="0"/>
           </a:p>
@@ -1318,7 +1324,7 @@
           <a:p>
             <a:fld id="{75D0B1B9-C7DF-F64A-B488-12B3D5090923}" type="datetime1">
               <a:rPr lang="en-US" noProof="0" smtClean="0"/>
-              <a:t>11/15/21</a:t>
+              <a:t>12/18/2021</a:t>
             </a:fld>
             <a:endParaRPr lang="en-US" noProof="0" dirty="0"/>
           </a:p>
@@ -2312,7 +2318,7 @@
           <p:cNvPr id="22" name="Picture Placeholder 21">
             <a:extLst>
               <a:ext uri="{FF2B5EF4-FFF2-40B4-BE49-F238E27FC236}">
-                <a16:creationId xmlns="" xmlns:a16="http://schemas.microsoft.com/office/drawing/2014/main" id="{215A5A73-8E13-4E38-8362-0A09BA944115}"/>
+                <a16:creationId xmlns:a16="http://schemas.microsoft.com/office/drawing/2014/main" id="{215A5A73-8E13-4E38-8362-0A09BA944115}"/>
               </a:ext>
             </a:extLst>
           </p:cNvPr>
@@ -2544,7 +2550,7 @@
           <a:p>
             <a:fld id="{163A5200-74F0-9445-8847-A53AA9C11C7B}" type="datetime1">
               <a:rPr lang="en-US" noProof="0" smtClean="0"/>
-              <a:t>11/15/21</a:t>
+              <a:t>12/18/2021</a:t>
             </a:fld>
             <a:endParaRPr lang="en-US" noProof="0" dirty="0"/>
           </a:p>
@@ -3481,7 +3487,7 @@
           <p:cNvPr id="11" name="Content Placeholder 10">
             <a:extLst>
               <a:ext uri="{FF2B5EF4-FFF2-40B4-BE49-F238E27FC236}">
-                <a16:creationId xmlns="" xmlns:a16="http://schemas.microsoft.com/office/drawing/2014/main" id="{B50BDD93-02DA-4B21-9556-FA8B9894F903}"/>
+                <a16:creationId xmlns:a16="http://schemas.microsoft.com/office/drawing/2014/main" id="{B50BDD93-02DA-4B21-9556-FA8B9894F903}"/>
               </a:ext>
             </a:extLst>
           </p:cNvPr>
@@ -3974,7 +3980,7 @@
           <a:p>
             <a:fld id="{163A5200-74F0-9445-8847-A53AA9C11C7B}" type="datetime1">
               <a:rPr lang="en-US" noProof="0" smtClean="0"/>
-              <a:t>11/15/21</a:t>
+              <a:t>12/18/2021</a:t>
             </a:fld>
             <a:endParaRPr lang="en-US" noProof="0" dirty="0"/>
           </a:p>
@@ -4243,7 +4249,7 @@
           <a:p>
             <a:fld id="{21B17C1C-DA5E-F743-826B-CB70C940D4E6}" type="datetime1">
               <a:rPr lang="en-US" noProof="0" smtClean="0"/>
-              <a:t>11/15/21</a:t>
+              <a:t>12/18/2021</a:t>
             </a:fld>
             <a:endParaRPr lang="en-US" noProof="0" dirty="0"/>
           </a:p>
@@ -4622,7 +4628,7 @@
           <a:p>
             <a:fld id="{E6F10E4C-E478-1D40-94DF-17D7429B053A}" type="datetime1">
               <a:rPr lang="en-US" noProof="0" smtClean="0"/>
-              <a:t>11/15/21</a:t>
+              <a:t>12/18/2021</a:t>
             </a:fld>
             <a:endParaRPr lang="en-US" noProof="0" dirty="0"/>
           </a:p>
@@ -4739,7 +4745,7 @@
           <a:p>
             <a:fld id="{AC1A9061-1D22-724D-9508-7BAEAF287353}" type="datetime1">
               <a:rPr lang="en-US" noProof="0" smtClean="0"/>
-              <a:t>11/15/21</a:t>
+              <a:t>12/18/2021</a:t>
             </a:fld>
             <a:endParaRPr lang="en-US" noProof="0" dirty="0"/>
           </a:p>
@@ -4856,7 +4862,7 @@
           <a:p>
             <a:fld id="{AC1A9061-1D22-724D-9508-7BAEAF287353}" type="datetime1">
               <a:rPr lang="en-US" noProof="0" smtClean="0"/>
-              <a:t>11/15/21</a:t>
+              <a:t>12/18/2021</a:t>
             </a:fld>
             <a:endParaRPr lang="en-US" noProof="0" dirty="0"/>
           </a:p>
@@ -4909,7 +4915,7 @@
           <p:cNvPr id="7" name="Text Placeholder 6">
             <a:extLst>
               <a:ext uri="{FF2B5EF4-FFF2-40B4-BE49-F238E27FC236}">
-                <a16:creationId xmlns="" xmlns:a16="http://schemas.microsoft.com/office/drawing/2014/main" id="{575C1B7F-CD73-441E-89FC-46AA9E8B519B}"/>
+                <a16:creationId xmlns:a16="http://schemas.microsoft.com/office/drawing/2014/main" id="{575C1B7F-CD73-441E-89FC-46AA9E8B519B}"/>
               </a:ext>
             </a:extLst>
           </p:cNvPr>
@@ -4996,7 +5002,7 @@
           <a:p>
             <a:fld id="{A4205E0F-8980-D24A-B2F9-0C7A13C6A6DE}" type="datetime1">
               <a:rPr lang="en-US" noProof="0" smtClean="0"/>
-              <a:t>11/15/21</a:t>
+              <a:t>12/18/2021</a:t>
             </a:fld>
             <a:endParaRPr lang="en-US" noProof="0" dirty="0"/>
           </a:p>
@@ -5200,7 +5206,7 @@
           <a:p>
             <a:fld id="{06D41EE2-1449-2741-9D08-61623EFC2A0E}" type="datetime1">
               <a:rPr lang="en-US" noProof="0" smtClean="0"/>
-              <a:t>11/15/21</a:t>
+              <a:t>12/18/2021</a:t>
             </a:fld>
             <a:endParaRPr lang="en-US" noProof="0" dirty="0"/>
           </a:p>
@@ -6261,7 +6267,7 @@
           <a:p>
             <a:fld id="{9DAF7560-49B8-714F-A7F1-D946D3E64C23}" type="datetime1">
               <a:rPr lang="en-US" noProof="0" smtClean="0"/>
-              <a:t>11/15/21</a:t>
+              <a:t>12/18/2021</a:t>
             </a:fld>
             <a:endParaRPr lang="en-US" noProof="0" dirty="0"/>
           </a:p>
@@ -6380,7 +6386,7 @@
           <p:cNvPr id="23" name="Group 22">
             <a:extLst>
               <a:ext uri="{FF2B5EF4-FFF2-40B4-BE49-F238E27FC236}">
-                <a16:creationId xmlns="" xmlns:a16="http://schemas.microsoft.com/office/drawing/2014/main" id="{A9677FD5-9A91-4866-B075-6DDE16433AC7}"/>
+                <a16:creationId xmlns:a16="http://schemas.microsoft.com/office/drawing/2014/main" id="{A9677FD5-9A91-4866-B075-6DDE16433AC7}"/>
               </a:ext>
             </a:extLst>
           </p:cNvPr>
@@ -6895,7 +6901,7 @@
           <a:p>
             <a:fld id="{7DD9237C-03C9-D843-906B-96D98C6B2D61}" type="datetime1">
               <a:rPr lang="en-US" noProof="0" smtClean="0"/>
-              <a:t>11/15/21</a:t>
+              <a:t>12/18/2021</a:t>
             </a:fld>
             <a:endParaRPr lang="en-US" noProof="0" dirty="0"/>
           </a:p>
@@ -7014,7 +7020,7 @@
           <p:cNvPr id="10" name="Text Placeholder 9">
             <a:extLst>
               <a:ext uri="{FF2B5EF4-FFF2-40B4-BE49-F238E27FC236}">
-                <a16:creationId xmlns="" xmlns:a16="http://schemas.microsoft.com/office/drawing/2014/main" id="{5B480622-FB8F-493B-9965-971B07D752E2}"/>
+                <a16:creationId xmlns:a16="http://schemas.microsoft.com/office/drawing/2014/main" id="{5B480622-FB8F-493B-9965-971B07D752E2}"/>
               </a:ext>
             </a:extLst>
           </p:cNvPr>
@@ -7072,7 +7078,7 @@
           <p:cNvPr id="16" name="Text Placeholder 9">
             <a:extLst>
               <a:ext uri="{FF2B5EF4-FFF2-40B4-BE49-F238E27FC236}">
-                <a16:creationId xmlns="" xmlns:a16="http://schemas.microsoft.com/office/drawing/2014/main" id="{2C5BC223-8B87-4685-A901-71B07847E41C}"/>
+                <a16:creationId xmlns:a16="http://schemas.microsoft.com/office/drawing/2014/main" id="{2C5BC223-8B87-4685-A901-71B07847E41C}"/>
               </a:ext>
             </a:extLst>
           </p:cNvPr>
@@ -7130,7 +7136,7 @@
           <p:cNvPr id="17" name="Text Placeholder 9">
             <a:extLst>
               <a:ext uri="{FF2B5EF4-FFF2-40B4-BE49-F238E27FC236}">
-                <a16:creationId xmlns="" xmlns:a16="http://schemas.microsoft.com/office/drawing/2014/main" id="{1AE3DDF2-FC22-4381-9763-408FEF9648BD}"/>
+                <a16:creationId xmlns:a16="http://schemas.microsoft.com/office/drawing/2014/main" id="{1AE3DDF2-FC22-4381-9763-408FEF9648BD}"/>
               </a:ext>
             </a:extLst>
           </p:cNvPr>
@@ -7188,7 +7194,7 @@
           <p:cNvPr id="18" name="Text Placeholder 9">
             <a:extLst>
               <a:ext uri="{FF2B5EF4-FFF2-40B4-BE49-F238E27FC236}">
-                <a16:creationId xmlns="" xmlns:a16="http://schemas.microsoft.com/office/drawing/2014/main" id="{6170A2BF-28BF-4B27-B92D-B1423601B767}"/>
+                <a16:creationId xmlns:a16="http://schemas.microsoft.com/office/drawing/2014/main" id="{6170A2BF-28BF-4B27-B92D-B1423601B767}"/>
               </a:ext>
             </a:extLst>
           </p:cNvPr>
@@ -7246,7 +7252,7 @@
           <p:cNvPr id="19" name="Text Placeholder 9">
             <a:extLst>
               <a:ext uri="{FF2B5EF4-FFF2-40B4-BE49-F238E27FC236}">
-                <a16:creationId xmlns="" xmlns:a16="http://schemas.microsoft.com/office/drawing/2014/main" id="{2DB1D08C-9D26-4EC5-B935-D6A265A2A672}"/>
+                <a16:creationId xmlns:a16="http://schemas.microsoft.com/office/drawing/2014/main" id="{2DB1D08C-9D26-4EC5-B935-D6A265A2A672}"/>
               </a:ext>
             </a:extLst>
           </p:cNvPr>
@@ -7304,7 +7310,7 @@
           <p:cNvPr id="23" name="Group 22">
             <a:extLst>
               <a:ext uri="{FF2B5EF4-FFF2-40B4-BE49-F238E27FC236}">
-                <a16:creationId xmlns="" xmlns:a16="http://schemas.microsoft.com/office/drawing/2014/main" id="{A9677FD5-9A91-4866-B075-6DDE16433AC7}"/>
+                <a16:creationId xmlns:a16="http://schemas.microsoft.com/office/drawing/2014/main" id="{A9677FD5-9A91-4866-B075-6DDE16433AC7}"/>
               </a:ext>
             </a:extLst>
           </p:cNvPr>
@@ -7819,7 +7825,7 @@
           <a:p>
             <a:fld id="{397BD2BD-1F35-9841-A6BF-76BE540EE01F}" type="datetime1">
               <a:rPr lang="en-US" noProof="0" smtClean="0"/>
-              <a:t>11/15/21</a:t>
+              <a:t>12/18/2021</a:t>
             </a:fld>
             <a:endParaRPr lang="en-US" noProof="0" dirty="0"/>
           </a:p>
@@ -7908,7 +7914,7 @@
           <p:cNvPr id="14" name="Picture Placeholder 13">
             <a:extLst>
               <a:ext uri="{FF2B5EF4-FFF2-40B4-BE49-F238E27FC236}">
-                <a16:creationId xmlns="" xmlns:a16="http://schemas.microsoft.com/office/drawing/2014/main" id="{9DDAF6ED-5E16-4D29-98B7-FB80DB3AAFEC}"/>
+                <a16:creationId xmlns:a16="http://schemas.microsoft.com/office/drawing/2014/main" id="{9DDAF6ED-5E16-4D29-98B7-FB80DB3AAFEC}"/>
               </a:ext>
             </a:extLst>
           </p:cNvPr>
@@ -7948,7 +7954,7 @@
           <p:cNvPr id="21" name="Picture Placeholder 13">
             <a:extLst>
               <a:ext uri="{FF2B5EF4-FFF2-40B4-BE49-F238E27FC236}">
-                <a16:creationId xmlns="" xmlns:a16="http://schemas.microsoft.com/office/drawing/2014/main" id="{8C305CB7-F303-430E-951A-7FC6F97062AA}"/>
+                <a16:creationId xmlns:a16="http://schemas.microsoft.com/office/drawing/2014/main" id="{8C305CB7-F303-430E-951A-7FC6F97062AA}"/>
               </a:ext>
             </a:extLst>
           </p:cNvPr>
@@ -7988,7 +7994,7 @@
           <p:cNvPr id="22" name="Picture Placeholder 13">
             <a:extLst>
               <a:ext uri="{FF2B5EF4-FFF2-40B4-BE49-F238E27FC236}">
-                <a16:creationId xmlns="" xmlns:a16="http://schemas.microsoft.com/office/drawing/2014/main" id="{84D427E5-ED69-4A46-A9B7-F4DC4466F320}"/>
+                <a16:creationId xmlns:a16="http://schemas.microsoft.com/office/drawing/2014/main" id="{84D427E5-ED69-4A46-A9B7-F4DC4466F320}"/>
               </a:ext>
             </a:extLst>
           </p:cNvPr>
@@ -8028,7 +8034,7 @@
           <p:cNvPr id="24" name="Picture Placeholder 13">
             <a:extLst>
               <a:ext uri="{FF2B5EF4-FFF2-40B4-BE49-F238E27FC236}">
-                <a16:creationId xmlns="" xmlns:a16="http://schemas.microsoft.com/office/drawing/2014/main" id="{3DDA902F-61D6-4F1C-86C6-D1F5584AE8B3}"/>
+                <a16:creationId xmlns:a16="http://schemas.microsoft.com/office/drawing/2014/main" id="{3DDA902F-61D6-4F1C-86C6-D1F5584AE8B3}"/>
               </a:ext>
             </a:extLst>
           </p:cNvPr>
@@ -8068,7 +8074,7 @@
           <p:cNvPr id="26" name="Picture Placeholder 13">
             <a:extLst>
               <a:ext uri="{FF2B5EF4-FFF2-40B4-BE49-F238E27FC236}">
-                <a16:creationId xmlns="" xmlns:a16="http://schemas.microsoft.com/office/drawing/2014/main" id="{D8B6871A-9C69-4437-A5AD-A0400BAF2C6D}"/>
+                <a16:creationId xmlns:a16="http://schemas.microsoft.com/office/drawing/2014/main" id="{D8B6871A-9C69-4437-A5AD-A0400BAF2C6D}"/>
               </a:ext>
             </a:extLst>
           </p:cNvPr>
@@ -8138,7 +8144,7 @@
           <p:cNvPr id="31" name="Oval 30">
             <a:extLst>
               <a:ext uri="{FF2B5EF4-FFF2-40B4-BE49-F238E27FC236}">
-                <a16:creationId xmlns="" xmlns:a16="http://schemas.microsoft.com/office/drawing/2014/main" id="{B8ACAEC3-8D8C-3848-8630-7A0DFF3F6116}"/>
+                <a16:creationId xmlns:a16="http://schemas.microsoft.com/office/drawing/2014/main" id="{B8ACAEC3-8D8C-3848-8630-7A0DFF3F6116}"/>
               </a:ext>
             </a:extLst>
           </p:cNvPr>
@@ -8194,7 +8200,7 @@
           <p:cNvPr id="32" name="Picture Placeholder 9">
             <a:extLst>
               <a:ext uri="{FF2B5EF4-FFF2-40B4-BE49-F238E27FC236}">
-                <a16:creationId xmlns="" xmlns:a16="http://schemas.microsoft.com/office/drawing/2014/main" id="{CC12BEA0-F502-0646-A370-7ECF194608D0}"/>
+                <a16:creationId xmlns:a16="http://schemas.microsoft.com/office/drawing/2014/main" id="{CC12BEA0-F502-0646-A370-7ECF194608D0}"/>
               </a:ext>
             </a:extLst>
           </p:cNvPr>
@@ -8239,7 +8245,7 @@
           <p:cNvPr id="29" name="Oval 28">
             <a:extLst>
               <a:ext uri="{FF2B5EF4-FFF2-40B4-BE49-F238E27FC236}">
-                <a16:creationId xmlns="" xmlns:a16="http://schemas.microsoft.com/office/drawing/2014/main" id="{D58C6160-632A-B540-A7E5-81F40CEC1FE7}"/>
+                <a16:creationId xmlns:a16="http://schemas.microsoft.com/office/drawing/2014/main" id="{D58C6160-632A-B540-A7E5-81F40CEC1FE7}"/>
               </a:ext>
             </a:extLst>
           </p:cNvPr>
@@ -8295,7 +8301,7 @@
           <p:cNvPr id="30" name="Picture Placeholder 9">
             <a:extLst>
               <a:ext uri="{FF2B5EF4-FFF2-40B4-BE49-F238E27FC236}">
-                <a16:creationId xmlns="" xmlns:a16="http://schemas.microsoft.com/office/drawing/2014/main" id="{EB2FEBB6-C1E0-0D47-8CCC-05EE2F756590}"/>
+                <a16:creationId xmlns:a16="http://schemas.microsoft.com/office/drawing/2014/main" id="{EB2FEBB6-C1E0-0D47-8CCC-05EE2F756590}"/>
               </a:ext>
             </a:extLst>
           </p:cNvPr>
@@ -8340,7 +8346,7 @@
           <p:cNvPr id="22" name="Oval 21">
             <a:extLst>
               <a:ext uri="{FF2B5EF4-FFF2-40B4-BE49-F238E27FC236}">
-                <a16:creationId xmlns="" xmlns:a16="http://schemas.microsoft.com/office/drawing/2014/main" id="{7215E544-9553-AC42-B5C3-F7AE9AD6D815}"/>
+                <a16:creationId xmlns:a16="http://schemas.microsoft.com/office/drawing/2014/main" id="{7215E544-9553-AC42-B5C3-F7AE9AD6D815}"/>
               </a:ext>
             </a:extLst>
           </p:cNvPr>
@@ -8396,7 +8402,7 @@
           <p:cNvPr id="3" name="Oval 2">
             <a:extLst>
               <a:ext uri="{FF2B5EF4-FFF2-40B4-BE49-F238E27FC236}">
-                <a16:creationId xmlns="" xmlns:a16="http://schemas.microsoft.com/office/drawing/2014/main" id="{F76E934A-C634-DF4D-992A-6E01917693AD}"/>
+                <a16:creationId xmlns:a16="http://schemas.microsoft.com/office/drawing/2014/main" id="{F76E934A-C634-DF4D-992A-6E01917693AD}"/>
               </a:ext>
             </a:extLst>
           </p:cNvPr>
@@ -8452,7 +8458,7 @@
           <p:cNvPr id="23" name="Group 22">
             <a:extLst>
               <a:ext uri="{FF2B5EF4-FFF2-40B4-BE49-F238E27FC236}">
-                <a16:creationId xmlns="" xmlns:a16="http://schemas.microsoft.com/office/drawing/2014/main" id="{A9677FD5-9A91-4866-B075-6DDE16433AC7}"/>
+                <a16:creationId xmlns:a16="http://schemas.microsoft.com/office/drawing/2014/main" id="{A9677FD5-9A91-4866-B075-6DDE16433AC7}"/>
               </a:ext>
             </a:extLst>
           </p:cNvPr>
@@ -8967,7 +8973,7 @@
           <a:p>
             <a:fld id="{6E94F40A-5592-5744-BFD7-61B04D70BFE7}" type="datetime1">
               <a:rPr lang="en-US" noProof="0" smtClean="0"/>
-              <a:t>11/15/21</a:t>
+              <a:t>12/18/2021</a:t>
             </a:fld>
             <a:endParaRPr lang="en-US" noProof="0" dirty="0"/>
           </a:p>
@@ -9056,7 +9062,7 @@
           <p:cNvPr id="14" name="Text Placeholder 13">
             <a:extLst>
               <a:ext uri="{FF2B5EF4-FFF2-40B4-BE49-F238E27FC236}">
-                <a16:creationId xmlns="" xmlns:a16="http://schemas.microsoft.com/office/drawing/2014/main" id="{9ADD13A9-A8EA-4B1C-AE31-FE189E0E8B86}"/>
+                <a16:creationId xmlns:a16="http://schemas.microsoft.com/office/drawing/2014/main" id="{9ADD13A9-A8EA-4B1C-AE31-FE189E0E8B86}"/>
               </a:ext>
             </a:extLst>
           </p:cNvPr>
@@ -9097,7 +9103,7 @@
           <p:cNvPr id="18" name="Text Placeholder 13">
             <a:extLst>
               <a:ext uri="{FF2B5EF4-FFF2-40B4-BE49-F238E27FC236}">
-                <a16:creationId xmlns="" xmlns:a16="http://schemas.microsoft.com/office/drawing/2014/main" id="{A2BAC124-81DA-4B8B-86CD-75C69A4D0DBB}"/>
+                <a16:creationId xmlns:a16="http://schemas.microsoft.com/office/drawing/2014/main" id="{A2BAC124-81DA-4B8B-86CD-75C69A4D0DBB}"/>
               </a:ext>
             </a:extLst>
           </p:cNvPr>
@@ -9138,7 +9144,7 @@
           <p:cNvPr id="26" name="Text Placeholder 13">
             <a:extLst>
               <a:ext uri="{FF2B5EF4-FFF2-40B4-BE49-F238E27FC236}">
-                <a16:creationId xmlns="" xmlns:a16="http://schemas.microsoft.com/office/drawing/2014/main" id="{B493D355-B592-4395-8255-D1D4FB1CF1A6}"/>
+                <a16:creationId xmlns:a16="http://schemas.microsoft.com/office/drawing/2014/main" id="{B493D355-B592-4395-8255-D1D4FB1CF1A6}"/>
               </a:ext>
             </a:extLst>
           </p:cNvPr>
@@ -9179,7 +9185,7 @@
           <p:cNvPr id="28" name="Text Placeholder 13">
             <a:extLst>
               <a:ext uri="{FF2B5EF4-FFF2-40B4-BE49-F238E27FC236}">
-                <a16:creationId xmlns="" xmlns:a16="http://schemas.microsoft.com/office/drawing/2014/main" id="{D0A496BB-AA13-44AE-AFA6-30D4ED5099E9}"/>
+                <a16:creationId xmlns:a16="http://schemas.microsoft.com/office/drawing/2014/main" id="{D0A496BB-AA13-44AE-AFA6-30D4ED5099E9}"/>
               </a:ext>
             </a:extLst>
           </p:cNvPr>
@@ -9220,7 +9226,7 @@
           <p:cNvPr id="20" name="Picture Placeholder 9">
             <a:extLst>
               <a:ext uri="{FF2B5EF4-FFF2-40B4-BE49-F238E27FC236}">
-                <a16:creationId xmlns="" xmlns:a16="http://schemas.microsoft.com/office/drawing/2014/main" id="{8E97E18E-0E31-B542-9578-D6E4DCD84680}"/>
+                <a16:creationId xmlns:a16="http://schemas.microsoft.com/office/drawing/2014/main" id="{8E97E18E-0E31-B542-9578-D6E4DCD84680}"/>
               </a:ext>
             </a:extLst>
           </p:cNvPr>
@@ -9265,7 +9271,7 @@
           <p:cNvPr id="24" name="Picture Placeholder 9">
             <a:extLst>
               <a:ext uri="{FF2B5EF4-FFF2-40B4-BE49-F238E27FC236}">
-                <a16:creationId xmlns="" xmlns:a16="http://schemas.microsoft.com/office/drawing/2014/main" id="{7602DDF7-46BD-6045-BDB0-45F47B0B6A9C}"/>
+                <a16:creationId xmlns:a16="http://schemas.microsoft.com/office/drawing/2014/main" id="{7602DDF7-46BD-6045-BDB0-45F47B0B6A9C}"/>
               </a:ext>
             </a:extLst>
           </p:cNvPr>
@@ -9340,7 +9346,7 @@
           <p:cNvPr id="20" name="Oval 19">
             <a:extLst>
               <a:ext uri="{FF2B5EF4-FFF2-40B4-BE49-F238E27FC236}">
-                <a16:creationId xmlns="" xmlns:a16="http://schemas.microsoft.com/office/drawing/2014/main" id="{86F73ED6-3B3B-5A45-912C-FCFD7D53593C}"/>
+                <a16:creationId xmlns:a16="http://schemas.microsoft.com/office/drawing/2014/main" id="{86F73ED6-3B3B-5A45-912C-FCFD7D53593C}"/>
               </a:ext>
             </a:extLst>
           </p:cNvPr>
@@ -9394,7 +9400,7 @@
           <p:cNvPr id="21" name="Picture Placeholder 9">
             <a:extLst>
               <a:ext uri="{FF2B5EF4-FFF2-40B4-BE49-F238E27FC236}">
-                <a16:creationId xmlns="" xmlns:a16="http://schemas.microsoft.com/office/drawing/2014/main" id="{B5971407-B12A-EE45-895D-769807DFC767}"/>
+                <a16:creationId xmlns:a16="http://schemas.microsoft.com/office/drawing/2014/main" id="{B5971407-B12A-EE45-895D-769807DFC767}"/>
               </a:ext>
             </a:extLst>
           </p:cNvPr>
@@ -9439,7 +9445,7 @@
           <p:cNvPr id="22" name="Oval 21">
             <a:extLst>
               <a:ext uri="{FF2B5EF4-FFF2-40B4-BE49-F238E27FC236}">
-                <a16:creationId xmlns="" xmlns:a16="http://schemas.microsoft.com/office/drawing/2014/main" id="{36215321-76D7-AD41-B779-DE347C617DB3}"/>
+                <a16:creationId xmlns:a16="http://schemas.microsoft.com/office/drawing/2014/main" id="{36215321-76D7-AD41-B779-DE347C617DB3}"/>
               </a:ext>
             </a:extLst>
           </p:cNvPr>
@@ -9493,7 +9499,7 @@
           <p:cNvPr id="24" name="Picture Placeholder 9">
             <a:extLst>
               <a:ext uri="{FF2B5EF4-FFF2-40B4-BE49-F238E27FC236}">
-                <a16:creationId xmlns="" xmlns:a16="http://schemas.microsoft.com/office/drawing/2014/main" id="{E61684B2-1403-BD44-80B1-6A5C0D0A3C67}"/>
+                <a16:creationId xmlns:a16="http://schemas.microsoft.com/office/drawing/2014/main" id="{E61684B2-1403-BD44-80B1-6A5C0D0A3C67}"/>
               </a:ext>
             </a:extLst>
           </p:cNvPr>
@@ -9538,7 +9544,7 @@
           <p:cNvPr id="29" name="Oval 28">
             <a:extLst>
               <a:ext uri="{FF2B5EF4-FFF2-40B4-BE49-F238E27FC236}">
-                <a16:creationId xmlns="" xmlns:a16="http://schemas.microsoft.com/office/drawing/2014/main" id="{3B87B079-A5F0-D34B-90BD-17403B51EF47}"/>
+                <a16:creationId xmlns:a16="http://schemas.microsoft.com/office/drawing/2014/main" id="{3B87B079-A5F0-D34B-90BD-17403B51EF47}"/>
               </a:ext>
             </a:extLst>
           </p:cNvPr>
@@ -9592,7 +9598,7 @@
           <p:cNvPr id="30" name="Oval 29">
             <a:extLst>
               <a:ext uri="{FF2B5EF4-FFF2-40B4-BE49-F238E27FC236}">
-                <a16:creationId xmlns="" xmlns:a16="http://schemas.microsoft.com/office/drawing/2014/main" id="{67169BE7-153A-034D-B3C8-A226C22DE09C}"/>
+                <a16:creationId xmlns:a16="http://schemas.microsoft.com/office/drawing/2014/main" id="{67169BE7-153A-034D-B3C8-A226C22DE09C}"/>
               </a:ext>
             </a:extLst>
           </p:cNvPr>
@@ -9646,7 +9652,7 @@
           <p:cNvPr id="31" name="Picture Placeholder 9">
             <a:extLst>
               <a:ext uri="{FF2B5EF4-FFF2-40B4-BE49-F238E27FC236}">
-                <a16:creationId xmlns="" xmlns:a16="http://schemas.microsoft.com/office/drawing/2014/main" id="{604C6493-8619-1749-A32C-8C1C4E875339}"/>
+                <a16:creationId xmlns:a16="http://schemas.microsoft.com/office/drawing/2014/main" id="{604C6493-8619-1749-A32C-8C1C4E875339}"/>
               </a:ext>
             </a:extLst>
           </p:cNvPr>
@@ -9691,7 +9697,7 @@
           <p:cNvPr id="32" name="Picture Placeholder 9">
             <a:extLst>
               <a:ext uri="{FF2B5EF4-FFF2-40B4-BE49-F238E27FC236}">
-                <a16:creationId xmlns="" xmlns:a16="http://schemas.microsoft.com/office/drawing/2014/main" id="{EE25A905-577F-154D-BA89-4F485EEBC4BD}"/>
+                <a16:creationId xmlns:a16="http://schemas.microsoft.com/office/drawing/2014/main" id="{EE25A905-577F-154D-BA89-4F485EEBC4BD}"/>
               </a:ext>
             </a:extLst>
           </p:cNvPr>
@@ -9736,7 +9742,7 @@
           <p:cNvPr id="23" name="Group 22">
             <a:extLst>
               <a:ext uri="{FF2B5EF4-FFF2-40B4-BE49-F238E27FC236}">
-                <a16:creationId xmlns="" xmlns:a16="http://schemas.microsoft.com/office/drawing/2014/main" id="{A9677FD5-9A91-4866-B075-6DDE16433AC7}"/>
+                <a16:creationId xmlns:a16="http://schemas.microsoft.com/office/drawing/2014/main" id="{A9677FD5-9A91-4866-B075-6DDE16433AC7}"/>
               </a:ext>
             </a:extLst>
           </p:cNvPr>
@@ -10251,7 +10257,7 @@
           <a:p>
             <a:fld id="{A177F711-7020-994E-A797-D04033A0CF12}" type="datetime1">
               <a:rPr lang="en-US" noProof="0" smtClean="0"/>
-              <a:t>11/15/21</a:t>
+              <a:t>12/18/2021</a:t>
             </a:fld>
             <a:endParaRPr lang="en-US" noProof="0" dirty="0"/>
           </a:p>
@@ -10340,7 +10346,7 @@
           <p:cNvPr id="14" name="Text Placeholder 13">
             <a:extLst>
               <a:ext uri="{FF2B5EF4-FFF2-40B4-BE49-F238E27FC236}">
-                <a16:creationId xmlns="" xmlns:a16="http://schemas.microsoft.com/office/drawing/2014/main" id="{9ADD13A9-A8EA-4B1C-AE31-FE189E0E8B86}"/>
+                <a16:creationId xmlns:a16="http://schemas.microsoft.com/office/drawing/2014/main" id="{9ADD13A9-A8EA-4B1C-AE31-FE189E0E8B86}"/>
               </a:ext>
             </a:extLst>
           </p:cNvPr>
@@ -10381,7 +10387,7 @@
           <p:cNvPr id="18" name="Text Placeholder 13">
             <a:extLst>
               <a:ext uri="{FF2B5EF4-FFF2-40B4-BE49-F238E27FC236}">
-                <a16:creationId xmlns="" xmlns:a16="http://schemas.microsoft.com/office/drawing/2014/main" id="{A2BAC124-81DA-4B8B-86CD-75C69A4D0DBB}"/>
+                <a16:creationId xmlns:a16="http://schemas.microsoft.com/office/drawing/2014/main" id="{A2BAC124-81DA-4B8B-86CD-75C69A4D0DBB}"/>
               </a:ext>
             </a:extLst>
           </p:cNvPr>
@@ -10422,7 +10428,7 @@
           <p:cNvPr id="26" name="Text Placeholder 13">
             <a:extLst>
               <a:ext uri="{FF2B5EF4-FFF2-40B4-BE49-F238E27FC236}">
-                <a16:creationId xmlns="" xmlns:a16="http://schemas.microsoft.com/office/drawing/2014/main" id="{B493D355-B592-4395-8255-D1D4FB1CF1A6}"/>
+                <a16:creationId xmlns:a16="http://schemas.microsoft.com/office/drawing/2014/main" id="{B493D355-B592-4395-8255-D1D4FB1CF1A6}"/>
               </a:ext>
             </a:extLst>
           </p:cNvPr>
@@ -10463,7 +10469,7 @@
           <p:cNvPr id="28" name="Text Placeholder 13">
             <a:extLst>
               <a:ext uri="{FF2B5EF4-FFF2-40B4-BE49-F238E27FC236}">
-                <a16:creationId xmlns="" xmlns:a16="http://schemas.microsoft.com/office/drawing/2014/main" id="{D0A496BB-AA13-44AE-AFA6-30D4ED5099E9}"/>
+                <a16:creationId xmlns:a16="http://schemas.microsoft.com/office/drawing/2014/main" id="{D0A496BB-AA13-44AE-AFA6-30D4ED5099E9}"/>
               </a:ext>
             </a:extLst>
           </p:cNvPr>
@@ -10534,7 +10540,7 @@
           <p:cNvPr id="29" name="Oval 28">
             <a:extLst>
               <a:ext uri="{FF2B5EF4-FFF2-40B4-BE49-F238E27FC236}">
-                <a16:creationId xmlns="" xmlns:a16="http://schemas.microsoft.com/office/drawing/2014/main" id="{3B87B079-A5F0-D34B-90BD-17403B51EF47}"/>
+                <a16:creationId xmlns:a16="http://schemas.microsoft.com/office/drawing/2014/main" id="{3B87B079-A5F0-D34B-90BD-17403B51EF47}"/>
               </a:ext>
             </a:extLst>
           </p:cNvPr>
@@ -10588,7 +10594,7 @@
           <p:cNvPr id="30" name="Oval 29">
             <a:extLst>
               <a:ext uri="{FF2B5EF4-FFF2-40B4-BE49-F238E27FC236}">
-                <a16:creationId xmlns="" xmlns:a16="http://schemas.microsoft.com/office/drawing/2014/main" id="{67169BE7-153A-034D-B3C8-A226C22DE09C}"/>
+                <a16:creationId xmlns:a16="http://schemas.microsoft.com/office/drawing/2014/main" id="{67169BE7-153A-034D-B3C8-A226C22DE09C}"/>
               </a:ext>
             </a:extLst>
           </p:cNvPr>
@@ -10642,7 +10648,7 @@
           <p:cNvPr id="31" name="Picture Placeholder 9">
             <a:extLst>
               <a:ext uri="{FF2B5EF4-FFF2-40B4-BE49-F238E27FC236}">
-                <a16:creationId xmlns="" xmlns:a16="http://schemas.microsoft.com/office/drawing/2014/main" id="{604C6493-8619-1749-A32C-8C1C4E875339}"/>
+                <a16:creationId xmlns:a16="http://schemas.microsoft.com/office/drawing/2014/main" id="{604C6493-8619-1749-A32C-8C1C4E875339}"/>
               </a:ext>
             </a:extLst>
           </p:cNvPr>
@@ -10687,7 +10693,7 @@
           <p:cNvPr id="32" name="Picture Placeholder 9">
             <a:extLst>
               <a:ext uri="{FF2B5EF4-FFF2-40B4-BE49-F238E27FC236}">
-                <a16:creationId xmlns="" xmlns:a16="http://schemas.microsoft.com/office/drawing/2014/main" id="{EE25A905-577F-154D-BA89-4F485EEBC4BD}"/>
+                <a16:creationId xmlns:a16="http://schemas.microsoft.com/office/drawing/2014/main" id="{EE25A905-577F-154D-BA89-4F485EEBC4BD}"/>
               </a:ext>
             </a:extLst>
           </p:cNvPr>
@@ -10732,7 +10738,7 @@
           <p:cNvPr id="23" name="Group 22">
             <a:extLst>
               <a:ext uri="{FF2B5EF4-FFF2-40B4-BE49-F238E27FC236}">
-                <a16:creationId xmlns="" xmlns:a16="http://schemas.microsoft.com/office/drawing/2014/main" id="{A9677FD5-9A91-4866-B075-6DDE16433AC7}"/>
+                <a16:creationId xmlns:a16="http://schemas.microsoft.com/office/drawing/2014/main" id="{A9677FD5-9A91-4866-B075-6DDE16433AC7}"/>
               </a:ext>
             </a:extLst>
           </p:cNvPr>
@@ -11247,7 +11253,7 @@
           <a:p>
             <a:fld id="{A177F711-7020-994E-A797-D04033A0CF12}" type="datetime1">
               <a:rPr lang="en-US" noProof="0" smtClean="0"/>
-              <a:t>11/15/21</a:t>
+              <a:t>12/18/2021</a:t>
             </a:fld>
             <a:endParaRPr lang="en-US" noProof="0" dirty="0"/>
           </a:p>
@@ -11336,7 +11342,7 @@
           <p:cNvPr id="14" name="Text Placeholder 13">
             <a:extLst>
               <a:ext uri="{FF2B5EF4-FFF2-40B4-BE49-F238E27FC236}">
-                <a16:creationId xmlns="" xmlns:a16="http://schemas.microsoft.com/office/drawing/2014/main" id="{9ADD13A9-A8EA-4B1C-AE31-FE189E0E8B86}"/>
+                <a16:creationId xmlns:a16="http://schemas.microsoft.com/office/drawing/2014/main" id="{9ADD13A9-A8EA-4B1C-AE31-FE189E0E8B86}"/>
               </a:ext>
             </a:extLst>
           </p:cNvPr>
@@ -11377,7 +11383,7 @@
           <p:cNvPr id="18" name="Text Placeholder 13">
             <a:extLst>
               <a:ext uri="{FF2B5EF4-FFF2-40B4-BE49-F238E27FC236}">
-                <a16:creationId xmlns="" xmlns:a16="http://schemas.microsoft.com/office/drawing/2014/main" id="{A2BAC124-81DA-4B8B-86CD-75C69A4D0DBB}"/>
+                <a16:creationId xmlns:a16="http://schemas.microsoft.com/office/drawing/2014/main" id="{A2BAC124-81DA-4B8B-86CD-75C69A4D0DBB}"/>
               </a:ext>
             </a:extLst>
           </p:cNvPr>
@@ -11448,7 +11454,7 @@
           <p:cNvPr id="32" name="Oval 31">
             <a:extLst>
               <a:ext uri="{FF2B5EF4-FFF2-40B4-BE49-F238E27FC236}">
-                <a16:creationId xmlns="" xmlns:a16="http://schemas.microsoft.com/office/drawing/2014/main" id="{F625DE42-6A2A-D745-B1F8-2AF2793533BE}"/>
+                <a16:creationId xmlns:a16="http://schemas.microsoft.com/office/drawing/2014/main" id="{F625DE42-6A2A-D745-B1F8-2AF2793533BE}"/>
               </a:ext>
             </a:extLst>
           </p:cNvPr>
@@ -11502,7 +11508,7 @@
           <p:cNvPr id="33" name="Picture Placeholder 9">
             <a:extLst>
               <a:ext uri="{FF2B5EF4-FFF2-40B4-BE49-F238E27FC236}">
-                <a16:creationId xmlns="" xmlns:a16="http://schemas.microsoft.com/office/drawing/2014/main" id="{A87D37E3-62A9-1F44-8520-EBED16BF1C0F}"/>
+                <a16:creationId xmlns:a16="http://schemas.microsoft.com/office/drawing/2014/main" id="{A87D37E3-62A9-1F44-8520-EBED16BF1C0F}"/>
               </a:ext>
             </a:extLst>
           </p:cNvPr>
@@ -11547,7 +11553,7 @@
           <p:cNvPr id="29" name="Oval 28">
             <a:extLst>
               <a:ext uri="{FF2B5EF4-FFF2-40B4-BE49-F238E27FC236}">
-                <a16:creationId xmlns="" xmlns:a16="http://schemas.microsoft.com/office/drawing/2014/main" id="{75F8797D-AFBD-534A-AC82-DE2B7BAECE83}"/>
+                <a16:creationId xmlns:a16="http://schemas.microsoft.com/office/drawing/2014/main" id="{75F8797D-AFBD-534A-AC82-DE2B7BAECE83}"/>
               </a:ext>
             </a:extLst>
           </p:cNvPr>
@@ -11601,7 +11607,7 @@
           <p:cNvPr id="30" name="Picture Placeholder 9">
             <a:extLst>
               <a:ext uri="{FF2B5EF4-FFF2-40B4-BE49-F238E27FC236}">
-                <a16:creationId xmlns="" xmlns:a16="http://schemas.microsoft.com/office/drawing/2014/main" id="{EFE809D2-16A3-B143-BC10-FEC397E62C62}"/>
+                <a16:creationId xmlns:a16="http://schemas.microsoft.com/office/drawing/2014/main" id="{EFE809D2-16A3-B143-BC10-FEC397E62C62}"/>
               </a:ext>
             </a:extLst>
           </p:cNvPr>
@@ -11646,7 +11652,7 @@
           <p:cNvPr id="23" name="Group 22">
             <a:extLst>
               <a:ext uri="{FF2B5EF4-FFF2-40B4-BE49-F238E27FC236}">
-                <a16:creationId xmlns="" xmlns:a16="http://schemas.microsoft.com/office/drawing/2014/main" id="{A9677FD5-9A91-4866-B075-6DDE16433AC7}"/>
+                <a16:creationId xmlns:a16="http://schemas.microsoft.com/office/drawing/2014/main" id="{A9677FD5-9A91-4866-B075-6DDE16433AC7}"/>
               </a:ext>
             </a:extLst>
           </p:cNvPr>
@@ -12161,7 +12167,7 @@
           <a:p>
             <a:fld id="{8C369370-372E-0846-B090-5E6EF97A3B62}" type="datetime1">
               <a:rPr lang="en-US" noProof="0" smtClean="0"/>
-              <a:t>11/15/21</a:t>
+              <a:t>12/18/2021</a:t>
             </a:fld>
             <a:endParaRPr lang="en-US" noProof="0" dirty="0"/>
           </a:p>
@@ -12250,7 +12256,7 @@
           <p:cNvPr id="14" name="Text Placeholder 13">
             <a:extLst>
               <a:ext uri="{FF2B5EF4-FFF2-40B4-BE49-F238E27FC236}">
-                <a16:creationId xmlns="" xmlns:a16="http://schemas.microsoft.com/office/drawing/2014/main" id="{9ADD13A9-A8EA-4B1C-AE31-FE189E0E8B86}"/>
+                <a16:creationId xmlns:a16="http://schemas.microsoft.com/office/drawing/2014/main" id="{9ADD13A9-A8EA-4B1C-AE31-FE189E0E8B86}"/>
               </a:ext>
             </a:extLst>
           </p:cNvPr>
@@ -12291,7 +12297,7 @@
           <p:cNvPr id="18" name="Text Placeholder 13">
             <a:extLst>
               <a:ext uri="{FF2B5EF4-FFF2-40B4-BE49-F238E27FC236}">
-                <a16:creationId xmlns="" xmlns:a16="http://schemas.microsoft.com/office/drawing/2014/main" id="{A2BAC124-81DA-4B8B-86CD-75C69A4D0DBB}"/>
+                <a16:creationId xmlns:a16="http://schemas.microsoft.com/office/drawing/2014/main" id="{A2BAC124-81DA-4B8B-86CD-75C69A4D0DBB}"/>
               </a:ext>
             </a:extLst>
           </p:cNvPr>
@@ -12332,7 +12338,7 @@
           <p:cNvPr id="26" name="Text Placeholder 13">
             <a:extLst>
               <a:ext uri="{FF2B5EF4-FFF2-40B4-BE49-F238E27FC236}">
-                <a16:creationId xmlns="" xmlns:a16="http://schemas.microsoft.com/office/drawing/2014/main" id="{B493D355-B592-4395-8255-D1D4FB1CF1A6}"/>
+                <a16:creationId xmlns:a16="http://schemas.microsoft.com/office/drawing/2014/main" id="{B493D355-B592-4395-8255-D1D4FB1CF1A6}"/>
               </a:ext>
             </a:extLst>
           </p:cNvPr>
@@ -12373,7 +12379,7 @@
           <p:cNvPr id="28" name="Text Placeholder 13">
             <a:extLst>
               <a:ext uri="{FF2B5EF4-FFF2-40B4-BE49-F238E27FC236}">
-                <a16:creationId xmlns="" xmlns:a16="http://schemas.microsoft.com/office/drawing/2014/main" id="{D0A496BB-AA13-44AE-AFA6-30D4ED5099E9}"/>
+                <a16:creationId xmlns:a16="http://schemas.microsoft.com/office/drawing/2014/main" id="{D0A496BB-AA13-44AE-AFA6-30D4ED5099E9}"/>
               </a:ext>
             </a:extLst>
           </p:cNvPr>
@@ -12414,7 +12420,7 @@
           <p:cNvPr id="20" name="Oval 19">
             <a:extLst>
               <a:ext uri="{FF2B5EF4-FFF2-40B4-BE49-F238E27FC236}">
-                <a16:creationId xmlns="" xmlns:a16="http://schemas.microsoft.com/office/drawing/2014/main" id="{73963115-25B3-494B-9A13-AC92EFE94C09}"/>
+                <a16:creationId xmlns:a16="http://schemas.microsoft.com/office/drawing/2014/main" id="{73963115-25B3-494B-9A13-AC92EFE94C09}"/>
               </a:ext>
             </a:extLst>
           </p:cNvPr>
@@ -12468,7 +12474,7 @@
           <p:cNvPr id="21" name="Picture Placeholder 9">
             <a:extLst>
               <a:ext uri="{FF2B5EF4-FFF2-40B4-BE49-F238E27FC236}">
-                <a16:creationId xmlns="" xmlns:a16="http://schemas.microsoft.com/office/drawing/2014/main" id="{3C759269-D6E6-2B41-8BEE-8B5AFB809B6A}"/>
+                <a16:creationId xmlns:a16="http://schemas.microsoft.com/office/drawing/2014/main" id="{3C759269-D6E6-2B41-8BEE-8B5AFB809B6A}"/>
               </a:ext>
             </a:extLst>
           </p:cNvPr>
@@ -12513,7 +12519,7 @@
           <p:cNvPr id="22" name="Oval 21">
             <a:extLst>
               <a:ext uri="{FF2B5EF4-FFF2-40B4-BE49-F238E27FC236}">
-                <a16:creationId xmlns="" xmlns:a16="http://schemas.microsoft.com/office/drawing/2014/main" id="{43E569D5-DC38-7C46-95CD-ACFBFBF591A2}"/>
+                <a16:creationId xmlns:a16="http://schemas.microsoft.com/office/drawing/2014/main" id="{43E569D5-DC38-7C46-95CD-ACFBFBF591A2}"/>
               </a:ext>
             </a:extLst>
           </p:cNvPr>
@@ -12567,7 +12573,7 @@
           <p:cNvPr id="24" name="Picture Placeholder 9">
             <a:extLst>
               <a:ext uri="{FF2B5EF4-FFF2-40B4-BE49-F238E27FC236}">
-                <a16:creationId xmlns="" xmlns:a16="http://schemas.microsoft.com/office/drawing/2014/main" id="{E8396DFD-D667-2648-9BE4-6237690F7999}"/>
+                <a16:creationId xmlns:a16="http://schemas.microsoft.com/office/drawing/2014/main" id="{E8396DFD-D667-2648-9BE4-6237690F7999}"/>
               </a:ext>
             </a:extLst>
           </p:cNvPr>
@@ -13553,7 +13559,7 @@
             <a:fld id="{36ACA6CA-E140-824D-8E8B-5CC5036BDBAE}" type="datetime1">
               <a:rPr lang="en-US" noProof="0" smtClean="0"/>
               <a:pPr/>
-              <a:t>11/15/21</a:t>
+              <a:t>12/18/2021</a:t>
             </a:fld>
             <a:endParaRPr lang="en-US" noProof="0" dirty="0"/>
           </a:p>
@@ -14122,7 +14128,7 @@
           <p:cNvPr id="2" name="Title 1">
             <a:extLst>
               <a:ext uri="{FF2B5EF4-FFF2-40B4-BE49-F238E27FC236}">
-                <a16:creationId xmlns="" xmlns:a16="http://schemas.microsoft.com/office/drawing/2014/main" id="{1129B41E-FC51-4047-9C2D-7FA6782DAFEB}"/>
+                <a16:creationId xmlns:a16="http://schemas.microsoft.com/office/drawing/2014/main" id="{1129B41E-FC51-4047-9C2D-7FA6782DAFEB}"/>
               </a:ext>
             </a:extLst>
           </p:cNvPr>
@@ -14154,7 +14160,7 @@
           <p:cNvPr id="3" name="Subtitle 2">
             <a:extLst>
               <a:ext uri="{FF2B5EF4-FFF2-40B4-BE49-F238E27FC236}">
-                <a16:creationId xmlns="" xmlns:a16="http://schemas.microsoft.com/office/drawing/2014/main" id="{252E989F-747B-4007-9C7A-A35E8B662A7B}"/>
+                <a16:creationId xmlns:a16="http://schemas.microsoft.com/office/drawing/2014/main" id="{252E989F-747B-4007-9C7A-A35E8B662A7B}"/>
               </a:ext>
             </a:extLst>
           </p:cNvPr>
@@ -14197,14 +14203,6 @@
 <file path=ppt/slides/slide2.xml><?xml version="1.0" encoding="utf-8"?>
 <p:sld xmlns:a="http://schemas.openxmlformats.org/drawingml/2006/main" xmlns:r="http://schemas.openxmlformats.org/officeDocument/2006/relationships" xmlns:p="http://schemas.openxmlformats.org/presentationml/2006/main">
   <p:cSld>
-    <p:bg>
-      <p:bgPr>
-        <a:solidFill>
-          <a:schemeClr val="bg1"/>
-        </a:solidFill>
-        <a:effectLst/>
-      </p:bgPr>
-    </p:bg>
     <p:spTree>
       <p:nvGrpSpPr>
         <p:cNvPr id="1" name=""/>
@@ -14221,10 +14219,10 @@
       </p:grpSpPr>
       <p:sp>
         <p:nvSpPr>
-          <p:cNvPr id="2" name="Title 1">
+          <p:cNvPr id="2" name="Text Placeholder 1">
             <a:extLst>
               <a:ext uri="{FF2B5EF4-FFF2-40B4-BE49-F238E27FC236}">
-                <a16:creationId xmlns="" xmlns:a16="http://schemas.microsoft.com/office/drawing/2014/main" id="{09588723-F88E-4F02-B1A9-D1224233BEEF}"/>
+                <a16:creationId xmlns:a16="http://schemas.microsoft.com/office/drawing/2014/main" id="{8D342240-9B6A-42B5-88A2-6F0A84FDF522}"/>
               </a:ext>
             </a:extLst>
           </p:cNvPr>
@@ -14232,28 +14230,17 @@
             <a:spLocks noGrp="1"/>
           </p:cNvSpPr>
           <p:nvPr>
-            <p:ph type="title"/>
+            <p:ph type="body" sz="quarter" idx="13"/>
           </p:nvPr>
         </p:nvSpPr>
         <p:spPr/>
         <p:txBody>
-          <a:bodyPr>
-            <a:normAutofit/>
-          </a:bodyPr>
+          <a:bodyPr/>
           <a:lstStyle/>
           <a:p>
-            <a:pPr>
-              <a:lnSpc>
-                <a:spcPct val="90000"/>
-              </a:lnSpc>
-            </a:pPr>
             <a:r>
-              <a:rPr lang="en-US" sz="2000" dirty="0">
-                <a:solidFill>
-                  <a:schemeClr val="bg1"/>
-                </a:solidFill>
-              </a:rPr>
-              <a:t>Agenda</a:t>
+              <a:rPr lang="en-US" dirty="0"/>
+              <a:t>Problem Statement</a:t>
             </a:r>
           </a:p>
         </p:txBody>
@@ -14263,7 +14250,7 @@
           <p:cNvPr id="3" name="Text Placeholder 2">
             <a:extLst>
               <a:ext uri="{FF2B5EF4-FFF2-40B4-BE49-F238E27FC236}">
-                <a16:creationId xmlns="" xmlns:a16="http://schemas.microsoft.com/office/drawing/2014/main" id="{902B5742-D468-45B7-9156-641CD4D80AD3}"/>
+                <a16:creationId xmlns:a16="http://schemas.microsoft.com/office/drawing/2014/main" id="{9782B75F-D0AB-4F5F-8317-845F889071F7}"/>
               </a:ext>
             </a:extLst>
           </p:cNvPr>
@@ -14271,25 +14258,19 @@
             <a:spLocks noGrp="1"/>
           </p:cNvSpPr>
           <p:nvPr>
-            <p:ph type="body" sz="quarter" idx="13"/>
+            <p:ph type="body" sz="quarter" idx="14"/>
           </p:nvPr>
         </p:nvSpPr>
-        <p:spPr>
-          <a:xfrm>
-            <a:off x="6784205" y="2292530"/>
-            <a:ext cx="3852000" cy="720000"/>
-          </a:xfrm>
-        </p:spPr>
-        <p:txBody>
-          <a:bodyPr>
-            <a:normAutofit/>
-          </a:bodyPr>
+        <p:spPr/>
+        <p:txBody>
+          <a:bodyPr/>
           <a:lstStyle/>
           <a:p>
             <a:r>
-              <a:rPr lang="en-US" dirty="0"/>
-              <a:t>Overall Architecture</a:t>
+              <a:rPr lang="en-US" dirty="0" err="1"/>
+              <a:t>BigQuery</a:t>
             </a:r>
+            <a:endParaRPr lang="en-US" dirty="0"/>
           </a:p>
         </p:txBody>
       </p:sp>
@@ -14298,7 +14279,7 @@
           <p:cNvPr id="4" name="Text Placeholder 3">
             <a:extLst>
               <a:ext uri="{FF2B5EF4-FFF2-40B4-BE49-F238E27FC236}">
-                <a16:creationId xmlns="" xmlns:a16="http://schemas.microsoft.com/office/drawing/2014/main" id="{D88D3AC9-532C-45CE-A886-41FE54A32E61}"/>
+                <a16:creationId xmlns:a16="http://schemas.microsoft.com/office/drawing/2014/main" id="{4834EEB4-B1EC-42ED-8570-0063566C1319}"/>
               </a:ext>
             </a:extLst>
           </p:cNvPr>
@@ -14306,25 +14287,26 @@
             <a:spLocks noGrp="1"/>
           </p:cNvSpPr>
           <p:nvPr>
-            <p:ph type="body" sz="quarter" idx="14"/>
+            <p:ph type="body" sz="quarter" idx="15"/>
           </p:nvPr>
         </p:nvSpPr>
-        <p:spPr>
-          <a:xfrm>
-            <a:off x="6784205" y="3104874"/>
-            <a:ext cx="3852000" cy="720000"/>
-          </a:xfrm>
-        </p:spPr>
+        <p:spPr/>
         <p:txBody>
           <a:bodyPr>
-            <a:normAutofit/>
+            <a:normAutofit fontScale="70000" lnSpcReduction="20000"/>
           </a:bodyPr>
           <a:lstStyle/>
           <a:p>
+            <a:endParaRPr lang="en-US" dirty="0"/>
+          </a:p>
+          <a:p>
             <a:r>
               <a:rPr lang="en-US" dirty="0"/>
-              <a:t>Observations and Findings</a:t>
+              <a:t>Role of Distributed Systems in Big Query</a:t>
             </a:r>
+          </a:p>
+          <a:p>
+            <a:endParaRPr lang="en-US" dirty="0"/>
           </a:p>
         </p:txBody>
       </p:sp>
@@ -14333,7 +14315,7 @@
           <p:cNvPr id="5" name="Text Placeholder 4">
             <a:extLst>
               <a:ext uri="{FF2B5EF4-FFF2-40B4-BE49-F238E27FC236}">
-                <a16:creationId xmlns="" xmlns:a16="http://schemas.microsoft.com/office/drawing/2014/main" id="{CB033E00-5119-4205-BD29-9D1A753BE3C3}"/>
+                <a16:creationId xmlns:a16="http://schemas.microsoft.com/office/drawing/2014/main" id="{76F4D940-C779-42CB-9C73-40EF082D4F89}"/>
               </a:ext>
             </a:extLst>
           </p:cNvPr>
@@ -14341,34 +14323,28 @@
             <a:spLocks noGrp="1"/>
           </p:cNvSpPr>
           <p:nvPr>
-            <p:ph type="body" sz="quarter" idx="15"/>
+            <p:ph type="body" sz="quarter" idx="16"/>
           </p:nvPr>
         </p:nvSpPr>
-        <p:spPr>
-          <a:xfrm>
-            <a:off x="6784205" y="3917219"/>
-            <a:ext cx="3852000" cy="720000"/>
-          </a:xfrm>
-        </p:spPr>
-        <p:txBody>
-          <a:bodyPr>
-            <a:normAutofit/>
-          </a:bodyPr>
+        <p:spPr/>
+        <p:txBody>
+          <a:bodyPr/>
           <a:lstStyle/>
           <a:p>
             <a:r>
-              <a:rPr lang="en-US" dirty="0"/>
-              <a:t>Questions</a:t>
+              <a:rPr lang="en-US" dirty="0" err="1"/>
+              <a:t>Demonstation</a:t>
             </a:r>
-          </a:p>
-        </p:txBody>
-      </p:sp>
-      <p:sp>
-        <p:nvSpPr>
-          <p:cNvPr id="7" name="Slide Number Placeholder 6">
+            <a:endParaRPr lang="en-US" dirty="0"/>
+          </a:p>
+        </p:txBody>
+      </p:sp>
+      <p:sp>
+        <p:nvSpPr>
+          <p:cNvPr id="6" name="Text Placeholder 5">
             <a:extLst>
               <a:ext uri="{FF2B5EF4-FFF2-40B4-BE49-F238E27FC236}">
-                <a16:creationId xmlns="" xmlns:a16="http://schemas.microsoft.com/office/drawing/2014/main" id="{6B48CA6F-C72D-F944-B10D-0504BB669B47}"/>
+                <a16:creationId xmlns:a16="http://schemas.microsoft.com/office/drawing/2014/main" id="{84F60BA2-04B5-4C3E-9244-135FCC5E18C8}"/>
               </a:ext>
             </a:extLst>
           </p:cNvPr>
@@ -14376,6 +14352,62 @@
             <a:spLocks noGrp="1"/>
           </p:cNvSpPr>
           <p:nvPr>
+            <p:ph type="body" sz="quarter" idx="17"/>
+          </p:nvPr>
+        </p:nvSpPr>
+        <p:spPr/>
+        <p:txBody>
+          <a:bodyPr/>
+          <a:lstStyle/>
+          <a:p>
+            <a:r>
+              <a:rPr lang="en-US" dirty="0"/>
+              <a:t>Q/A</a:t>
+            </a:r>
+          </a:p>
+        </p:txBody>
+      </p:sp>
+      <p:sp>
+        <p:nvSpPr>
+          <p:cNvPr id="7" name="Title 6">
+            <a:extLst>
+              <a:ext uri="{FF2B5EF4-FFF2-40B4-BE49-F238E27FC236}">
+                <a16:creationId xmlns:a16="http://schemas.microsoft.com/office/drawing/2014/main" id="{A0EF84DB-C52B-4AAE-B4E3-C232A0E431BF}"/>
+              </a:ext>
+            </a:extLst>
+          </p:cNvPr>
+          <p:cNvSpPr>
+            <a:spLocks noGrp="1"/>
+          </p:cNvSpPr>
+          <p:nvPr>
+            <p:ph type="title"/>
+          </p:nvPr>
+        </p:nvSpPr>
+        <p:spPr/>
+        <p:txBody>
+          <a:bodyPr/>
+          <a:lstStyle/>
+          <a:p>
+            <a:r>
+              <a:rPr lang="en-US" dirty="0"/>
+              <a:t>Agenda</a:t>
+            </a:r>
+          </a:p>
+        </p:txBody>
+      </p:sp>
+      <p:sp>
+        <p:nvSpPr>
+          <p:cNvPr id="8" name="Slide Number Placeholder 7">
+            <a:extLst>
+              <a:ext uri="{FF2B5EF4-FFF2-40B4-BE49-F238E27FC236}">
+                <a16:creationId xmlns:a16="http://schemas.microsoft.com/office/drawing/2014/main" id="{B6D0F3FB-1BBA-4A3E-9A48-8EDBA8A659F8}"/>
+              </a:ext>
+            </a:extLst>
+          </p:cNvPr>
+          <p:cNvSpPr>
+            <a:spLocks noGrp="1"/>
+          </p:cNvSpPr>
+          <p:nvPr>
             <p:ph type="sldNum" sz="quarter" idx="12"/>
           </p:nvPr>
         </p:nvSpPr>
@@ -14385,17 +14417,107 @@
           <a:lstStyle/>
           <a:p>
             <a:fld id="{9FF96B15-8338-45D5-A943-561235072D66}" type="slidenum">
-              <a:rPr lang="en-US" smtClean="0"/>
+              <a:rPr lang="en-US" noProof="0" smtClean="0"/>
               <a:t>2</a:t>
             </a:fld>
-            <a:endParaRPr lang="en-US" dirty="0"/>
-          </a:p>
-        </p:txBody>
+            <a:endParaRPr lang="en-US" noProof="0" dirty="0"/>
+          </a:p>
+        </p:txBody>
+      </p:sp>
+      <p:sp>
+        <p:nvSpPr>
+          <p:cNvPr id="9" name="Picture Placeholder 8">
+            <a:extLst>
+              <a:ext uri="{FF2B5EF4-FFF2-40B4-BE49-F238E27FC236}">
+                <a16:creationId xmlns:a16="http://schemas.microsoft.com/office/drawing/2014/main" id="{DF309146-7087-4DEF-91FD-9E2247664312}"/>
+              </a:ext>
+            </a:extLst>
+          </p:cNvPr>
+          <p:cNvSpPr>
+            <a:spLocks noGrp="1"/>
+          </p:cNvSpPr>
+          <p:nvPr>
+            <p:ph type="pic" sz="quarter" idx="18"/>
+          </p:nvPr>
+        </p:nvSpPr>
+        <p:spPr/>
+      </p:sp>
+      <p:sp>
+        <p:nvSpPr>
+          <p:cNvPr id="10" name="Picture Placeholder 9">
+            <a:extLst>
+              <a:ext uri="{FF2B5EF4-FFF2-40B4-BE49-F238E27FC236}">
+                <a16:creationId xmlns:a16="http://schemas.microsoft.com/office/drawing/2014/main" id="{F58C5CBA-C8E6-47CA-879B-7666734AF5F7}"/>
+              </a:ext>
+            </a:extLst>
+          </p:cNvPr>
+          <p:cNvSpPr>
+            <a:spLocks noGrp="1"/>
+          </p:cNvSpPr>
+          <p:nvPr>
+            <p:ph type="pic" sz="quarter" idx="19"/>
+          </p:nvPr>
+        </p:nvSpPr>
+        <p:spPr/>
+      </p:sp>
+      <p:sp>
+        <p:nvSpPr>
+          <p:cNvPr id="11" name="Picture Placeholder 10">
+            <a:extLst>
+              <a:ext uri="{FF2B5EF4-FFF2-40B4-BE49-F238E27FC236}">
+                <a16:creationId xmlns:a16="http://schemas.microsoft.com/office/drawing/2014/main" id="{600E1641-4E96-4890-A816-4FE41F5CAAB7}"/>
+              </a:ext>
+            </a:extLst>
+          </p:cNvPr>
+          <p:cNvSpPr>
+            <a:spLocks noGrp="1"/>
+          </p:cNvSpPr>
+          <p:nvPr>
+            <p:ph type="pic" sz="quarter" idx="20"/>
+          </p:nvPr>
+        </p:nvSpPr>
+        <p:spPr/>
+      </p:sp>
+      <p:sp>
+        <p:nvSpPr>
+          <p:cNvPr id="12" name="Picture Placeholder 11">
+            <a:extLst>
+              <a:ext uri="{FF2B5EF4-FFF2-40B4-BE49-F238E27FC236}">
+                <a16:creationId xmlns:a16="http://schemas.microsoft.com/office/drawing/2014/main" id="{98C1CCB4-3510-4375-A4BB-752690A1A414}"/>
+              </a:ext>
+            </a:extLst>
+          </p:cNvPr>
+          <p:cNvSpPr>
+            <a:spLocks noGrp="1"/>
+          </p:cNvSpPr>
+          <p:nvPr>
+            <p:ph type="pic" sz="quarter" idx="21"/>
+          </p:nvPr>
+        </p:nvSpPr>
+        <p:spPr/>
+      </p:sp>
+      <p:sp>
+        <p:nvSpPr>
+          <p:cNvPr id="13" name="Picture Placeholder 12">
+            <a:extLst>
+              <a:ext uri="{FF2B5EF4-FFF2-40B4-BE49-F238E27FC236}">
+                <a16:creationId xmlns:a16="http://schemas.microsoft.com/office/drawing/2014/main" id="{B0C9C815-D241-421E-B55E-C342DBA8B22B}"/>
+              </a:ext>
+            </a:extLst>
+          </p:cNvPr>
+          <p:cNvSpPr>
+            <a:spLocks noGrp="1"/>
+          </p:cNvSpPr>
+          <p:nvPr>
+            <p:ph type="pic" sz="quarter" idx="23"/>
+          </p:nvPr>
+        </p:nvSpPr>
+        <p:spPr/>
       </p:sp>
     </p:spTree>
     <p:extLst>
       <p:ext uri="{BB962C8B-B14F-4D97-AF65-F5344CB8AC3E}">
-        <p14:creationId xmlns:p14="http://schemas.microsoft.com/office/powerpoint/2010/main" val="944875080"/>
+        <p14:creationId xmlns:p14="http://schemas.microsoft.com/office/powerpoint/2010/main" val="389472036"/>
       </p:ext>
     </p:extLst>
   </p:cSld>
@@ -14424,10 +14546,354 @@
       </p:grpSpPr>
       <p:sp>
         <p:nvSpPr>
+          <p:cNvPr id="7" name="Title 6">
+            <a:extLst>
+              <a:ext uri="{FF2B5EF4-FFF2-40B4-BE49-F238E27FC236}">
+                <a16:creationId xmlns:a16="http://schemas.microsoft.com/office/drawing/2014/main" id="{4C94D257-0A69-4057-9AE6-5E7291104FA0}"/>
+              </a:ext>
+            </a:extLst>
+          </p:cNvPr>
+          <p:cNvSpPr>
+            <a:spLocks noGrp="1"/>
+          </p:cNvSpPr>
+          <p:nvPr>
+            <p:ph type="title"/>
+          </p:nvPr>
+        </p:nvSpPr>
+        <p:spPr/>
+        <p:txBody>
+          <a:bodyPr/>
+          <a:lstStyle/>
+          <a:p>
+            <a:r>
+              <a:rPr lang="en-US" dirty="0"/>
+              <a:t>Problem Statement</a:t>
+            </a:r>
+          </a:p>
+        </p:txBody>
+      </p:sp>
+      <p:sp>
+        <p:nvSpPr>
+          <p:cNvPr id="8" name="Slide Number Placeholder 7">
+            <a:extLst>
+              <a:ext uri="{FF2B5EF4-FFF2-40B4-BE49-F238E27FC236}">
+                <a16:creationId xmlns:a16="http://schemas.microsoft.com/office/drawing/2014/main" id="{F1E9150A-8D51-402F-AAFE-A7A9B0990240}"/>
+              </a:ext>
+            </a:extLst>
+          </p:cNvPr>
+          <p:cNvSpPr>
+            <a:spLocks noGrp="1"/>
+          </p:cNvSpPr>
+          <p:nvPr>
+            <p:ph type="sldNum" sz="quarter" idx="12"/>
+          </p:nvPr>
+        </p:nvSpPr>
+        <p:spPr/>
+        <p:txBody>
+          <a:bodyPr/>
+          <a:lstStyle/>
+          <a:p>
+            <a:fld id="{9FF96B15-8338-45D5-A943-561235072D66}" type="slidenum">
+              <a:rPr lang="en-US" noProof="0" smtClean="0"/>
+              <a:t>3</a:t>
+            </a:fld>
+            <a:endParaRPr lang="en-US" noProof="0" dirty="0"/>
+          </a:p>
+        </p:txBody>
+      </p:sp>
+      <p:sp>
+        <p:nvSpPr>
+          <p:cNvPr id="14" name="TextBox 13">
+            <a:extLst>
+              <a:ext uri="{FF2B5EF4-FFF2-40B4-BE49-F238E27FC236}">
+                <a16:creationId xmlns:a16="http://schemas.microsoft.com/office/drawing/2014/main" id="{6E215E4E-B8D4-4117-9431-2322A613BB89}"/>
+              </a:ext>
+            </a:extLst>
+          </p:cNvPr>
+          <p:cNvSpPr txBox="1"/>
+          <p:nvPr/>
+        </p:nvSpPr>
+        <p:spPr>
+          <a:xfrm>
+            <a:off x="5939405" y="3050487"/>
+            <a:ext cx="5167444" cy="923330"/>
+          </a:xfrm>
+          <a:prstGeom prst="rect">
+            <a:avLst/>
+          </a:prstGeom>
+          <a:noFill/>
+        </p:spPr>
+        <p:txBody>
+          <a:bodyPr wrap="square" rtlCol="0">
+            <a:spAutoFit/>
+          </a:bodyPr>
+          <a:lstStyle/>
+          <a:p>
+            <a:pPr algn="ctr"/>
+            <a:r>
+              <a:rPr lang="en-US" b="1" dirty="0">
+                <a:solidFill>
+                  <a:schemeClr val="tx2">
+                    <a:lumMod val="60000"/>
+                    <a:lumOff val="40000"/>
+                  </a:schemeClr>
+                </a:solidFill>
+              </a:rPr>
+              <a:t>HOME CREDIT DEFAULT ANALYSIS USING GOOGLE BIG QUERY</a:t>
+            </a:r>
+          </a:p>
+          <a:p>
+            <a:endParaRPr lang="en-US" dirty="0"/>
+          </a:p>
+        </p:txBody>
+      </p:sp>
+    </p:spTree>
+    <p:extLst>
+      <p:ext uri="{BB962C8B-B14F-4D97-AF65-F5344CB8AC3E}">
+        <p14:creationId xmlns:p14="http://schemas.microsoft.com/office/powerpoint/2010/main" val="4216314257"/>
+      </p:ext>
+    </p:extLst>
+  </p:cSld>
+  <p:clrMapOvr>
+    <a:masterClrMapping/>
+  </p:clrMapOvr>
+</p:sld>
+</file>
+
+<file path=ppt/slides/slide4.xml><?xml version="1.0" encoding="utf-8"?>
+<p:sld xmlns:a="http://schemas.openxmlformats.org/drawingml/2006/main" xmlns:r="http://schemas.openxmlformats.org/officeDocument/2006/relationships" xmlns:p="http://schemas.openxmlformats.org/presentationml/2006/main">
+  <p:cSld>
+    <p:spTree>
+      <p:nvGrpSpPr>
+        <p:cNvPr id="1" name=""/>
+        <p:cNvGrpSpPr/>
+        <p:nvPr/>
+      </p:nvGrpSpPr>
+      <p:grpSpPr>
+        <a:xfrm>
+          <a:off x="0" y="0"/>
+          <a:ext cx="0" cy="0"/>
+          <a:chOff x="0" y="0"/>
+          <a:chExt cx="0" cy="0"/>
+        </a:xfrm>
+      </p:grpSpPr>
+      <p:sp>
+        <p:nvSpPr>
+          <p:cNvPr id="7" name="Title 6">
+            <a:extLst>
+              <a:ext uri="{FF2B5EF4-FFF2-40B4-BE49-F238E27FC236}">
+                <a16:creationId xmlns:a16="http://schemas.microsoft.com/office/drawing/2014/main" id="{F07ECCE1-112D-40B2-8342-639DF78B500A}"/>
+              </a:ext>
+            </a:extLst>
+          </p:cNvPr>
+          <p:cNvSpPr>
+            <a:spLocks noGrp="1"/>
+          </p:cNvSpPr>
+          <p:nvPr>
+            <p:ph type="title"/>
+          </p:nvPr>
+        </p:nvSpPr>
+        <p:spPr/>
+        <p:txBody>
+          <a:bodyPr/>
+          <a:lstStyle/>
+          <a:p>
+            <a:r>
+              <a:rPr lang="en-US" dirty="0"/>
+              <a:t>BIGQUERY</a:t>
+            </a:r>
+          </a:p>
+        </p:txBody>
+      </p:sp>
+      <p:sp>
+        <p:nvSpPr>
+          <p:cNvPr id="8" name="Slide Number Placeholder 7">
+            <a:extLst>
+              <a:ext uri="{FF2B5EF4-FFF2-40B4-BE49-F238E27FC236}">
+                <a16:creationId xmlns:a16="http://schemas.microsoft.com/office/drawing/2014/main" id="{26AFBE6A-4084-4D1B-A385-687E4B9D0156}"/>
+              </a:ext>
+            </a:extLst>
+          </p:cNvPr>
+          <p:cNvSpPr>
+            <a:spLocks noGrp="1"/>
+          </p:cNvSpPr>
+          <p:nvPr>
+            <p:ph type="sldNum" sz="quarter" idx="12"/>
+          </p:nvPr>
+        </p:nvSpPr>
+        <p:spPr/>
+        <p:txBody>
+          <a:bodyPr/>
+          <a:lstStyle/>
+          <a:p>
+            <a:fld id="{9FF96B15-8338-45D5-A943-561235072D66}" type="slidenum">
+              <a:rPr lang="en-US" noProof="0" smtClean="0"/>
+              <a:t>4</a:t>
+            </a:fld>
+            <a:endParaRPr lang="en-US" noProof="0" dirty="0"/>
+          </a:p>
+        </p:txBody>
+      </p:sp>
+    </p:spTree>
+    <p:extLst>
+      <p:ext uri="{BB962C8B-B14F-4D97-AF65-F5344CB8AC3E}">
+        <p14:creationId xmlns:p14="http://schemas.microsoft.com/office/powerpoint/2010/main" val="322260658"/>
+      </p:ext>
+    </p:extLst>
+  </p:cSld>
+  <p:clrMapOvr>
+    <a:masterClrMapping/>
+  </p:clrMapOvr>
+</p:sld>
+</file>
+
+<file path=ppt/slides/slide5.xml><?xml version="1.0" encoding="utf-8"?>
+<p:sld xmlns:a="http://schemas.openxmlformats.org/drawingml/2006/main" xmlns:r="http://schemas.openxmlformats.org/officeDocument/2006/relationships" xmlns:p="http://schemas.openxmlformats.org/presentationml/2006/main">
+  <p:cSld>
+    <p:spTree>
+      <p:nvGrpSpPr>
+        <p:cNvPr id="1" name=""/>
+        <p:cNvGrpSpPr/>
+        <p:nvPr/>
+      </p:nvGrpSpPr>
+      <p:grpSpPr>
+        <a:xfrm>
+          <a:off x="0" y="0"/>
+          <a:ext cx="0" cy="0"/>
+          <a:chOff x="0" y="0"/>
+          <a:chExt cx="0" cy="0"/>
+        </a:xfrm>
+      </p:grpSpPr>
+      <p:sp>
+        <p:nvSpPr>
+          <p:cNvPr id="7" name="Title 6">
+            <a:extLst>
+              <a:ext uri="{FF2B5EF4-FFF2-40B4-BE49-F238E27FC236}">
+                <a16:creationId xmlns:a16="http://schemas.microsoft.com/office/drawing/2014/main" id="{33702163-F7D8-4960-8CE0-684C20414725}"/>
+              </a:ext>
+            </a:extLst>
+          </p:cNvPr>
+          <p:cNvSpPr>
+            <a:spLocks noGrp="1"/>
+          </p:cNvSpPr>
+          <p:nvPr>
+            <p:ph type="title"/>
+          </p:nvPr>
+        </p:nvSpPr>
+        <p:spPr/>
+        <p:txBody>
+          <a:bodyPr/>
+          <a:lstStyle/>
+          <a:p>
+            <a:r>
+              <a:rPr lang="en-US" dirty="0"/>
+              <a:t>Architecture of </a:t>
+            </a:r>
+            <a:r>
+              <a:rPr lang="en-US" dirty="0" err="1"/>
+              <a:t>BigQuery</a:t>
+            </a:r>
+            <a:endParaRPr lang="en-US" dirty="0"/>
+          </a:p>
+        </p:txBody>
+      </p:sp>
+      <p:sp>
+        <p:nvSpPr>
+          <p:cNvPr id="8" name="Slide Number Placeholder 7">
+            <a:extLst>
+              <a:ext uri="{FF2B5EF4-FFF2-40B4-BE49-F238E27FC236}">
+                <a16:creationId xmlns:a16="http://schemas.microsoft.com/office/drawing/2014/main" id="{A7EC007B-9876-44C1-A43F-F71F0C98AB07}"/>
+              </a:ext>
+            </a:extLst>
+          </p:cNvPr>
+          <p:cNvSpPr>
+            <a:spLocks noGrp="1"/>
+          </p:cNvSpPr>
+          <p:nvPr>
+            <p:ph type="sldNum" sz="quarter" idx="12"/>
+          </p:nvPr>
+        </p:nvSpPr>
+        <p:spPr/>
+        <p:txBody>
+          <a:bodyPr/>
+          <a:lstStyle/>
+          <a:p>
+            <a:fld id="{9FF96B15-8338-45D5-A943-561235072D66}" type="slidenum">
+              <a:rPr lang="en-US" noProof="0" smtClean="0"/>
+              <a:t>5</a:t>
+            </a:fld>
+            <a:endParaRPr lang="en-US" noProof="0" dirty="0"/>
+          </a:p>
+        </p:txBody>
+      </p:sp>
+      <p:pic>
+        <p:nvPicPr>
+          <p:cNvPr id="14" name="Image1">
+            <a:extLst>
+              <a:ext uri="{FF2B5EF4-FFF2-40B4-BE49-F238E27FC236}">
+                <a16:creationId xmlns:a16="http://schemas.microsoft.com/office/drawing/2014/main" id="{A9D7CF49-77DB-45A4-80CA-B24719237C40}"/>
+              </a:ext>
+            </a:extLst>
+          </p:cNvPr>
+          <p:cNvPicPr/>
+          <p:nvPr/>
+        </p:nvPicPr>
+        <p:blipFill>
+          <a:blip r:embed="rId2">
+            <a:lum/>
+            <a:alphaModFix/>
+          </a:blip>
+          <a:srcRect/>
+          <a:stretch>
+            <a:fillRect/>
+          </a:stretch>
+        </p:blipFill>
+        <p:spPr>
+          <a:xfrm>
+            <a:off x="5276675" y="1375793"/>
+            <a:ext cx="6434356" cy="4152551"/>
+          </a:xfrm>
+          <a:prstGeom prst="rect">
+            <a:avLst/>
+          </a:prstGeom>
+        </p:spPr>
+      </p:pic>
+    </p:spTree>
+    <p:extLst>
+      <p:ext uri="{BB962C8B-B14F-4D97-AF65-F5344CB8AC3E}">
+        <p14:creationId xmlns:p14="http://schemas.microsoft.com/office/powerpoint/2010/main" val="147700878"/>
+      </p:ext>
+    </p:extLst>
+  </p:cSld>
+  <p:clrMapOvr>
+    <a:masterClrMapping/>
+  </p:clrMapOvr>
+</p:sld>
+</file>
+
+<file path=ppt/slides/slide6.xml><?xml version="1.0" encoding="utf-8"?>
+<p:sld xmlns:a="http://schemas.openxmlformats.org/drawingml/2006/main" xmlns:r="http://schemas.openxmlformats.org/officeDocument/2006/relationships" xmlns:p="http://schemas.openxmlformats.org/presentationml/2006/main">
+  <p:cSld>
+    <p:spTree>
+      <p:nvGrpSpPr>
+        <p:cNvPr id="1" name=""/>
+        <p:cNvGrpSpPr/>
+        <p:nvPr/>
+      </p:nvGrpSpPr>
+      <p:grpSpPr>
+        <a:xfrm>
+          <a:off x="0" y="0"/>
+          <a:ext cx="0" cy="0"/>
+          <a:chOff x="0" y="0"/>
+          <a:chExt cx="0" cy="0"/>
+        </a:xfrm>
+      </p:grpSpPr>
+      <p:sp>
+        <p:nvSpPr>
           <p:cNvPr id="2" name="Title 1">
             <a:extLst>
               <a:ext uri="{FF2B5EF4-FFF2-40B4-BE49-F238E27FC236}">
-                <a16:creationId xmlns="" xmlns:a16="http://schemas.microsoft.com/office/drawing/2014/main" id="{B91F6B52-A20E-426B-B7E0-1B6AAB46C89F}"/>
+                <a16:creationId xmlns:a16="http://schemas.microsoft.com/office/drawing/2014/main" id="{B91F6B52-A20E-426B-B7E0-1B6AAB46C89F}"/>
               </a:ext>
             </a:extLst>
           </p:cNvPr>
@@ -14455,7 +14921,7 @@
           <p:cNvPr id="4" name="Text Placeholder 3">
             <a:extLst>
               <a:ext uri="{FF2B5EF4-FFF2-40B4-BE49-F238E27FC236}">
-                <a16:creationId xmlns="" xmlns:a16="http://schemas.microsoft.com/office/drawing/2014/main" id="{0436469F-A292-4492-BAAB-2F581AD4AC1D}"/>
+                <a16:creationId xmlns:a16="http://schemas.microsoft.com/office/drawing/2014/main" id="{0436469F-A292-4492-BAAB-2F581AD4AC1D}"/>
               </a:ext>
             </a:extLst>
           </p:cNvPr>
@@ -14490,7 +14956,7 @@
           <p:cNvPr id="6" name="Text Placeholder 5">
             <a:extLst>
               <a:ext uri="{FF2B5EF4-FFF2-40B4-BE49-F238E27FC236}">
-                <a16:creationId xmlns="" xmlns:a16="http://schemas.microsoft.com/office/drawing/2014/main" id="{410CAEE2-2C63-436A-B2D5-4E3D73081993}"/>
+                <a16:creationId xmlns:a16="http://schemas.microsoft.com/office/drawing/2014/main" id="{410CAEE2-2C63-436A-B2D5-4E3D73081993}"/>
               </a:ext>
             </a:extLst>
           </p:cNvPr>
@@ -14525,7 +14991,7 @@
           <p:cNvPr id="8" name="Text Placeholder 7">
             <a:extLst>
               <a:ext uri="{FF2B5EF4-FFF2-40B4-BE49-F238E27FC236}">
-                <a16:creationId xmlns="" xmlns:a16="http://schemas.microsoft.com/office/drawing/2014/main" id="{A68D70ED-10B5-4BE6-AD26-6087054C33D1}"/>
+                <a16:creationId xmlns:a16="http://schemas.microsoft.com/office/drawing/2014/main" id="{A68D70ED-10B5-4BE6-AD26-6087054C33D1}"/>
               </a:ext>
             </a:extLst>
           </p:cNvPr>
@@ -14561,7 +15027,7 @@
           <p:cNvPr id="10" name="Text Placeholder 9">
             <a:extLst>
               <a:ext uri="{FF2B5EF4-FFF2-40B4-BE49-F238E27FC236}">
-                <a16:creationId xmlns="" xmlns:a16="http://schemas.microsoft.com/office/drawing/2014/main" id="{220DCE5B-BE86-496B-83B4-E1F188607D9E}"/>
+                <a16:creationId xmlns:a16="http://schemas.microsoft.com/office/drawing/2014/main" id="{220DCE5B-BE86-496B-83B4-E1F188607D9E}"/>
               </a:ext>
             </a:extLst>
           </p:cNvPr>
@@ -14602,7 +15068,7 @@
           <p:cNvPr id="3" name="Slide Number Placeholder 2">
             <a:extLst>
               <a:ext uri="{FF2B5EF4-FFF2-40B4-BE49-F238E27FC236}">
-                <a16:creationId xmlns="" xmlns:a16="http://schemas.microsoft.com/office/drawing/2014/main" id="{0E198AB5-8BDA-AB41-9AEF-8516B23BB694}"/>
+                <a16:creationId xmlns:a16="http://schemas.microsoft.com/office/drawing/2014/main" id="{0E198AB5-8BDA-AB41-9AEF-8516B23BB694}"/>
               </a:ext>
             </a:extLst>
           </p:cNvPr>
@@ -14620,7 +15086,7 @@
           <a:p>
             <a:fld id="{9FF96B15-8338-45D5-A943-561235072D66}" type="slidenum">
               <a:rPr lang="en-US" smtClean="0"/>
-              <a:t>3</a:t>
+              <a:t>6</a:t>
             </a:fld>
             <a:endParaRPr lang="en-US" dirty="0"/>
           </a:p>
@@ -14631,7 +15097,7 @@
           <p:cNvPr id="11" name="Picture 10" descr="A picture containing logo&#10;&#10;Description automatically generated">
             <a:extLst>
               <a:ext uri="{FF2B5EF4-FFF2-40B4-BE49-F238E27FC236}">
-                <a16:creationId xmlns="" xmlns:a16="http://schemas.microsoft.com/office/drawing/2014/main" id="{AEF5B85A-C3E0-48E3-BF21-F008D81953F3}"/>
+                <a16:creationId xmlns:a16="http://schemas.microsoft.com/office/drawing/2014/main" id="{AEF5B85A-C3E0-48E3-BF21-F008D81953F3}"/>
               </a:ext>
             </a:extLst>
           </p:cNvPr>
@@ -14661,7 +15127,7 @@
           <p:cNvPr id="15" name="Picture 14" descr="Icon&#10;&#10;Description automatically generated">
             <a:extLst>
               <a:ext uri="{FF2B5EF4-FFF2-40B4-BE49-F238E27FC236}">
-                <a16:creationId xmlns="" xmlns:a16="http://schemas.microsoft.com/office/drawing/2014/main" id="{663BAA28-8E38-4E3C-8A8B-95F15076C0D5}"/>
+                <a16:creationId xmlns:a16="http://schemas.microsoft.com/office/drawing/2014/main" id="{663BAA28-8E38-4E3C-8A8B-95F15076C0D5}"/>
               </a:ext>
             </a:extLst>
           </p:cNvPr>
@@ -14691,7 +15157,7 @@
           <p:cNvPr id="19" name="Picture 18" descr="Icon&#10;&#10;Description automatically generated">
             <a:extLst>
               <a:ext uri="{FF2B5EF4-FFF2-40B4-BE49-F238E27FC236}">
-                <a16:creationId xmlns="" xmlns:a16="http://schemas.microsoft.com/office/drawing/2014/main" id="{50A899B2-DBA2-4026-859B-28936519419B}"/>
+                <a16:creationId xmlns:a16="http://schemas.microsoft.com/office/drawing/2014/main" id="{50A899B2-DBA2-4026-859B-28936519419B}"/>
               </a:ext>
             </a:extLst>
           </p:cNvPr>
@@ -14721,7 +15187,7 @@
           <p:cNvPr id="21" name="Picture 20" descr="Logo&#10;&#10;Description automatically generated">
             <a:extLst>
               <a:ext uri="{FF2B5EF4-FFF2-40B4-BE49-F238E27FC236}">
-                <a16:creationId xmlns="" xmlns:a16="http://schemas.microsoft.com/office/drawing/2014/main" id="{53CEA83C-4F3C-4DF4-9EF8-1BE1A6ED99A4}"/>
+                <a16:creationId xmlns:a16="http://schemas.microsoft.com/office/drawing/2014/main" id="{53CEA83C-4F3C-4DF4-9EF8-1BE1A6ED99A4}"/>
               </a:ext>
             </a:extLst>
           </p:cNvPr>
@@ -14751,7 +15217,7 @@
           <p:cNvPr id="23" name="Straight Arrow Connector 22">
             <a:extLst>
               <a:ext uri="{FF2B5EF4-FFF2-40B4-BE49-F238E27FC236}">
-                <a16:creationId xmlns="" xmlns:a16="http://schemas.microsoft.com/office/drawing/2014/main" id="{F6D9143C-9BAC-4F47-AEB4-D5268AD41102}"/>
+                <a16:creationId xmlns:a16="http://schemas.microsoft.com/office/drawing/2014/main" id="{F6D9143C-9BAC-4F47-AEB4-D5268AD41102}"/>
               </a:ext>
             </a:extLst>
           </p:cNvPr>
@@ -14790,7 +15256,7 @@
           <p:cNvPr id="25" name="Straight Arrow Connector 24">
             <a:extLst>
               <a:ext uri="{FF2B5EF4-FFF2-40B4-BE49-F238E27FC236}">
-                <a16:creationId xmlns="" xmlns:a16="http://schemas.microsoft.com/office/drawing/2014/main" id="{1D52E39B-DE59-4B46-B2FA-057673EC2443}"/>
+                <a16:creationId xmlns:a16="http://schemas.microsoft.com/office/drawing/2014/main" id="{1D52E39B-DE59-4B46-B2FA-057673EC2443}"/>
               </a:ext>
             </a:extLst>
           </p:cNvPr>
@@ -14799,7 +15265,7 @@
         </p:nvCxnSpPr>
         <p:spPr>
           <a:xfrm>
-            <a:off x="9330078" y="3021496"/>
+            <a:off x="9304911" y="3105386"/>
             <a:ext cx="0" cy="407504"/>
           </a:xfrm>
           <a:prstGeom prst="straightConnector1">
@@ -14829,7 +15295,7 @@
           <p:cNvPr id="26" name="Straight Arrow Connector 25">
             <a:extLst>
               <a:ext uri="{FF2B5EF4-FFF2-40B4-BE49-F238E27FC236}">
-                <a16:creationId xmlns="" xmlns:a16="http://schemas.microsoft.com/office/drawing/2014/main" id="{A680F76C-0BFE-42DC-BE43-224F8AD4F83C}"/>
+                <a16:creationId xmlns:a16="http://schemas.microsoft.com/office/drawing/2014/main" id="{A680F76C-0BFE-42DC-BE43-224F8AD4F83C}"/>
               </a:ext>
             </a:extLst>
           </p:cNvPr>
@@ -14878,7 +15344,7 @@
 </p:sld>
 </file>
 
-<file path=ppt/slides/slide4.xml><?xml version="1.0" encoding="utf-8"?>
+<file path=ppt/slides/slide7.xml><?xml version="1.0" encoding="utf-8"?>
 <p:sld xmlns:a="http://schemas.openxmlformats.org/drawingml/2006/main" xmlns:r="http://schemas.openxmlformats.org/officeDocument/2006/relationships" xmlns:p="http://schemas.openxmlformats.org/presentationml/2006/main">
   <p:cSld>
     <p:spTree>
@@ -14900,7 +15366,7 @@
           <p:cNvPr id="2" name="Title 1">
             <a:extLst>
               <a:ext uri="{FF2B5EF4-FFF2-40B4-BE49-F238E27FC236}">
-                <a16:creationId xmlns="" xmlns:a16="http://schemas.microsoft.com/office/drawing/2014/main" id="{B367BB6A-049C-45E8-AC09-2F0B9BB2F304}"/>
+                <a16:creationId xmlns:a16="http://schemas.microsoft.com/office/drawing/2014/main" id="{B367BB6A-049C-45E8-AC09-2F0B9BB2F304}"/>
               </a:ext>
             </a:extLst>
           </p:cNvPr>
@@ -14933,7 +15399,7 @@
           <p:cNvPr id="3" name="Slide Number Placeholder 2">
             <a:extLst>
               <a:ext uri="{FF2B5EF4-FFF2-40B4-BE49-F238E27FC236}">
-                <a16:creationId xmlns="" xmlns:a16="http://schemas.microsoft.com/office/drawing/2014/main" id="{1EC2495D-630A-AF42-97CB-9B1D6372777F}"/>
+                <a16:creationId xmlns:a16="http://schemas.microsoft.com/office/drawing/2014/main" id="{1EC2495D-630A-AF42-97CB-9B1D6372777F}"/>
               </a:ext>
             </a:extLst>
           </p:cNvPr>
@@ -14952,7 +15418,7 @@
             <a:fld id="{9FF96B15-8338-45D5-A943-561235072D66}" type="slidenum">
               <a:rPr lang="en-US" smtClean="0"/>
               <a:pPr/>
-              <a:t>4</a:t>
+              <a:t>7</a:t>
             </a:fld>
             <a:endParaRPr lang="en-US" dirty="0"/>
           </a:p>
@@ -14963,7 +15429,7 @@
           <p:cNvPr id="6" name="Text Placeholder 5">
             <a:extLst>
               <a:ext uri="{FF2B5EF4-FFF2-40B4-BE49-F238E27FC236}">
-                <a16:creationId xmlns="" xmlns:a16="http://schemas.microsoft.com/office/drawing/2014/main" id="{71EA63EB-C2C5-4671-AE38-4464037BE2F9}"/>
+                <a16:creationId xmlns:a16="http://schemas.microsoft.com/office/drawing/2014/main" id="{71EA63EB-C2C5-4671-AE38-4464037BE2F9}"/>
               </a:ext>
             </a:extLst>
           </p:cNvPr>
@@ -14990,11 +15456,7 @@
             </a:pPr>
             <a:r>
               <a:rPr lang="en-US" dirty="0"/>
-              <a:t>We have chosen Home Credit Default Risk dataset from Kaggle which contains 2.68 GB of </a:t>
-            </a:r>
-            <a:r>
-              <a:rPr lang="en-US" dirty="0" smtClean="0"/>
-              <a:t>Data</a:t>
+              <a:t>We have chosen Home Credit Default Risk dataset from Kaggle which contains 2.68 GB of Data</a:t>
             </a:r>
           </a:p>
           <a:p>
@@ -15047,7 +15509,7 @@
 </p:sld>
 </file>
 
-<file path=ppt/slides/slide5.xml><?xml version="1.0" encoding="utf-8"?>
+<file path=ppt/slides/slide8.xml><?xml version="1.0" encoding="utf-8"?>
 <p:sld xmlns:a="http://schemas.openxmlformats.org/drawingml/2006/main" xmlns:r="http://schemas.openxmlformats.org/officeDocument/2006/relationships" xmlns:p="http://schemas.openxmlformats.org/presentationml/2006/main">
   <p:cSld>
     <p:spTree>
@@ -15069,7 +15531,7 @@
           <p:cNvPr id="2" name="Title 1">
             <a:extLst>
               <a:ext uri="{FF2B5EF4-FFF2-40B4-BE49-F238E27FC236}">
-                <a16:creationId xmlns="" xmlns:a16="http://schemas.microsoft.com/office/drawing/2014/main" id="{AF63B45E-D49F-4C24-BE51-18007DCEE0E3}"/>
+                <a16:creationId xmlns:a16="http://schemas.microsoft.com/office/drawing/2014/main" id="{AF63B45E-D49F-4C24-BE51-18007DCEE0E3}"/>
               </a:ext>
             </a:extLst>
           </p:cNvPr>
@@ -15086,10 +15548,9 @@
           <a:lstStyle/>
           <a:p>
             <a:r>
-              <a:rPr lang="en-IN" dirty="0" smtClean="0"/>
+              <a:rPr lang="en-IN" dirty="0"/>
               <a:t>Implementations	</a:t>
             </a:r>
-            <a:endParaRPr lang="en-IN" dirty="0"/>
           </a:p>
         </p:txBody>
       </p:sp>
@@ -15098,7 +15559,7 @@
           <p:cNvPr id="4" name="Slide Number Placeholder 3">
             <a:extLst>
               <a:ext uri="{FF2B5EF4-FFF2-40B4-BE49-F238E27FC236}">
-                <a16:creationId xmlns="" xmlns:a16="http://schemas.microsoft.com/office/drawing/2014/main" id="{62EF5C63-12DA-4190-9C74-67B8EED3BF54}"/>
+                <a16:creationId xmlns:a16="http://schemas.microsoft.com/office/drawing/2014/main" id="{62EF5C63-12DA-4190-9C74-67B8EED3BF54}"/>
               </a:ext>
             </a:extLst>
           </p:cNvPr>
@@ -15116,7 +15577,7 @@
           <a:p>
             <a:fld id="{9FF96B15-8338-45D5-A943-561235072D66}" type="slidenum">
               <a:rPr lang="en-US" noProof="0" smtClean="0"/>
-              <a:t>5</a:t>
+              <a:t>8</a:t>
             </a:fld>
             <a:endParaRPr lang="en-US" noProof="0" dirty="0"/>
           </a:p>
@@ -15127,7 +15588,7 @@
           <p:cNvPr id="6" name="Text Placeholder 5">
             <a:extLst>
               <a:ext uri="{FF2B5EF4-FFF2-40B4-BE49-F238E27FC236}">
-                <a16:creationId xmlns="" xmlns:a16="http://schemas.microsoft.com/office/drawing/2014/main" id="{5F868F8A-19FE-4390-8E4F-2EFD04AB2E33}"/>
+                <a16:creationId xmlns:a16="http://schemas.microsoft.com/office/drawing/2014/main" id="{5F868F8A-19FE-4390-8E4F-2EFD04AB2E33}"/>
               </a:ext>
             </a:extLst>
           </p:cNvPr>
@@ -15155,7 +15616,7 @@
               <a:buChar char="•"/>
             </a:pPr>
             <a:r>
-              <a:rPr lang="en-IN" sz="1800" cap="none" dirty="0" err="1" smtClean="0">
+              <a:rPr lang="en-IN" sz="1800" cap="none" dirty="0" err="1">
                 <a:solidFill>
                   <a:schemeClr val="tx1"/>
                 </a:solidFill>
@@ -15163,28 +15624,12 @@
               <a:t>BigQuery</a:t>
             </a:r>
             <a:r>
-              <a:rPr lang="en-IN" sz="1800" cap="none" dirty="0" smtClean="0">
+              <a:rPr lang="en-IN" sz="1800" cap="none" dirty="0">
                 <a:solidFill>
                   <a:schemeClr val="tx1"/>
                 </a:solidFill>
               </a:rPr>
-              <a:t> basically being </a:t>
-            </a:r>
-            <a:r>
-              <a:rPr lang="en-IN" sz="1800" cap="none" dirty="0" smtClean="0">
-                <a:solidFill>
-                  <a:schemeClr val="tx1"/>
-                </a:solidFill>
-              </a:rPr>
-              <a:t>an end point query </a:t>
-            </a:r>
-            <a:r>
-              <a:rPr lang="en-IN" sz="1800" cap="none" dirty="0" smtClean="0">
-                <a:solidFill>
-                  <a:schemeClr val="tx1"/>
-                </a:solidFill>
-              </a:rPr>
-              <a:t>engine, we’ll be processing heavy memory and process intense queries.</a:t>
+              <a:t> basically being an end point query engine, we’ll be processing heavy memory and process intense queries.</a:t>
             </a:r>
           </a:p>
           <a:p>
@@ -15193,7 +15638,7 @@
               <a:buChar char="•"/>
             </a:pPr>
             <a:r>
-              <a:rPr lang="en-IN" sz="1800" cap="none" dirty="0" smtClean="0">
+              <a:rPr lang="en-IN" sz="1800" cap="none" dirty="0">
                 <a:solidFill>
                   <a:schemeClr val="tx1"/>
                 </a:solidFill>
@@ -15207,7 +15652,7 @@
               <a:buChar char="•"/>
             </a:pPr>
             <a:r>
-              <a:rPr lang="en-IN" sz="1800" cap="none" dirty="0" smtClean="0">
+              <a:rPr lang="en-IN" sz="1800" cap="none" dirty="0">
                 <a:solidFill>
                   <a:schemeClr val="tx1"/>
                 </a:solidFill>
@@ -15228,15 +15673,7 @@
                   <a:schemeClr val="tx1"/>
                 </a:solidFill>
               </a:rPr>
-              <a:t> </a:t>
-            </a:r>
-            <a:r>
-              <a:rPr lang="en-IN" sz="1800" cap="none" dirty="0" smtClean="0">
-                <a:solidFill>
-                  <a:schemeClr val="tx1"/>
-                </a:solidFill>
-              </a:rPr>
-              <a:t>and Oracle single system architecture.</a:t>
+              <a:t> and Oracle single system architecture.</a:t>
             </a:r>
           </a:p>
           <a:p>
@@ -15265,7 +15702,7 @@
 </p:sld>
 </file>
 
-<file path=ppt/slides/slide6.xml><?xml version="1.0" encoding="utf-8"?>
+<file path=ppt/slides/slide9.xml><?xml version="1.0" encoding="utf-8"?>
 <p:sld xmlns:a="http://schemas.openxmlformats.org/drawingml/2006/main" xmlns:r="http://schemas.openxmlformats.org/officeDocument/2006/relationships" xmlns:p="http://schemas.openxmlformats.org/presentationml/2006/main">
   <p:cSld>
     <p:spTree>
@@ -15287,7 +15724,7 @@
           <p:cNvPr id="2" name="Title 1">
             <a:extLst>
               <a:ext uri="{FF2B5EF4-FFF2-40B4-BE49-F238E27FC236}">
-                <a16:creationId xmlns="" xmlns:a16="http://schemas.microsoft.com/office/drawing/2014/main" id="{AF63B45E-D49F-4C24-BE51-18007DCEE0E3}"/>
+                <a16:creationId xmlns:a16="http://schemas.microsoft.com/office/drawing/2014/main" id="{AF63B45E-D49F-4C24-BE51-18007DCEE0E3}"/>
               </a:ext>
             </a:extLst>
           </p:cNvPr>
@@ -15304,10 +15741,9 @@
           <a:lstStyle/>
           <a:p>
             <a:r>
-              <a:rPr lang="en-IN" dirty="0" smtClean="0"/>
+              <a:rPr lang="en-IN" dirty="0"/>
               <a:t>Questions</a:t>
             </a:r>
-            <a:endParaRPr lang="en-IN" dirty="0"/>
           </a:p>
         </p:txBody>
       </p:sp>
@@ -15316,7 +15752,7 @@
           <p:cNvPr id="4" name="Slide Number Placeholder 3">
             <a:extLst>
               <a:ext uri="{FF2B5EF4-FFF2-40B4-BE49-F238E27FC236}">
-                <a16:creationId xmlns="" xmlns:a16="http://schemas.microsoft.com/office/drawing/2014/main" id="{62EF5C63-12DA-4190-9C74-67B8EED3BF54}"/>
+                <a16:creationId xmlns:a16="http://schemas.microsoft.com/office/drawing/2014/main" id="{62EF5C63-12DA-4190-9C74-67B8EED3BF54}"/>
               </a:ext>
             </a:extLst>
           </p:cNvPr>
@@ -15334,7 +15770,7 @@
           <a:p>
             <a:fld id="{9FF96B15-8338-45D5-A943-561235072D66}" type="slidenum">
               <a:rPr lang="en-US" noProof="0" smtClean="0"/>
-              <a:t>6</a:t>
+              <a:t>9</a:t>
             </a:fld>
             <a:endParaRPr lang="en-US" noProof="0" dirty="0"/>
           </a:p>
@@ -15345,7 +15781,7 @@
           <p:cNvPr id="6" name="Text Placeholder 5">
             <a:extLst>
               <a:ext uri="{FF2B5EF4-FFF2-40B4-BE49-F238E27FC236}">
-                <a16:creationId xmlns="" xmlns:a16="http://schemas.microsoft.com/office/drawing/2014/main" id="{5F868F8A-19FE-4390-8E4F-2EFD04AB2E33}"/>
+                <a16:creationId xmlns:a16="http://schemas.microsoft.com/office/drawing/2014/main" id="{5F868F8A-19FE-4390-8E4F-2EFD04AB2E33}"/>
               </a:ext>
             </a:extLst>
           </p:cNvPr>
@@ -16263,14 +16699,6 @@
 </file>
 
 <file path=customXml/item1.xml><?xml version="1.0" encoding="utf-8"?>
-<p:properties xmlns:p="http://schemas.microsoft.com/office/2006/metadata/properties" xmlns:xsi="http://www.w3.org/2001/XMLSchema-instance" xmlns:pc="http://schemas.microsoft.com/office/infopath/2007/PartnerControls">
-  <documentManagement>
-    <MediaServiceKeyPoints xmlns="71af3243-3dd4-4a8d-8c0d-dd76da1f02a5" xsi:nil="true"/>
-  </documentManagement>
-</p:properties>
-</file>
-
-<file path=customXml/item2.xml><?xml version="1.0" encoding="utf-8"?>
 <ct:contentTypeSchema xmlns:ct="http://schemas.microsoft.com/office/2006/metadata/contentType" xmlns:ma="http://schemas.microsoft.com/office/2006/metadata/properties/metaAttributes" ct:_="" ma:_="" ma:contentTypeName="Document" ma:contentTypeID="0x01010079F111ED35F8CC479449609E8A0923A6" ma:contentTypeVersion="11" ma:contentTypeDescription="Create a new document." ma:contentTypeScope="" ma:versionID="96291512c1ee715ab617f4c07df79fc1">
   <xsd:schema xmlns:xsd="http://www.w3.org/2001/XMLSchema" xmlns:xs="http://www.w3.org/2001/XMLSchema" xmlns:p="http://schemas.microsoft.com/office/2006/metadata/properties" xmlns:ns2="71af3243-3dd4-4a8d-8c0d-dd76da1f02a5" xmlns:ns3="16c05727-aa75-4e4a-9b5f-8a80a1165891" targetNamespace="http://schemas.microsoft.com/office/2006/metadata/properties" ma:root="true" ma:fieldsID="8256c27c40ca5c40ce1cf6c44f0205df" ns2:_="" ns3:_="">
     <xsd:import namespace="71af3243-3dd4-4a8d-8c0d-dd76da1f02a5"/>
@@ -16481,6 +16909,14 @@
 </ct:contentTypeSchema>
 </file>
 
+<file path=customXml/item2.xml><?xml version="1.0" encoding="utf-8"?>
+<p:properties xmlns:p="http://schemas.microsoft.com/office/2006/metadata/properties" xmlns:xsi="http://www.w3.org/2001/XMLSchema-instance" xmlns:pc="http://schemas.microsoft.com/office/infopath/2007/PartnerControls">
+  <documentManagement>
+    <MediaServiceKeyPoints xmlns="71af3243-3dd4-4a8d-8c0d-dd76da1f02a5" xsi:nil="true"/>
+  </documentManagement>
+</p:properties>
+</file>
+
 <file path=customXml/item3.xml><?xml version="1.0" encoding="utf-8"?>
 <?mso-contentType ?>
 <FormTemplates xmlns="http://schemas.microsoft.com/sharepoint/v3/contenttype/forms">
@@ -16491,16 +16927,6 @@
 </file>
 
 <file path=customXml/itemProps1.xml><?xml version="1.0" encoding="utf-8"?>
-<ds:datastoreItem xmlns:ds="http://schemas.openxmlformats.org/officeDocument/2006/customXml" ds:itemID="{F983CA34-C6E2-49BA-ACFF-78ADEC0C28FA}">
-  <ds:schemaRefs>
-    <ds:schemaRef ds:uri="http://schemas.microsoft.com/office/2006/metadata/properties"/>
-    <ds:schemaRef ds:uri="http://schemas.microsoft.com/office/infopath/2007/PartnerControls"/>
-    <ds:schemaRef ds:uri="71af3243-3dd4-4a8d-8c0d-dd76da1f02a5"/>
-  </ds:schemaRefs>
-</ds:datastoreItem>
-</file>
-
-<file path=customXml/itemProps2.xml><?xml version="1.0" encoding="utf-8"?>
 <ds:datastoreItem xmlns:ds="http://schemas.openxmlformats.org/officeDocument/2006/customXml" ds:itemID="{570D0EAE-52CD-493E-A174-3A7CD0E9C7B2}">
   <ds:schemaRefs>
     <ds:schemaRef ds:uri="http://schemas.microsoft.com/office/2006/metadata/contentType"/>
@@ -16519,6 +16945,16 @@
 </ds:datastoreItem>
 </file>
 
+<file path=customXml/itemProps2.xml><?xml version="1.0" encoding="utf-8"?>
+<ds:datastoreItem xmlns:ds="http://schemas.openxmlformats.org/officeDocument/2006/customXml" ds:itemID="{F983CA34-C6E2-49BA-ACFF-78ADEC0C28FA}">
+  <ds:schemaRefs>
+    <ds:schemaRef ds:uri="http://schemas.microsoft.com/office/2006/metadata/properties"/>
+    <ds:schemaRef ds:uri="http://schemas.microsoft.com/office/infopath/2007/PartnerControls"/>
+    <ds:schemaRef ds:uri="71af3243-3dd4-4a8d-8c0d-dd76da1f02a5"/>
+  </ds:schemaRefs>
+</ds:datastoreItem>
+</file>
+
 <file path=customXml/itemProps3.xml><?xml version="1.0" encoding="utf-8"?>
 <ds:datastoreItem xmlns:ds="http://schemas.openxmlformats.org/officeDocument/2006/customXml" ds:itemID="{CCB9AE35-8A31-4380-94A6-86E5DFCDD123}">
   <ds:schemaRefs>

--- a/DSD - ASVS.pptx
+++ b/DSD - ASVS.pptx
@@ -5,21 +5,23 @@
     <p:sldMasterId id="2147483840" r:id="rId4"/>
   </p:sldMasterIdLst>
   <p:notesMasterIdLst>
-    <p:notesMasterId r:id="rId14"/>
+    <p:notesMasterId r:id="rId16"/>
   </p:notesMasterIdLst>
   <p:handoutMasterIdLst>
-    <p:handoutMasterId r:id="rId15"/>
+    <p:handoutMasterId r:id="rId17"/>
   </p:handoutMasterIdLst>
   <p:sldIdLst>
     <p:sldId id="256" r:id="rId5"/>
     <p:sldId id="276" r:id="rId6"/>
     <p:sldId id="277" r:id="rId7"/>
     <p:sldId id="278" r:id="rId8"/>
-    <p:sldId id="275" r:id="rId9"/>
+    <p:sldId id="279" r:id="rId9"/>
     <p:sldId id="268" r:id="rId10"/>
-    <p:sldId id="270" r:id="rId11"/>
-    <p:sldId id="274" r:id="rId12"/>
-    <p:sldId id="273" r:id="rId13"/>
+    <p:sldId id="275" r:id="rId11"/>
+    <p:sldId id="282" r:id="rId12"/>
+    <p:sldId id="281" r:id="rId13"/>
+    <p:sldId id="284" r:id="rId14"/>
+    <p:sldId id="285" r:id="rId15"/>
   </p:sldIdLst>
   <p:sldSz cx="12192000" cy="6858000"/>
   <p:notesSz cx="6858000" cy="9144000"/>
@@ -127,16 +129,17 @@
             <p14:sldId id="276"/>
             <p14:sldId id="277"/>
             <p14:sldId id="278"/>
+            <p14:sldId id="279"/>
+            <p14:sldId id="268"/>
             <p14:sldId id="275"/>
-            <p14:sldId id="268"/>
-            <p14:sldId id="270"/>
-            <p14:sldId id="274"/>
+            <p14:sldId id="282"/>
+            <p14:sldId id="281"/>
+            <p14:sldId id="284"/>
+            <p14:sldId id="285"/>
           </p14:sldIdLst>
         </p14:section>
         <p14:section name="Sample Slides" id="{E44D2A90-BAA4-4735-A95E-499D26DBD48E}">
-          <p14:sldIdLst>
-            <p14:sldId id="273"/>
-          </p14:sldIdLst>
+          <p14:sldIdLst/>
         </p14:section>
       </p14:sectionLst>
     </p:ext>
@@ -14200,6 +14203,519 @@
 </p:sld>
 </file>
 
+<file path=ppt/slides/slide10.xml><?xml version="1.0" encoding="utf-8"?>
+<p:sld xmlns:a="http://schemas.openxmlformats.org/drawingml/2006/main" xmlns:r="http://schemas.openxmlformats.org/officeDocument/2006/relationships" xmlns:p="http://schemas.openxmlformats.org/presentationml/2006/main">
+  <p:cSld>
+    <p:spTree>
+      <p:nvGrpSpPr>
+        <p:cNvPr id="1" name=""/>
+        <p:cNvGrpSpPr/>
+        <p:nvPr/>
+      </p:nvGrpSpPr>
+      <p:grpSpPr>
+        <a:xfrm>
+          <a:off x="0" y="0"/>
+          <a:ext cx="0" cy="0"/>
+          <a:chOff x="0" y="0"/>
+          <a:chExt cx="0" cy="0"/>
+        </a:xfrm>
+      </p:grpSpPr>
+      <p:sp>
+        <p:nvSpPr>
+          <p:cNvPr id="2" name="Text Placeholder 1">
+            <a:extLst>
+              <a:ext uri="{FF2B5EF4-FFF2-40B4-BE49-F238E27FC236}">
+                <a16:creationId xmlns:a16="http://schemas.microsoft.com/office/drawing/2014/main" id="{9B23C3C7-3FE7-495B-85A0-9368C8D2AF6F}"/>
+              </a:ext>
+            </a:extLst>
+          </p:cNvPr>
+          <p:cNvSpPr>
+            <a:spLocks noGrp="1"/>
+          </p:cNvSpPr>
+          <p:nvPr>
+            <p:ph type="body" sz="quarter" idx="13"/>
+          </p:nvPr>
+        </p:nvSpPr>
+        <p:spPr>
+          <a:xfrm>
+            <a:off x="7018338" y="2287088"/>
+            <a:ext cx="3852000" cy="720000"/>
+          </a:xfrm>
+        </p:spPr>
+        <p:txBody>
+          <a:bodyPr/>
+          <a:lstStyle/>
+          <a:p>
+            <a:r>
+              <a:rPr lang="en-US" dirty="0"/>
+              <a:t>PostgreSQL</a:t>
+            </a:r>
+          </a:p>
+        </p:txBody>
+      </p:sp>
+      <p:sp>
+        <p:nvSpPr>
+          <p:cNvPr id="3" name="Text Placeholder 2">
+            <a:extLst>
+              <a:ext uri="{FF2B5EF4-FFF2-40B4-BE49-F238E27FC236}">
+                <a16:creationId xmlns:a16="http://schemas.microsoft.com/office/drawing/2014/main" id="{B34DC2C2-12FD-418D-A4FB-AFF8FA98FBC5}"/>
+              </a:ext>
+            </a:extLst>
+          </p:cNvPr>
+          <p:cNvSpPr>
+            <a:spLocks noGrp="1"/>
+          </p:cNvSpPr>
+          <p:nvPr>
+            <p:ph type="body" sz="quarter" idx="14"/>
+          </p:nvPr>
+        </p:nvSpPr>
+        <p:spPr>
+          <a:xfrm>
+            <a:off x="7018338" y="3099432"/>
+            <a:ext cx="3852000" cy="720000"/>
+          </a:xfrm>
+        </p:spPr>
+        <p:txBody>
+          <a:bodyPr/>
+          <a:lstStyle/>
+          <a:p>
+            <a:r>
+              <a:rPr lang="en-US" dirty="0"/>
+              <a:t>Oracle</a:t>
+            </a:r>
+          </a:p>
+        </p:txBody>
+      </p:sp>
+      <p:sp>
+        <p:nvSpPr>
+          <p:cNvPr id="4" name="Text Placeholder 3">
+            <a:extLst>
+              <a:ext uri="{FF2B5EF4-FFF2-40B4-BE49-F238E27FC236}">
+                <a16:creationId xmlns:a16="http://schemas.microsoft.com/office/drawing/2014/main" id="{BCD9E774-CE33-4C92-BB92-50FA65726EB9}"/>
+              </a:ext>
+            </a:extLst>
+          </p:cNvPr>
+          <p:cNvSpPr>
+            <a:spLocks noGrp="1"/>
+          </p:cNvSpPr>
+          <p:nvPr>
+            <p:ph type="body" sz="quarter" idx="15"/>
+          </p:nvPr>
+        </p:nvSpPr>
+        <p:spPr>
+          <a:xfrm>
+            <a:off x="7018338" y="3911777"/>
+            <a:ext cx="3852000" cy="720000"/>
+          </a:xfrm>
+        </p:spPr>
+        <p:txBody>
+          <a:bodyPr/>
+          <a:lstStyle/>
+          <a:p>
+            <a:r>
+              <a:rPr lang="en-US" dirty="0"/>
+              <a:t>BigQuery</a:t>
+            </a:r>
+          </a:p>
+        </p:txBody>
+      </p:sp>
+      <p:sp>
+        <p:nvSpPr>
+          <p:cNvPr id="5" name="Text Placeholder 4">
+            <a:extLst>
+              <a:ext uri="{FF2B5EF4-FFF2-40B4-BE49-F238E27FC236}">
+                <a16:creationId xmlns:a16="http://schemas.microsoft.com/office/drawing/2014/main" id="{85811DB6-4A1F-418A-B7C3-480AA3643012}"/>
+              </a:ext>
+            </a:extLst>
+          </p:cNvPr>
+          <p:cNvSpPr>
+            <a:spLocks noGrp="1"/>
+          </p:cNvSpPr>
+          <p:nvPr>
+            <p:ph type="body" sz="quarter" idx="16"/>
+          </p:nvPr>
+        </p:nvSpPr>
+        <p:spPr>
+          <a:xfrm>
+            <a:off x="7018338" y="4724122"/>
+            <a:ext cx="3852000" cy="720000"/>
+          </a:xfrm>
+        </p:spPr>
+        <p:txBody>
+          <a:bodyPr/>
+          <a:lstStyle/>
+          <a:p>
+            <a:r>
+              <a:rPr lang="en-US" dirty="0"/>
+              <a:t>Comparison</a:t>
+            </a:r>
+          </a:p>
+        </p:txBody>
+      </p:sp>
+      <p:sp>
+        <p:nvSpPr>
+          <p:cNvPr id="7" name="Title 6">
+            <a:extLst>
+              <a:ext uri="{FF2B5EF4-FFF2-40B4-BE49-F238E27FC236}">
+                <a16:creationId xmlns:a16="http://schemas.microsoft.com/office/drawing/2014/main" id="{A9780561-3659-40BC-9234-99F908146292}"/>
+              </a:ext>
+            </a:extLst>
+          </p:cNvPr>
+          <p:cNvSpPr>
+            <a:spLocks noGrp="1"/>
+          </p:cNvSpPr>
+          <p:nvPr>
+            <p:ph type="title"/>
+          </p:nvPr>
+        </p:nvSpPr>
+        <p:spPr/>
+        <p:txBody>
+          <a:bodyPr/>
+          <a:lstStyle/>
+          <a:p>
+            <a:r>
+              <a:rPr lang="en-US" dirty="0"/>
+              <a:t>Demonstration</a:t>
+            </a:r>
+          </a:p>
+        </p:txBody>
+      </p:sp>
+      <p:sp>
+        <p:nvSpPr>
+          <p:cNvPr id="8" name="Slide Number Placeholder 7">
+            <a:extLst>
+              <a:ext uri="{FF2B5EF4-FFF2-40B4-BE49-F238E27FC236}">
+                <a16:creationId xmlns:a16="http://schemas.microsoft.com/office/drawing/2014/main" id="{2F2290D5-E4F6-4DA9-9310-75AF5FC9B019}"/>
+              </a:ext>
+            </a:extLst>
+          </p:cNvPr>
+          <p:cNvSpPr>
+            <a:spLocks noGrp="1"/>
+          </p:cNvSpPr>
+          <p:nvPr>
+            <p:ph type="sldNum" sz="quarter" idx="12"/>
+          </p:nvPr>
+        </p:nvSpPr>
+        <p:spPr/>
+        <p:txBody>
+          <a:bodyPr/>
+          <a:lstStyle/>
+          <a:p>
+            <a:fld id="{9FF96B15-8338-45D5-A943-561235072D66}" type="slidenum">
+              <a:rPr lang="en-US" noProof="0" smtClean="0"/>
+              <a:t>10</a:t>
+            </a:fld>
+            <a:endParaRPr lang="en-US" noProof="0" dirty="0"/>
+          </a:p>
+        </p:txBody>
+      </p:sp>
+      <p:pic>
+        <p:nvPicPr>
+          <p:cNvPr id="3076" name="Picture 4" descr="File:Database-postgres.svg - Wikimedia Commons">
+            <a:extLst>
+              <a:ext uri="{FF2B5EF4-FFF2-40B4-BE49-F238E27FC236}">
+                <a16:creationId xmlns:a16="http://schemas.microsoft.com/office/drawing/2014/main" id="{17F29074-A4A4-4904-BEA8-AD0FB2971829}"/>
+              </a:ext>
+            </a:extLst>
+          </p:cNvPr>
+          <p:cNvPicPr>
+            <a:picLocks noGrp="1" noChangeAspect="1" noChangeArrowheads="1"/>
+          </p:cNvPicPr>
+          <p:nvPr>
+            <p:ph type="pic" sz="quarter" idx="18"/>
+          </p:nvPr>
+        </p:nvPicPr>
+        <p:blipFill>
+          <a:blip r:embed="rId2">
+            <a:extLst>
+              <a:ext uri="{28A0092B-C50C-407E-A947-70E740481C1C}">
+                <a14:useLocalDpi xmlns:a14="http://schemas.microsoft.com/office/drawing/2010/main" val="0"/>
+              </a:ext>
+            </a:extLst>
+          </a:blip>
+          <a:srcRect t="14607" b="14607"/>
+          <a:stretch>
+            <a:fillRect/>
+          </a:stretch>
+        </p:blipFill>
+        <p:spPr bwMode="auto">
+          <a:xfrm>
+            <a:off x="6096000" y="2378075"/>
+            <a:ext cx="536575" cy="536575"/>
+          </a:xfrm>
+          <a:prstGeom prst="rect">
+            <a:avLst/>
+          </a:prstGeom>
+          <a:noFill/>
+          <a:extLst>
+            <a:ext uri="{909E8E84-426E-40DD-AFC4-6F175D3DCCD1}">
+              <a14:hiddenFill xmlns:a14="http://schemas.microsoft.com/office/drawing/2010/main">
+                <a:solidFill>
+                  <a:srgbClr val="FFFFFF"/>
+                </a:solidFill>
+              </a14:hiddenFill>
+            </a:ext>
+          </a:extLst>
+        </p:spPr>
+      </p:pic>
+      <p:pic>
+        <p:nvPicPr>
+          <p:cNvPr id="3078" name="Picture 6" descr="Oracle icon vector 02">
+            <a:extLst>
+              <a:ext uri="{FF2B5EF4-FFF2-40B4-BE49-F238E27FC236}">
+                <a16:creationId xmlns:a16="http://schemas.microsoft.com/office/drawing/2014/main" id="{7F757C3E-F9BB-4807-AD24-2982044AF37B}"/>
+              </a:ext>
+            </a:extLst>
+          </p:cNvPr>
+          <p:cNvPicPr>
+            <a:picLocks noGrp="1" noChangeAspect="1" noChangeArrowheads="1"/>
+          </p:cNvPicPr>
+          <p:nvPr>
+            <p:ph type="pic" sz="quarter" idx="19"/>
+          </p:nvPr>
+        </p:nvPicPr>
+        <p:blipFill>
+          <a:blip r:embed="rId3">
+            <a:extLst>
+              <a:ext uri="{28A0092B-C50C-407E-A947-70E740481C1C}">
+                <a14:useLocalDpi xmlns:a14="http://schemas.microsoft.com/office/drawing/2010/main" val="0"/>
+              </a:ext>
+            </a:extLst>
+          </a:blip>
+          <a:srcRect/>
+          <a:stretch>
+            <a:fillRect/>
+          </a:stretch>
+        </p:blipFill>
+        <p:spPr bwMode="auto">
+          <a:xfrm>
+            <a:off x="6096000" y="3190875"/>
+            <a:ext cx="536575" cy="536575"/>
+          </a:xfrm>
+          <a:prstGeom prst="rect">
+            <a:avLst/>
+          </a:prstGeom>
+          <a:noFill/>
+          <a:extLst>
+            <a:ext uri="{909E8E84-426E-40DD-AFC4-6F175D3DCCD1}">
+              <a14:hiddenFill xmlns:a14="http://schemas.microsoft.com/office/drawing/2010/main">
+                <a:solidFill>
+                  <a:srgbClr val="FFFFFF"/>
+                </a:solidFill>
+              </a14:hiddenFill>
+            </a:ext>
+          </a:extLst>
+        </p:spPr>
+      </p:pic>
+      <p:pic>
+        <p:nvPicPr>
+          <p:cNvPr id="3080" name="Picture 8" descr="BigQuery-icon | Brands BA - BZ">
+            <a:extLst>
+              <a:ext uri="{FF2B5EF4-FFF2-40B4-BE49-F238E27FC236}">
+                <a16:creationId xmlns:a16="http://schemas.microsoft.com/office/drawing/2014/main" id="{7F3F62CA-A73A-4B83-AF7A-1A37A141925C}"/>
+              </a:ext>
+            </a:extLst>
+          </p:cNvPr>
+          <p:cNvPicPr>
+            <a:picLocks noGrp="1" noChangeAspect="1" noChangeArrowheads="1"/>
+          </p:cNvPicPr>
+          <p:nvPr>
+            <p:ph type="pic" sz="quarter" idx="20"/>
+          </p:nvPr>
+        </p:nvPicPr>
+        <p:blipFill>
+          <a:blip r:embed="rId4">
+            <a:extLst>
+              <a:ext uri="{28A0092B-C50C-407E-A947-70E740481C1C}">
+                <a14:useLocalDpi xmlns:a14="http://schemas.microsoft.com/office/drawing/2010/main" val="0"/>
+              </a:ext>
+            </a:extLst>
+          </a:blip>
+          <a:srcRect/>
+          <a:stretch>
+            <a:fillRect/>
+          </a:stretch>
+        </p:blipFill>
+        <p:spPr bwMode="auto">
+          <a:xfrm>
+            <a:off x="6096000" y="4003675"/>
+            <a:ext cx="536575" cy="536575"/>
+          </a:xfrm>
+          <a:prstGeom prst="rect">
+            <a:avLst/>
+          </a:prstGeom>
+          <a:noFill/>
+          <a:extLst>
+            <a:ext uri="{909E8E84-426E-40DD-AFC4-6F175D3DCCD1}">
+              <a14:hiddenFill xmlns:a14="http://schemas.microsoft.com/office/drawing/2010/main">
+                <a:solidFill>
+                  <a:srgbClr val="FFFFFF"/>
+                </a:solidFill>
+              </a14:hiddenFill>
+            </a:ext>
+          </a:extLst>
+        </p:spPr>
+      </p:pic>
+      <p:pic>
+        <p:nvPicPr>
+          <p:cNvPr id="3082" name="Picture 10" descr="Compare Icon - Download Compare Icon 71604 | Noun Project">
+            <a:extLst>
+              <a:ext uri="{FF2B5EF4-FFF2-40B4-BE49-F238E27FC236}">
+                <a16:creationId xmlns:a16="http://schemas.microsoft.com/office/drawing/2014/main" id="{7C485E34-7785-42CD-8092-F67B127B786E}"/>
+              </a:ext>
+            </a:extLst>
+          </p:cNvPr>
+          <p:cNvPicPr>
+            <a:picLocks noGrp="1" noChangeAspect="1" noChangeArrowheads="1"/>
+          </p:cNvPicPr>
+          <p:nvPr>
+            <p:ph type="pic" sz="quarter" idx="21"/>
+          </p:nvPr>
+        </p:nvPicPr>
+        <p:blipFill>
+          <a:blip r:embed="rId5">
+            <a:extLst>
+              <a:ext uri="{28A0092B-C50C-407E-A947-70E740481C1C}">
+                <a14:useLocalDpi xmlns:a14="http://schemas.microsoft.com/office/drawing/2010/main" val="0"/>
+              </a:ext>
+            </a:extLst>
+          </a:blip>
+          <a:srcRect/>
+          <a:stretch>
+            <a:fillRect/>
+          </a:stretch>
+        </p:blipFill>
+        <p:spPr bwMode="auto">
+          <a:xfrm>
+            <a:off x="6096000" y="4816475"/>
+            <a:ext cx="536575" cy="536575"/>
+          </a:xfrm>
+          <a:prstGeom prst="rect">
+            <a:avLst/>
+          </a:prstGeom>
+          <a:noFill/>
+          <a:extLst>
+            <a:ext uri="{909E8E84-426E-40DD-AFC4-6F175D3DCCD1}">
+              <a14:hiddenFill xmlns:a14="http://schemas.microsoft.com/office/drawing/2010/main">
+                <a:solidFill>
+                  <a:srgbClr val="FFFFFF"/>
+                </a:solidFill>
+              </a14:hiddenFill>
+            </a:ext>
+          </a:extLst>
+        </p:spPr>
+      </p:pic>
+    </p:spTree>
+    <p:extLst>
+      <p:ext uri="{BB962C8B-B14F-4D97-AF65-F5344CB8AC3E}">
+        <p14:creationId xmlns:p14="http://schemas.microsoft.com/office/powerpoint/2010/main" val="2345487770"/>
+      </p:ext>
+    </p:extLst>
+  </p:cSld>
+  <p:clrMapOvr>
+    <a:masterClrMapping/>
+  </p:clrMapOvr>
+</p:sld>
+</file>
+
+<file path=ppt/slides/slide11.xml><?xml version="1.0" encoding="utf-8"?>
+<p:sld xmlns:a="http://schemas.openxmlformats.org/drawingml/2006/main" xmlns:r="http://schemas.openxmlformats.org/officeDocument/2006/relationships" xmlns:p="http://schemas.openxmlformats.org/presentationml/2006/main">
+  <p:cSld>
+    <p:spTree>
+      <p:nvGrpSpPr>
+        <p:cNvPr id="1" name=""/>
+        <p:cNvGrpSpPr/>
+        <p:nvPr/>
+      </p:nvGrpSpPr>
+      <p:grpSpPr>
+        <a:xfrm>
+          <a:off x="0" y="0"/>
+          <a:ext cx="0" cy="0"/>
+          <a:chOff x="0" y="0"/>
+          <a:chExt cx="0" cy="0"/>
+        </a:xfrm>
+      </p:grpSpPr>
+      <p:sp>
+        <p:nvSpPr>
+          <p:cNvPr id="7" name="Title 6">
+            <a:extLst>
+              <a:ext uri="{FF2B5EF4-FFF2-40B4-BE49-F238E27FC236}">
+                <a16:creationId xmlns:a16="http://schemas.microsoft.com/office/drawing/2014/main" id="{14918B38-9670-40B0-B006-143EDE24235E}"/>
+              </a:ext>
+            </a:extLst>
+          </p:cNvPr>
+          <p:cNvSpPr>
+            <a:spLocks noGrp="1"/>
+          </p:cNvSpPr>
+          <p:nvPr>
+            <p:ph type="title"/>
+          </p:nvPr>
+        </p:nvSpPr>
+        <p:spPr>
+          <a:xfrm>
+            <a:off x="5643297" y="2287088"/>
+            <a:ext cx="5631507" cy="2283824"/>
+          </a:xfrm>
+        </p:spPr>
+        <p:txBody>
+          <a:bodyPr/>
+          <a:lstStyle/>
+          <a:p>
+            <a:r>
+              <a:rPr lang="en-US" sz="4800" dirty="0">
+                <a:solidFill>
+                  <a:schemeClr val="accent1">
+                    <a:lumMod val="75000"/>
+                  </a:schemeClr>
+                </a:solidFill>
+              </a:rPr>
+              <a:t>ANY QUESTIONS?</a:t>
+            </a:r>
+          </a:p>
+        </p:txBody>
+      </p:sp>
+      <p:sp>
+        <p:nvSpPr>
+          <p:cNvPr id="8" name="Slide Number Placeholder 7">
+            <a:extLst>
+              <a:ext uri="{FF2B5EF4-FFF2-40B4-BE49-F238E27FC236}">
+                <a16:creationId xmlns:a16="http://schemas.microsoft.com/office/drawing/2014/main" id="{FB8BD3B7-95B6-4B14-AFD5-730E349AEB62}"/>
+              </a:ext>
+            </a:extLst>
+          </p:cNvPr>
+          <p:cNvSpPr>
+            <a:spLocks noGrp="1"/>
+          </p:cNvSpPr>
+          <p:nvPr>
+            <p:ph type="sldNum" sz="quarter" idx="12"/>
+          </p:nvPr>
+        </p:nvSpPr>
+        <p:spPr/>
+        <p:txBody>
+          <a:bodyPr/>
+          <a:lstStyle/>
+          <a:p>
+            <a:fld id="{9FF96B15-8338-45D5-A943-561235072D66}" type="slidenum">
+              <a:rPr lang="en-US" noProof="0" smtClean="0"/>
+              <a:t>11</a:t>
+            </a:fld>
+            <a:endParaRPr lang="en-US" noProof="0" dirty="0"/>
+          </a:p>
+        </p:txBody>
+      </p:sp>
+    </p:spTree>
+    <p:extLst>
+      <p:ext uri="{BB962C8B-B14F-4D97-AF65-F5344CB8AC3E}">
+        <p14:creationId xmlns:p14="http://schemas.microsoft.com/office/powerpoint/2010/main" val="68560985"/>
+      </p:ext>
+    </p:extLst>
+  </p:cSld>
+  <p:clrMapOvr>
+    <a:masterClrMapping/>
+  </p:clrMapOvr>
+</p:sld>
+</file>
+
 <file path=ppt/slides/slide2.xml><?xml version="1.0" encoding="utf-8"?>
 <p:sld xmlns:a="http://schemas.openxmlformats.org/drawingml/2006/main" xmlns:r="http://schemas.openxmlformats.org/officeDocument/2006/relationships" xmlns:p="http://schemas.openxmlformats.org/presentationml/2006/main">
   <p:cSld>
@@ -14267,10 +14783,9 @@
           <a:lstStyle/>
           <a:p>
             <a:r>
-              <a:rPr lang="en-US" dirty="0" err="1"/>
+              <a:rPr lang="en-US" dirty="0"/>
               <a:t>BigQuery</a:t>
             </a:r>
-            <a:endParaRPr lang="en-US" dirty="0"/>
           </a:p>
         </p:txBody>
       </p:sp>
@@ -14290,23 +14805,28 @@
             <p:ph type="body" sz="quarter" idx="15"/>
           </p:nvPr>
         </p:nvSpPr>
-        <p:spPr/>
+        <p:spPr>
+          <a:xfrm>
+            <a:off x="6792913" y="3373500"/>
+            <a:ext cx="3852000" cy="812345"/>
+          </a:xfrm>
+        </p:spPr>
         <p:txBody>
           <a:bodyPr>
-            <a:normAutofit fontScale="70000" lnSpcReduction="20000"/>
+            <a:noAutofit/>
           </a:bodyPr>
           <a:lstStyle/>
           <a:p>
-            <a:endParaRPr lang="en-US" dirty="0"/>
+            <a:endParaRPr lang="en-US" sz="2000" dirty="0"/>
           </a:p>
           <a:p>
             <a:r>
-              <a:rPr lang="en-US" dirty="0"/>
+              <a:rPr lang="en-US" sz="2000" dirty="0"/>
               <a:t>Role of Distributed Systems in Big Query</a:t>
             </a:r>
           </a:p>
           <a:p>
-            <a:endParaRPr lang="en-US" dirty="0"/>
+            <a:endParaRPr lang="en-US" sz="2000" dirty="0"/>
           </a:p>
         </p:txBody>
       </p:sp>
@@ -14326,16 +14846,20 @@
             <p:ph type="body" sz="quarter" idx="16"/>
           </p:nvPr>
         </p:nvSpPr>
-        <p:spPr/>
+        <p:spPr>
+          <a:xfrm>
+            <a:off x="6792913" y="4302511"/>
+            <a:ext cx="3852000" cy="720000"/>
+          </a:xfrm>
+        </p:spPr>
         <p:txBody>
           <a:bodyPr/>
           <a:lstStyle/>
           <a:p>
             <a:r>
-              <a:rPr lang="en-US" dirty="0" err="1"/>
+              <a:rPr lang="en-US" dirty="0"/>
               <a:t>Demonstation</a:t>
             </a:r>
-            <a:endParaRPr lang="en-US" dirty="0"/>
           </a:p>
         </p:txBody>
       </p:sp>
@@ -14355,7 +14879,12 @@
             <p:ph type="body" sz="quarter" idx="17"/>
           </p:nvPr>
         </p:nvSpPr>
-        <p:spPr/>
+        <p:spPr>
+          <a:xfrm>
+            <a:off x="6792913" y="5089882"/>
+            <a:ext cx="3852000" cy="720000"/>
+          </a:xfrm>
+        </p:spPr>
         <p:txBody>
           <a:bodyPr/>
           <a:lstStyle/>
@@ -14424,96 +14953,223 @@
           </a:p>
         </p:txBody>
       </p:sp>
-      <p:sp>
-        <p:nvSpPr>
-          <p:cNvPr id="9" name="Picture Placeholder 8">
+      <p:pic>
+        <p:nvPicPr>
+          <p:cNvPr id="4098" name="Picture 2" descr="Problem statements icon flat design Royalty Free Vector">
             <a:extLst>
               <a:ext uri="{FF2B5EF4-FFF2-40B4-BE49-F238E27FC236}">
-                <a16:creationId xmlns:a16="http://schemas.microsoft.com/office/drawing/2014/main" id="{DF309146-7087-4DEF-91FD-9E2247664312}"/>
+                <a16:creationId xmlns:a16="http://schemas.microsoft.com/office/drawing/2014/main" id="{EFD02C32-E5C1-492F-A5E2-B53B21B8E78C}"/>
               </a:ext>
             </a:extLst>
           </p:cNvPr>
-          <p:cNvSpPr>
-            <a:spLocks noGrp="1"/>
-          </p:cNvSpPr>
+          <p:cNvPicPr>
+            <a:picLocks noGrp="1" noChangeAspect="1" noChangeArrowheads="1"/>
+          </p:cNvPicPr>
           <p:nvPr>
             <p:ph type="pic" sz="quarter" idx="18"/>
           </p:nvPr>
-        </p:nvSpPr>
-        <p:spPr/>
-      </p:sp>
-      <p:sp>
-        <p:nvSpPr>
-          <p:cNvPr id="10" name="Picture Placeholder 9">
+        </p:nvPicPr>
+        <p:blipFill>
+          <a:blip r:embed="rId2">
+            <a:extLst>
+              <a:ext uri="{28A0092B-C50C-407E-A947-70E740481C1C}">
+                <a14:useLocalDpi xmlns:a14="http://schemas.microsoft.com/office/drawing/2010/main" val="0"/>
+              </a:ext>
+            </a:extLst>
+          </a:blip>
+          <a:srcRect t="3648" b="3648"/>
+          <a:stretch>
+            <a:fillRect/>
+          </a:stretch>
+        </p:blipFill>
+        <p:spPr bwMode="auto">
+          <a:xfrm>
+            <a:off x="5870575" y="1840504"/>
+            <a:ext cx="536616" cy="536616"/>
+          </a:xfrm>
+          <a:prstGeom prst="rect">
+            <a:avLst/>
+          </a:prstGeom>
+          <a:noFill/>
+          <a:extLst>
+            <a:ext uri="{909E8E84-426E-40DD-AFC4-6F175D3DCCD1}">
+              <a14:hiddenFill xmlns:a14="http://schemas.microsoft.com/office/drawing/2010/main">
+                <a:solidFill>
+                  <a:srgbClr val="FFFFFF"/>
+                </a:solidFill>
+              </a14:hiddenFill>
+            </a:ext>
+          </a:extLst>
+        </p:spPr>
+      </p:pic>
+      <p:pic>
+        <p:nvPicPr>
+          <p:cNvPr id="15" name="Picture Placeholder 14">
             <a:extLst>
               <a:ext uri="{FF2B5EF4-FFF2-40B4-BE49-F238E27FC236}">
-                <a16:creationId xmlns:a16="http://schemas.microsoft.com/office/drawing/2014/main" id="{F58C5CBA-C8E6-47CA-879B-7666734AF5F7}"/>
+                <a16:creationId xmlns:a16="http://schemas.microsoft.com/office/drawing/2014/main" id="{E586313D-3E04-4E6D-A7E5-967476A31358}"/>
               </a:ext>
             </a:extLst>
           </p:cNvPr>
-          <p:cNvSpPr>
-            <a:spLocks noGrp="1"/>
-          </p:cNvSpPr>
+          <p:cNvPicPr>
+            <a:picLocks noGrp="1" noChangeAspect="1"/>
+          </p:cNvPicPr>
           <p:nvPr>
             <p:ph type="pic" sz="quarter" idx="19"/>
           </p:nvPr>
-        </p:nvSpPr>
-        <p:spPr/>
-      </p:sp>
-      <p:sp>
-        <p:nvSpPr>
-          <p:cNvPr id="11" name="Picture Placeholder 10">
+        </p:nvPicPr>
+        <p:blipFill>
+          <a:blip r:embed="rId3"/>
+          <a:srcRect/>
+          <a:stretch>
+            <a:fillRect/>
+          </a:stretch>
+        </p:blipFill>
+        <p:spPr>
+          <a:xfrm>
+            <a:off x="5870575" y="2652713"/>
+            <a:ext cx="536575" cy="536575"/>
+          </a:xfrm>
+          <a:prstGeom prst="rect">
+            <a:avLst/>
+          </a:prstGeom>
+        </p:spPr>
+      </p:pic>
+      <p:pic>
+        <p:nvPicPr>
+          <p:cNvPr id="4108" name="Picture 12" descr="Distribution System Icon Images, Stock Photos &amp; Vectors | Shutterstock">
             <a:extLst>
               <a:ext uri="{FF2B5EF4-FFF2-40B4-BE49-F238E27FC236}">
-                <a16:creationId xmlns:a16="http://schemas.microsoft.com/office/drawing/2014/main" id="{600E1641-4E96-4890-A816-4FE41F5CAAB7}"/>
+                <a16:creationId xmlns:a16="http://schemas.microsoft.com/office/drawing/2014/main" id="{5A485B00-90F5-4A06-B745-253BA9C92F11}"/>
               </a:ext>
             </a:extLst>
           </p:cNvPr>
-          <p:cNvSpPr>
-            <a:spLocks noGrp="1"/>
-          </p:cNvSpPr>
+          <p:cNvPicPr>
+            <a:picLocks noGrp="1" noChangeAspect="1" noChangeArrowheads="1"/>
+          </p:cNvPicPr>
           <p:nvPr>
             <p:ph type="pic" sz="quarter" idx="20"/>
           </p:nvPr>
-        </p:nvSpPr>
-        <p:spPr/>
-      </p:sp>
-      <p:sp>
-        <p:nvSpPr>
-          <p:cNvPr id="12" name="Picture Placeholder 11">
+        </p:nvPicPr>
+        <p:blipFill>
+          <a:blip r:embed="rId4">
+            <a:extLst>
+              <a:ext uri="{28A0092B-C50C-407E-A947-70E740481C1C}">
+                <a14:useLocalDpi xmlns:a14="http://schemas.microsoft.com/office/drawing/2010/main" val="0"/>
+              </a:ext>
+            </a:extLst>
+          </a:blip>
+          <a:srcRect t="3648" b="3648"/>
+          <a:stretch>
+            <a:fillRect/>
+          </a:stretch>
+        </p:blipFill>
+        <p:spPr bwMode="auto">
+          <a:prstGeom prst="rect">
+            <a:avLst/>
+          </a:prstGeom>
+          <a:noFill/>
+          <a:extLst>
+            <a:ext uri="{909E8E84-426E-40DD-AFC4-6F175D3DCCD1}">
+              <a14:hiddenFill xmlns:a14="http://schemas.microsoft.com/office/drawing/2010/main">
+                <a:solidFill>
+                  <a:srgbClr val="FFFFFF"/>
+                </a:solidFill>
+              </a14:hiddenFill>
+            </a:ext>
+          </a:extLst>
+        </p:spPr>
+      </p:pic>
+      <p:pic>
+        <p:nvPicPr>
+          <p:cNvPr id="4110" name="Picture 14" descr="Demo sign icon. Demonstration symbol. – UNDERMINER STUDIOS">
             <a:extLst>
               <a:ext uri="{FF2B5EF4-FFF2-40B4-BE49-F238E27FC236}">
-                <a16:creationId xmlns:a16="http://schemas.microsoft.com/office/drawing/2014/main" id="{98C1CCB4-3510-4375-A4BB-752690A1A414}"/>
+                <a16:creationId xmlns:a16="http://schemas.microsoft.com/office/drawing/2014/main" id="{BC09D6A8-6DCF-47BF-B835-8DCAAF93F9BF}"/>
               </a:ext>
             </a:extLst>
           </p:cNvPr>
-          <p:cNvSpPr>
-            <a:spLocks noGrp="1"/>
-          </p:cNvSpPr>
+          <p:cNvPicPr>
+            <a:picLocks noGrp="1" noChangeAspect="1" noChangeArrowheads="1"/>
+          </p:cNvPicPr>
           <p:nvPr>
             <p:ph type="pic" sz="quarter" idx="21"/>
           </p:nvPr>
-        </p:nvSpPr>
-        <p:spPr/>
-      </p:sp>
-      <p:sp>
-        <p:nvSpPr>
-          <p:cNvPr id="13" name="Picture Placeholder 12">
+        </p:nvPicPr>
+        <p:blipFill>
+          <a:blip r:embed="rId5">
+            <a:extLst>
+              <a:ext uri="{28A0092B-C50C-407E-A947-70E740481C1C}">
+                <a14:useLocalDpi xmlns:a14="http://schemas.microsoft.com/office/drawing/2010/main" val="0"/>
+              </a:ext>
+            </a:extLst>
+          </a:blip>
+          <a:srcRect/>
+          <a:stretch>
+            <a:fillRect/>
+          </a:stretch>
+        </p:blipFill>
+        <p:spPr bwMode="auto">
+          <a:prstGeom prst="rect">
+            <a:avLst/>
+          </a:prstGeom>
+          <a:noFill/>
+          <a:extLst>
+            <a:ext uri="{909E8E84-426E-40DD-AFC4-6F175D3DCCD1}">
+              <a14:hiddenFill xmlns:a14="http://schemas.microsoft.com/office/drawing/2010/main">
+                <a:solidFill>
+                  <a:srgbClr val="FFFFFF"/>
+                </a:solidFill>
+              </a14:hiddenFill>
+            </a:ext>
+          </a:extLst>
+        </p:spPr>
+      </p:pic>
+      <p:pic>
+        <p:nvPicPr>
+          <p:cNvPr id="4114" name="Picture 18" descr="Performance Appraisal Q A Division Compass Question - Q&amp;a Icon Transparent  Background, HD Png Download , Transparent Png Image - PNGitem">
             <a:extLst>
               <a:ext uri="{FF2B5EF4-FFF2-40B4-BE49-F238E27FC236}">
-                <a16:creationId xmlns:a16="http://schemas.microsoft.com/office/drawing/2014/main" id="{B0C9C815-D241-421E-B55E-C342DBA8B22B}"/>
+                <a16:creationId xmlns:a16="http://schemas.microsoft.com/office/drawing/2014/main" id="{55AC88E3-97E7-4F55-BF48-9FB3EE160981}"/>
               </a:ext>
             </a:extLst>
           </p:cNvPr>
-          <p:cNvSpPr>
-            <a:spLocks noGrp="1"/>
-          </p:cNvSpPr>
+          <p:cNvPicPr>
+            <a:picLocks noGrp="1" noChangeAspect="1" noChangeArrowheads="1"/>
+          </p:cNvPicPr>
           <p:nvPr>
             <p:ph type="pic" sz="quarter" idx="23"/>
           </p:nvPr>
-        </p:nvSpPr>
-        <p:spPr/>
-      </p:sp>
+        </p:nvPicPr>
+        <p:blipFill>
+          <a:blip r:embed="rId6">
+            <a:extLst>
+              <a:ext uri="{28A0092B-C50C-407E-A947-70E740481C1C}">
+                <a14:useLocalDpi xmlns:a14="http://schemas.microsoft.com/office/drawing/2010/main" val="0"/>
+              </a:ext>
+            </a:extLst>
+          </a:blip>
+          <a:srcRect l="11523" r="11523"/>
+          <a:stretch>
+            <a:fillRect/>
+          </a:stretch>
+        </p:blipFill>
+        <p:spPr bwMode="auto">
+          <a:prstGeom prst="rect">
+            <a:avLst/>
+          </a:prstGeom>
+          <a:noFill/>
+          <a:extLst>
+            <a:ext uri="{909E8E84-426E-40DD-AFC4-6F175D3DCCD1}">
+              <a14:hiddenFill xmlns:a14="http://schemas.microsoft.com/office/drawing/2010/main">
+                <a:solidFill>
+                  <a:srgbClr val="FFFFFF"/>
+                </a:solidFill>
+              </a14:hiddenFill>
+            </a:ext>
+          </a:extLst>
+        </p:spPr>
+      </p:pic>
     </p:spTree>
     <p:extLst>
       <p:ext uri="{BB962C8B-B14F-4D97-AF65-F5344CB8AC3E}">
@@ -14616,7 +15272,7 @@
         <p:spPr>
           <a:xfrm>
             <a:off x="5939405" y="3050487"/>
-            <a:ext cx="5167444" cy="923330"/>
+            <a:ext cx="5167444" cy="1661993"/>
           </a:xfrm>
           <a:prstGeom prst="rect">
             <a:avLst/>
@@ -14631,7 +15287,7 @@
           <a:p>
             <a:pPr algn="ctr"/>
             <a:r>
-              <a:rPr lang="en-US" b="1" dirty="0">
+              <a:rPr lang="en-US" sz="2800" b="1" dirty="0">
                 <a:solidFill>
                   <a:schemeClr val="tx2">
                     <a:lumMod val="60000"/>
@@ -14734,6 +15390,233 @@
           </a:p>
         </p:txBody>
       </p:sp>
+      <p:pic>
+        <p:nvPicPr>
+          <p:cNvPr id="3" name="Picture 2">
+            <a:extLst>
+              <a:ext uri="{FF2B5EF4-FFF2-40B4-BE49-F238E27FC236}">
+                <a16:creationId xmlns:a16="http://schemas.microsoft.com/office/drawing/2014/main" id="{B24CCD53-E017-4059-B71E-3E7174D259DD}"/>
+              </a:ext>
+            </a:extLst>
+          </p:cNvPr>
+          <p:cNvPicPr>
+            <a:picLocks noChangeAspect="1"/>
+          </p:cNvPicPr>
+          <p:nvPr/>
+        </p:nvPicPr>
+        <p:blipFill>
+          <a:blip r:embed="rId2"/>
+          <a:stretch>
+            <a:fillRect/>
+          </a:stretch>
+        </p:blipFill>
+        <p:spPr>
+          <a:xfrm>
+            <a:off x="10012963" y="4460897"/>
+            <a:ext cx="2048161" cy="1933845"/>
+          </a:xfrm>
+          <a:prstGeom prst="rect">
+            <a:avLst/>
+          </a:prstGeom>
+        </p:spPr>
+      </p:pic>
+      <p:pic>
+        <p:nvPicPr>
+          <p:cNvPr id="5" name="Picture 4">
+            <a:extLst>
+              <a:ext uri="{FF2B5EF4-FFF2-40B4-BE49-F238E27FC236}">
+                <a16:creationId xmlns:a16="http://schemas.microsoft.com/office/drawing/2014/main" id="{648B0D3C-404A-49E4-B7D6-602A8B3BCA09}"/>
+              </a:ext>
+            </a:extLst>
+          </p:cNvPr>
+          <p:cNvPicPr>
+            <a:picLocks noChangeAspect="1"/>
+          </p:cNvPicPr>
+          <p:nvPr/>
+        </p:nvPicPr>
+        <p:blipFill>
+          <a:blip r:embed="rId3"/>
+          <a:stretch>
+            <a:fillRect/>
+          </a:stretch>
+        </p:blipFill>
+        <p:spPr>
+          <a:xfrm>
+            <a:off x="1392685" y="2070629"/>
+            <a:ext cx="1076475" cy="1076475"/>
+          </a:xfrm>
+          <a:prstGeom prst="rect">
+            <a:avLst/>
+          </a:prstGeom>
+        </p:spPr>
+      </p:pic>
+      <p:sp>
+        <p:nvSpPr>
+          <p:cNvPr id="6" name="TextBox 5">
+            <a:extLst>
+              <a:ext uri="{FF2B5EF4-FFF2-40B4-BE49-F238E27FC236}">
+                <a16:creationId xmlns:a16="http://schemas.microsoft.com/office/drawing/2014/main" id="{3A54C2FE-403F-487C-B2C9-AF1B95264221}"/>
+              </a:ext>
+            </a:extLst>
+          </p:cNvPr>
+          <p:cNvSpPr txBox="1"/>
+          <p:nvPr/>
+        </p:nvSpPr>
+        <p:spPr>
+          <a:xfrm>
+            <a:off x="5939406" y="2410105"/>
+            <a:ext cx="5189917" cy="1477328"/>
+          </a:xfrm>
+          <a:prstGeom prst="rect">
+            <a:avLst/>
+          </a:prstGeom>
+          <a:noFill/>
+        </p:spPr>
+        <p:txBody>
+          <a:bodyPr wrap="square" rtlCol="0">
+            <a:spAutoFit/>
+          </a:bodyPr>
+          <a:lstStyle/>
+          <a:p>
+            <a:pPr algn="ctr"/>
+            <a:r>
+              <a:rPr lang="en-US" dirty="0">
+                <a:solidFill>
+                  <a:schemeClr val="tx2">
+                    <a:lumMod val="60000"/>
+                    <a:lumOff val="40000"/>
+                  </a:schemeClr>
+                </a:solidFill>
+              </a:rPr>
+              <a:t>BigQuery is a fully managed enterprise data warehouse that helps you manage and analyze your data with built-in features like machine learning, geospatial analysis, and business intelligence.</a:t>
+            </a:r>
+          </a:p>
+        </p:txBody>
+      </p:sp>
+      <p:pic>
+        <p:nvPicPr>
+          <p:cNvPr id="1030" name="Picture 6" descr="Badge, language, line, logo, query, sql, structured icon - Download on  Iconfinder">
+            <a:extLst>
+              <a:ext uri="{FF2B5EF4-FFF2-40B4-BE49-F238E27FC236}">
+                <a16:creationId xmlns:a16="http://schemas.microsoft.com/office/drawing/2014/main" id="{E091F013-DA97-4CA7-A1B6-271C0FE66E13}"/>
+              </a:ext>
+            </a:extLst>
+          </p:cNvPr>
+          <p:cNvPicPr>
+            <a:picLocks noChangeAspect="1" noChangeArrowheads="1"/>
+          </p:cNvPicPr>
+          <p:nvPr/>
+        </p:nvPicPr>
+        <p:blipFill>
+          <a:blip r:embed="rId4">
+            <a:extLst>
+              <a:ext uri="{28A0092B-C50C-407E-A947-70E740481C1C}">
+                <a14:useLocalDpi xmlns:a14="http://schemas.microsoft.com/office/drawing/2010/main" val="0"/>
+              </a:ext>
+            </a:extLst>
+          </a:blip>
+          <a:srcRect/>
+          <a:stretch>
+            <a:fillRect/>
+          </a:stretch>
+        </p:blipFill>
+        <p:spPr bwMode="auto">
+          <a:xfrm>
+            <a:off x="8569489" y="4706083"/>
+            <a:ext cx="1443474" cy="1443474"/>
+          </a:xfrm>
+          <a:prstGeom prst="rect">
+            <a:avLst/>
+          </a:prstGeom>
+          <a:noFill/>
+          <a:extLst>
+            <a:ext uri="{909E8E84-426E-40DD-AFC4-6F175D3DCCD1}">
+              <a14:hiddenFill xmlns:a14="http://schemas.microsoft.com/office/drawing/2010/main">
+                <a:solidFill>
+                  <a:srgbClr val="FFFFFF"/>
+                </a:solidFill>
+              </a14:hiddenFill>
+            </a:ext>
+          </a:extLst>
+        </p:spPr>
+      </p:pic>
+      <p:pic>
+        <p:nvPicPr>
+          <p:cNvPr id="10" name="Picture 9">
+            <a:extLst>
+              <a:ext uri="{FF2B5EF4-FFF2-40B4-BE49-F238E27FC236}">
+                <a16:creationId xmlns:a16="http://schemas.microsoft.com/office/drawing/2014/main" id="{AD5980D7-2ED9-4B1F-BC32-1854FA5ECD0F}"/>
+              </a:ext>
+            </a:extLst>
+          </p:cNvPr>
+          <p:cNvPicPr>
+            <a:picLocks noChangeAspect="1"/>
+          </p:cNvPicPr>
+          <p:nvPr/>
+        </p:nvPicPr>
+        <p:blipFill>
+          <a:blip r:embed="rId5"/>
+          <a:stretch>
+            <a:fillRect/>
+          </a:stretch>
+        </p:blipFill>
+        <p:spPr>
+          <a:xfrm>
+            <a:off x="6762882" y="4744149"/>
+            <a:ext cx="1409897" cy="1362265"/>
+          </a:xfrm>
+          <a:prstGeom prst="rect">
+            <a:avLst/>
+          </a:prstGeom>
+        </p:spPr>
+      </p:pic>
+      <p:pic>
+        <p:nvPicPr>
+          <p:cNvPr id="1036" name="Picture 12" descr="What are RESTful Web Services">
+            <a:extLst>
+              <a:ext uri="{FF2B5EF4-FFF2-40B4-BE49-F238E27FC236}">
+                <a16:creationId xmlns:a16="http://schemas.microsoft.com/office/drawing/2014/main" id="{B4166525-D85A-48D8-BBC8-B6482380042B}"/>
+              </a:ext>
+            </a:extLst>
+          </p:cNvPr>
+          <p:cNvPicPr>
+            <a:picLocks noChangeAspect="1" noChangeArrowheads="1"/>
+          </p:cNvPicPr>
+          <p:nvPr/>
+        </p:nvPicPr>
+        <p:blipFill>
+          <a:blip r:embed="rId6">
+            <a:extLst>
+              <a:ext uri="{28A0092B-C50C-407E-A947-70E740481C1C}">
+                <a14:useLocalDpi xmlns:a14="http://schemas.microsoft.com/office/drawing/2010/main" val="0"/>
+              </a:ext>
+            </a:extLst>
+          </a:blip>
+          <a:srcRect/>
+          <a:stretch>
+            <a:fillRect/>
+          </a:stretch>
+        </p:blipFill>
+        <p:spPr bwMode="auto">
+          <a:xfrm>
+            <a:off x="4966739" y="4460897"/>
+            <a:ext cx="1786374" cy="1842956"/>
+          </a:xfrm>
+          <a:prstGeom prst="rect">
+            <a:avLst/>
+          </a:prstGeom>
+          <a:noFill/>
+          <a:extLst>
+            <a:ext uri="{909E8E84-426E-40DD-AFC4-6F175D3DCCD1}">
+              <a14:hiddenFill xmlns:a14="http://schemas.microsoft.com/office/drawing/2010/main">
+                <a:solidFill>
+                  <a:srgbClr val="FFFFFF"/>
+                </a:solidFill>
+              </a14:hiddenFill>
+            </a:ext>
+          </a:extLst>
+        </p:spPr>
+      </p:pic>
     </p:spTree>
     <p:extLst>
       <p:ext uri="{BB962C8B-B14F-4D97-AF65-F5344CB8AC3E}">
@@ -14769,7 +15652,7 @@
           <p:cNvPr id="7" name="Title 6">
             <a:extLst>
               <a:ext uri="{FF2B5EF4-FFF2-40B4-BE49-F238E27FC236}">
-                <a16:creationId xmlns:a16="http://schemas.microsoft.com/office/drawing/2014/main" id="{33702163-F7D8-4960-8CE0-684C20414725}"/>
+                <a16:creationId xmlns:a16="http://schemas.microsoft.com/office/drawing/2014/main" id="{C20AD737-BA9A-4BC3-88BF-D800EC8254DD}"/>
               </a:ext>
             </a:extLst>
           </p:cNvPr>
@@ -14787,13 +15670,8 @@
           <a:p>
             <a:r>
               <a:rPr lang="en-US" dirty="0"/>
-              <a:t>Architecture of </a:t>
+              <a:t>Why BigQuery</a:t>
             </a:r>
-            <a:r>
-              <a:rPr lang="en-US" dirty="0" err="1"/>
-              <a:t>BigQuery</a:t>
-            </a:r>
-            <a:endParaRPr lang="en-US" dirty="0"/>
           </a:p>
         </p:txBody>
       </p:sp>
@@ -14802,7 +15680,7 @@
           <p:cNvPr id="8" name="Slide Number Placeholder 7">
             <a:extLst>
               <a:ext uri="{FF2B5EF4-FFF2-40B4-BE49-F238E27FC236}">
-                <a16:creationId xmlns:a16="http://schemas.microsoft.com/office/drawing/2014/main" id="{A7EC007B-9876-44C1-A43F-F71F0C98AB07}"/>
+                <a16:creationId xmlns:a16="http://schemas.microsoft.com/office/drawing/2014/main" id="{8B08D39F-6392-49CD-B687-80A81356D1CE}"/>
               </a:ext>
             </a:extLst>
           </p:cNvPr>
@@ -14826,42 +15704,271 @@
           </a:p>
         </p:txBody>
       </p:sp>
-      <p:pic>
-        <p:nvPicPr>
-          <p:cNvPr id="14" name="Image1">
+      <p:sp>
+        <p:nvSpPr>
+          <p:cNvPr id="14" name="TextBox 13">
             <a:extLst>
               <a:ext uri="{FF2B5EF4-FFF2-40B4-BE49-F238E27FC236}">
-                <a16:creationId xmlns:a16="http://schemas.microsoft.com/office/drawing/2014/main" id="{A9D7CF49-77DB-45A4-80CA-B24719237C40}"/>
+                <a16:creationId xmlns:a16="http://schemas.microsoft.com/office/drawing/2014/main" id="{ABB5F958-C0FA-4C7C-9348-7C2ADB03B770}"/>
               </a:ext>
             </a:extLst>
           </p:cNvPr>
-          <p:cNvPicPr/>
+          <p:cNvSpPr txBox="1"/>
           <p:nvPr/>
-        </p:nvPicPr>
-        <p:blipFill>
-          <a:blip r:embed="rId2">
-            <a:lum/>
-            <a:alphaModFix/>
-          </a:blip>
-          <a:srcRect/>
-          <a:stretch>
-            <a:fillRect/>
-          </a:stretch>
-        </p:blipFill>
+        </p:nvSpPr>
         <p:spPr>
           <a:xfrm>
-            <a:off x="5276675" y="1375793"/>
-            <a:ext cx="6434356" cy="4152551"/>
+            <a:off x="5394121" y="1224555"/>
+            <a:ext cx="6400800" cy="4714176"/>
           </a:xfrm>
           <a:prstGeom prst="rect">
             <a:avLst/>
           </a:prstGeom>
+          <a:noFill/>
         </p:spPr>
-      </p:pic>
+        <p:txBody>
+          <a:bodyPr wrap="square" rtlCol="0">
+            <a:spAutoFit/>
+          </a:bodyPr>
+          <a:lstStyle/>
+          <a:p>
+            <a:pPr marL="285750" indent="-285750">
+              <a:lnSpc>
+                <a:spcPct val="150000"/>
+              </a:lnSpc>
+              <a:buFont typeface="Arial" panose="020B0604020202020204" pitchFamily="34" charset="0"/>
+              <a:buChar char="•"/>
+            </a:pPr>
+            <a:r>
+              <a:rPr lang="en-US" dirty="0">
+                <a:solidFill>
+                  <a:schemeClr val="tx2">
+                    <a:lumMod val="60000"/>
+                    <a:lumOff val="40000"/>
+                  </a:schemeClr>
+                </a:solidFill>
+              </a:rPr>
+              <a:t>Service for interactive analysis of massive datasets (TBs) </a:t>
+            </a:r>
+          </a:p>
+          <a:p>
+            <a:pPr marL="742950" lvl="1" indent="-285750">
+              <a:lnSpc>
+                <a:spcPct val="150000"/>
+              </a:lnSpc>
+              <a:buFont typeface="Wingdings" panose="05000000000000000000" pitchFamily="2" charset="2"/>
+              <a:buChar char="ü"/>
+            </a:pPr>
+            <a:r>
+              <a:rPr lang="en-US" sz="1400" dirty="0">
+                <a:solidFill>
+                  <a:schemeClr val="accent2">
+                    <a:lumMod val="75000"/>
+                  </a:schemeClr>
+                </a:solidFill>
+              </a:rPr>
+              <a:t>Query billions of rows: seconds to write, seconds to return </a:t>
+            </a:r>
+          </a:p>
+          <a:p>
+            <a:pPr marL="742950" lvl="1" indent="-285750">
+              <a:lnSpc>
+                <a:spcPct val="150000"/>
+              </a:lnSpc>
+              <a:buFont typeface="Wingdings" panose="05000000000000000000" pitchFamily="2" charset="2"/>
+              <a:buChar char="ü"/>
+            </a:pPr>
+            <a:r>
+              <a:rPr lang="en-US" sz="1400" dirty="0">
+                <a:solidFill>
+                  <a:schemeClr val="accent2">
+                    <a:lumMod val="75000"/>
+                  </a:schemeClr>
+                </a:solidFill>
+              </a:rPr>
+              <a:t>Uses a SQL-style query syntax </a:t>
+            </a:r>
+          </a:p>
+          <a:p>
+            <a:pPr marL="742950" lvl="1" indent="-285750">
+              <a:lnSpc>
+                <a:spcPct val="150000"/>
+              </a:lnSpc>
+              <a:buFont typeface="Wingdings" panose="05000000000000000000" pitchFamily="2" charset="2"/>
+              <a:buChar char="ü"/>
+            </a:pPr>
+            <a:r>
+              <a:rPr lang="en-US" sz="1400" dirty="0">
+                <a:solidFill>
+                  <a:schemeClr val="accent2">
+                    <a:lumMod val="75000"/>
+                  </a:schemeClr>
+                </a:solidFill>
+              </a:rPr>
+              <a:t>It's a service, can be accessed by a API </a:t>
+            </a:r>
+          </a:p>
+          <a:p>
+            <a:pPr marL="285750" indent="-285750">
+              <a:lnSpc>
+                <a:spcPct val="150000"/>
+              </a:lnSpc>
+              <a:buFont typeface="Arial" panose="020B0604020202020204" pitchFamily="34" charset="0"/>
+              <a:buChar char="•"/>
+            </a:pPr>
+            <a:r>
+              <a:rPr lang="en-US" dirty="0">
+                <a:solidFill>
+                  <a:schemeClr val="tx2">
+                    <a:lumMod val="60000"/>
+                    <a:lumOff val="40000"/>
+                  </a:schemeClr>
+                </a:solidFill>
+              </a:rPr>
+              <a:t>Reliable and Secure </a:t>
+            </a:r>
+          </a:p>
+          <a:p>
+            <a:pPr marL="742950" lvl="1" indent="-285750">
+              <a:lnSpc>
+                <a:spcPct val="150000"/>
+              </a:lnSpc>
+              <a:buFont typeface="Wingdings" panose="05000000000000000000" pitchFamily="2" charset="2"/>
+              <a:buChar char="ü"/>
+            </a:pPr>
+            <a:r>
+              <a:rPr lang="en-US" sz="1400" dirty="0">
+                <a:solidFill>
+                  <a:schemeClr val="accent2">
+                    <a:lumMod val="75000"/>
+                  </a:schemeClr>
+                </a:solidFill>
+              </a:rPr>
+              <a:t>Replicated across multiple sites </a:t>
+            </a:r>
+          </a:p>
+          <a:p>
+            <a:pPr marL="742950" lvl="1" indent="-285750">
+              <a:lnSpc>
+                <a:spcPct val="150000"/>
+              </a:lnSpc>
+              <a:buFont typeface="Wingdings" panose="05000000000000000000" pitchFamily="2" charset="2"/>
+              <a:buChar char="ü"/>
+            </a:pPr>
+            <a:r>
+              <a:rPr lang="en-US" sz="1400" dirty="0">
+                <a:solidFill>
+                  <a:schemeClr val="accent2">
+                    <a:lumMod val="75000"/>
+                  </a:schemeClr>
+                </a:solidFill>
+              </a:rPr>
+              <a:t>Secured through Access Control Lists</a:t>
+            </a:r>
+          </a:p>
+          <a:p>
+            <a:pPr marL="285750" indent="-285750">
+              <a:lnSpc>
+                <a:spcPct val="150000"/>
+              </a:lnSpc>
+              <a:buFont typeface="Arial" panose="020B0604020202020204" pitchFamily="34" charset="0"/>
+              <a:buChar char="•"/>
+            </a:pPr>
+            <a:r>
+              <a:rPr lang="en-US" dirty="0">
+                <a:solidFill>
+                  <a:schemeClr val="tx2">
+                    <a:lumMod val="60000"/>
+                    <a:lumOff val="40000"/>
+                  </a:schemeClr>
+                </a:solidFill>
+              </a:rPr>
+              <a:t>Scalable </a:t>
+            </a:r>
+          </a:p>
+          <a:p>
+            <a:pPr marL="742950" lvl="1" indent="-285750">
+              <a:lnSpc>
+                <a:spcPct val="150000"/>
+              </a:lnSpc>
+              <a:buFont typeface="Wingdings" panose="05000000000000000000" pitchFamily="2" charset="2"/>
+              <a:buChar char="ü"/>
+            </a:pPr>
+            <a:r>
+              <a:rPr lang="en-US" sz="1400" dirty="0">
+                <a:solidFill>
+                  <a:schemeClr val="accent2">
+                    <a:lumMod val="75000"/>
+                  </a:schemeClr>
+                </a:solidFill>
+              </a:rPr>
+              <a:t>Store hundreds of terabytes </a:t>
+            </a:r>
+          </a:p>
+          <a:p>
+            <a:pPr marL="742950" lvl="1" indent="-285750">
+              <a:lnSpc>
+                <a:spcPct val="150000"/>
+              </a:lnSpc>
+              <a:buFont typeface="Wingdings" panose="05000000000000000000" pitchFamily="2" charset="2"/>
+              <a:buChar char="ü"/>
+            </a:pPr>
+            <a:r>
+              <a:rPr lang="en-US" sz="1400" dirty="0">
+                <a:solidFill>
+                  <a:schemeClr val="accent2">
+                    <a:lumMod val="75000"/>
+                  </a:schemeClr>
+                </a:solidFill>
+              </a:rPr>
+              <a:t>Pay only for what you use </a:t>
+            </a:r>
+          </a:p>
+          <a:p>
+            <a:pPr marL="285750" indent="-285750">
+              <a:lnSpc>
+                <a:spcPct val="150000"/>
+              </a:lnSpc>
+              <a:buFont typeface="Arial" panose="020B0604020202020204" pitchFamily="34" charset="0"/>
+              <a:buChar char="•"/>
+            </a:pPr>
+            <a:r>
+              <a:rPr lang="en-US" dirty="0">
+                <a:solidFill>
+                  <a:schemeClr val="tx2">
+                    <a:lumMod val="60000"/>
+                    <a:lumOff val="40000"/>
+                  </a:schemeClr>
+                </a:solidFill>
+              </a:rPr>
+              <a:t>Fast (really) </a:t>
+            </a:r>
+          </a:p>
+          <a:p>
+            <a:pPr marL="742950" lvl="1" indent="-285750">
+              <a:lnSpc>
+                <a:spcPct val="150000"/>
+              </a:lnSpc>
+              <a:buFont typeface="Wingdings" panose="05000000000000000000" pitchFamily="2" charset="2"/>
+              <a:buChar char="ü"/>
+            </a:pPr>
+            <a:r>
+              <a:rPr lang="en-US" sz="1400" dirty="0">
+                <a:solidFill>
+                  <a:schemeClr val="accent2">
+                    <a:lumMod val="75000"/>
+                  </a:schemeClr>
+                </a:solidFill>
+              </a:rPr>
+              <a:t>Run ad hoc queries on multi-terabyte data sets in seconds</a:t>
+            </a:r>
+          </a:p>
+        </p:txBody>
+      </p:sp>
     </p:spTree>
     <p:extLst>
       <p:ext uri="{BB962C8B-B14F-4D97-AF65-F5344CB8AC3E}">
-        <p14:creationId xmlns:p14="http://schemas.microsoft.com/office/powerpoint/2010/main" val="147700878"/>
+        <p14:creationId xmlns:p14="http://schemas.microsoft.com/office/powerpoint/2010/main" val="2966486755"/>
       </p:ext>
     </p:extLst>
   </p:cSld>
@@ -15363,10 +16470,10 @@
       </p:grpSpPr>
       <p:sp>
         <p:nvSpPr>
-          <p:cNvPr id="2" name="Title 1">
+          <p:cNvPr id="7" name="Title 6">
             <a:extLst>
               <a:ext uri="{FF2B5EF4-FFF2-40B4-BE49-F238E27FC236}">
-                <a16:creationId xmlns:a16="http://schemas.microsoft.com/office/drawing/2014/main" id="{B367BB6A-049C-45E8-AC09-2F0B9BB2F304}"/>
+                <a16:creationId xmlns:a16="http://schemas.microsoft.com/office/drawing/2014/main" id="{33702163-F7D8-4960-8CE0-684C20414725}"/>
               </a:ext>
             </a:extLst>
           </p:cNvPr>
@@ -15379,27 +16486,77 @@
         </p:nvSpPr>
         <p:spPr>
           <a:xfrm>
-            <a:off x="1143940" y="2181886"/>
-            <a:ext cx="4351023" cy="2283824"/>
+            <a:off x="1154956" y="1063416"/>
+            <a:ext cx="3438881" cy="4691432"/>
           </a:xfrm>
         </p:spPr>
         <p:txBody>
           <a:bodyPr/>
           <a:lstStyle/>
           <a:p>
+            <a:br>
+              <a:rPr lang="en-US" dirty="0"/>
+            </a:br>
+            <a:br>
+              <a:rPr lang="en-US" dirty="0"/>
+            </a:br>
+            <a:br>
+              <a:rPr lang="en-US" dirty="0"/>
+            </a:br>
             <a:r>
               <a:rPr lang="en-US" dirty="0"/>
-              <a:t>Observations and Findings</a:t>
+              <a:t>Architecture of BigQuery</a:t>
             </a:r>
-          </a:p>
-        </p:txBody>
-      </p:sp>
-      <p:sp>
-        <p:nvSpPr>
-          <p:cNvPr id="3" name="Slide Number Placeholder 2">
+            <a:br>
+              <a:rPr lang="en-US" dirty="0"/>
+            </a:br>
+            <a:br>
+              <a:rPr lang="en-US" dirty="0"/>
+            </a:br>
+            <a:r>
+              <a:rPr lang="en-US" sz="1200" dirty="0"/>
+              <a:t>1. Replicated Distributed Storage : Colossus</a:t>
+            </a:r>
+            <a:br>
+              <a:rPr lang="en-US" sz="1200" dirty="0"/>
+            </a:br>
+            <a:r>
+              <a:rPr lang="en-US" sz="1200" dirty="0"/>
+              <a:t>2. Cluster Compute : Dremel</a:t>
+            </a:r>
+            <a:br>
+              <a:rPr lang="en-US" sz="1200" dirty="0"/>
+            </a:br>
+            <a:r>
+              <a:rPr lang="en-US" sz="1200" dirty="0"/>
+              <a:t>3. high speed network : petabit</a:t>
+            </a:r>
+            <a:br>
+              <a:rPr lang="en-US" sz="1200" dirty="0"/>
+            </a:br>
+            <a:r>
+              <a:rPr lang="en-US" sz="1200" dirty="0"/>
+              <a:t>4. Borg</a:t>
+            </a:r>
+            <a:br>
+              <a:rPr lang="en-US" sz="1600" dirty="0"/>
+            </a:br>
+            <a:br>
+              <a:rPr lang="en-US" sz="1600" dirty="0"/>
+            </a:br>
+            <a:br>
+              <a:rPr lang="en-US" dirty="0"/>
+            </a:br>
+            <a:endParaRPr lang="en-US" dirty="0"/>
+          </a:p>
+        </p:txBody>
+      </p:sp>
+      <p:sp>
+        <p:nvSpPr>
+          <p:cNvPr id="8" name="Slide Number Placeholder 7">
             <a:extLst>
               <a:ext uri="{FF2B5EF4-FFF2-40B4-BE49-F238E27FC236}">
-                <a16:creationId xmlns:a16="http://schemas.microsoft.com/office/drawing/2014/main" id="{1EC2495D-630A-AF42-97CB-9B1D6372777F}"/>
+                <a16:creationId xmlns:a16="http://schemas.microsoft.com/office/drawing/2014/main" id="{A7EC007B-9876-44C1-A43F-F71F0C98AB07}"/>
               </a:ext>
             </a:extLst>
           </p:cNvPr>
@@ -15416,90 +16573,49 @@
           <a:lstStyle/>
           <a:p>
             <a:fld id="{9FF96B15-8338-45D5-A943-561235072D66}" type="slidenum">
-              <a:rPr lang="en-US" smtClean="0"/>
-              <a:pPr/>
+              <a:rPr lang="en-US" noProof="0" smtClean="0"/>
               <a:t>7</a:t>
             </a:fld>
-            <a:endParaRPr lang="en-US" dirty="0"/>
-          </a:p>
-        </p:txBody>
-      </p:sp>
-      <p:sp>
-        <p:nvSpPr>
-          <p:cNvPr id="6" name="Text Placeholder 5">
+            <a:endParaRPr lang="en-US" noProof="0" dirty="0"/>
+          </a:p>
+        </p:txBody>
+      </p:sp>
+      <p:pic>
+        <p:nvPicPr>
+          <p:cNvPr id="14" name="Image1">
             <a:extLst>
               <a:ext uri="{FF2B5EF4-FFF2-40B4-BE49-F238E27FC236}">
-                <a16:creationId xmlns:a16="http://schemas.microsoft.com/office/drawing/2014/main" id="{71EA63EB-C2C5-4671-AE38-4464037BE2F9}"/>
+                <a16:creationId xmlns:a16="http://schemas.microsoft.com/office/drawing/2014/main" id="{A9D7CF49-77DB-45A4-80CA-B24719237C40}"/>
               </a:ext>
             </a:extLst>
           </p:cNvPr>
-          <p:cNvSpPr>
-            <a:spLocks noGrp="1"/>
-          </p:cNvSpPr>
-          <p:nvPr>
-            <p:ph type="body" sz="quarter" idx="4294967295"/>
-          </p:nvPr>
-        </p:nvSpPr>
+          <p:cNvPicPr/>
+          <p:nvPr/>
+        </p:nvPicPr>
+        <p:blipFill>
+          <a:blip r:embed="rId2">
+            <a:lum/>
+            <a:alphaModFix/>
+          </a:blip>
+          <a:srcRect/>
+          <a:stretch>
+            <a:fillRect/>
+          </a:stretch>
+        </p:blipFill>
         <p:spPr>
           <a:xfrm>
-            <a:off x="6871321" y="1414049"/>
-            <a:ext cx="4909862" cy="4920490"/>
+            <a:off x="5377343" y="1352724"/>
+            <a:ext cx="6434356" cy="4152551"/>
           </a:xfrm>
+          <a:prstGeom prst="rect">
+            <a:avLst/>
+          </a:prstGeom>
         </p:spPr>
-        <p:txBody>
-          <a:bodyPr/>
-          <a:lstStyle/>
-          <a:p>
-            <a:pPr>
-              <a:buFont typeface="Arial" panose="020B0604020202020204" pitchFamily="34" charset="0"/>
-              <a:buChar char="•"/>
-            </a:pPr>
-            <a:r>
-              <a:rPr lang="en-US" dirty="0"/>
-              <a:t>We have chosen Home Credit Default Risk dataset from Kaggle which contains 2.68 GB of Data</a:t>
-            </a:r>
-          </a:p>
-          <a:p>
-            <a:pPr>
-              <a:buFont typeface="Arial" panose="020B0604020202020204" pitchFamily="34" charset="0"/>
-              <a:buChar char="•"/>
-            </a:pPr>
-            <a:r>
-              <a:rPr lang="en-US" dirty="0"/>
-              <a:t>https://</a:t>
-            </a:r>
-            <a:r>
-              <a:rPr lang="en-US" dirty="0" err="1"/>
-              <a:t>www.kaggle.com</a:t>
-            </a:r>
-            <a:r>
-              <a:rPr lang="en-US" dirty="0"/>
-              <a:t>/c/home-credit-default-risk/data</a:t>
-            </a:r>
-          </a:p>
-          <a:p>
-            <a:pPr>
-              <a:buFont typeface="Arial" panose="020B0604020202020204" pitchFamily="34" charset="0"/>
-              <a:buChar char="•"/>
-            </a:pPr>
-            <a:r>
-              <a:rPr lang="en-US" dirty="0"/>
-              <a:t>GCP offers free 300$ credit for 90 days</a:t>
-            </a:r>
-          </a:p>
-          <a:p>
-            <a:pPr>
-              <a:buFont typeface="Arial" panose="020B0604020202020204" pitchFamily="34" charset="0"/>
-              <a:buChar char="•"/>
-            </a:pPr>
-            <a:endParaRPr lang="en-US" dirty="0"/>
-          </a:p>
-        </p:txBody>
-      </p:sp>
+      </p:pic>
     </p:spTree>
     <p:extLst>
       <p:ext uri="{BB962C8B-B14F-4D97-AF65-F5344CB8AC3E}">
-        <p14:creationId xmlns:p14="http://schemas.microsoft.com/office/powerpoint/2010/main" val="2710768665"/>
+        <p14:creationId xmlns:p14="http://schemas.microsoft.com/office/powerpoint/2010/main" val="147700878"/>
       </p:ext>
     </p:extLst>
   </p:cSld>
@@ -15528,10 +16644,10 @@
       </p:grpSpPr>
       <p:sp>
         <p:nvSpPr>
-          <p:cNvPr id="2" name="Title 1">
+          <p:cNvPr id="7" name="Title 6">
             <a:extLst>
               <a:ext uri="{FF2B5EF4-FFF2-40B4-BE49-F238E27FC236}">
-                <a16:creationId xmlns:a16="http://schemas.microsoft.com/office/drawing/2014/main" id="{AF63B45E-D49F-4C24-BE51-18007DCEE0E3}"/>
+                <a16:creationId xmlns:a16="http://schemas.microsoft.com/office/drawing/2014/main" id="{E7A13F0F-688A-4F65-BCF5-06FB285CB569}"/>
               </a:ext>
             </a:extLst>
           </p:cNvPr>
@@ -15548,18 +16664,19 @@
           <a:lstStyle/>
           <a:p>
             <a:r>
-              <a:rPr lang="en-IN" dirty="0"/>
-              <a:t>Implementations	</a:t>
+              <a:rPr lang="en-US" sz="2400" dirty="0"/>
+              <a:t>Role of Distributed Systems in Big Query</a:t>
             </a:r>
-          </a:p>
-        </p:txBody>
-      </p:sp>
-      <p:sp>
-        <p:nvSpPr>
-          <p:cNvPr id="4" name="Slide Number Placeholder 3">
+            <a:endParaRPr lang="en-US" dirty="0"/>
+          </a:p>
+        </p:txBody>
+      </p:sp>
+      <p:sp>
+        <p:nvSpPr>
+          <p:cNvPr id="8" name="Slide Number Placeholder 7">
             <a:extLst>
               <a:ext uri="{FF2B5EF4-FFF2-40B4-BE49-F238E27FC236}">
-                <a16:creationId xmlns:a16="http://schemas.microsoft.com/office/drawing/2014/main" id="{62EF5C63-12DA-4190-9C74-67B8EED3BF54}"/>
+                <a16:creationId xmlns:a16="http://schemas.microsoft.com/office/drawing/2014/main" id="{0630038E-7A54-4AE1-AD35-329BF258126D}"/>
               </a:ext>
             </a:extLst>
           </p:cNvPr>
@@ -15583,116 +16700,10 @@
           </a:p>
         </p:txBody>
       </p:sp>
-      <p:sp>
-        <p:nvSpPr>
-          <p:cNvPr id="6" name="Text Placeholder 5">
-            <a:extLst>
-              <a:ext uri="{FF2B5EF4-FFF2-40B4-BE49-F238E27FC236}">
-                <a16:creationId xmlns:a16="http://schemas.microsoft.com/office/drawing/2014/main" id="{5F868F8A-19FE-4390-8E4F-2EFD04AB2E33}"/>
-              </a:ext>
-            </a:extLst>
-          </p:cNvPr>
-          <p:cNvSpPr>
-            <a:spLocks noGrp="1"/>
-          </p:cNvSpPr>
-          <p:nvPr>
-            <p:ph type="body" idx="1"/>
-          </p:nvPr>
-        </p:nvSpPr>
-        <p:spPr>
-          <a:xfrm>
-            <a:off x="6686023" y="1325922"/>
-            <a:ext cx="5134916" cy="5048374"/>
-          </a:xfrm>
-        </p:spPr>
-        <p:txBody>
-          <a:bodyPr>
-            <a:normAutofit/>
-          </a:bodyPr>
-          <a:lstStyle/>
-          <a:p>
-            <a:pPr marL="342900" indent="-342900">
-              <a:buFont typeface="Arial" panose="020B0604020202020204" pitchFamily="34" charset="0"/>
-              <a:buChar char="•"/>
-            </a:pPr>
-            <a:r>
-              <a:rPr lang="en-IN" sz="1800" cap="none" dirty="0" err="1">
-                <a:solidFill>
-                  <a:schemeClr val="tx1"/>
-                </a:solidFill>
-              </a:rPr>
-              <a:t>BigQuery</a:t>
-            </a:r>
-            <a:r>
-              <a:rPr lang="en-IN" sz="1800" cap="none" dirty="0">
-                <a:solidFill>
-                  <a:schemeClr val="tx1"/>
-                </a:solidFill>
-              </a:rPr>
-              <a:t> basically being an end point query engine, we’ll be processing heavy memory and process intense queries.</a:t>
-            </a:r>
-          </a:p>
-          <a:p>
-            <a:pPr marL="342900" indent="-342900">
-              <a:buFont typeface="Arial" panose="020B0604020202020204" pitchFamily="34" charset="0"/>
-              <a:buChar char="•"/>
-            </a:pPr>
-            <a:r>
-              <a:rPr lang="en-IN" sz="1800" cap="none" dirty="0">
-                <a:solidFill>
-                  <a:schemeClr val="tx1"/>
-                </a:solidFill>
-              </a:rPr>
-              <a:t>Queries will be involving window functions on large data sets, multiple simple joins and complex joins including cross join and utilizations of Group by clauses.</a:t>
-            </a:r>
-          </a:p>
-          <a:p>
-            <a:pPr marL="342900" indent="-342900">
-              <a:buFont typeface="Arial" panose="020B0604020202020204" pitchFamily="34" charset="0"/>
-              <a:buChar char="•"/>
-            </a:pPr>
-            <a:r>
-              <a:rPr lang="en-IN" sz="1800" cap="none" dirty="0">
-                <a:solidFill>
-                  <a:schemeClr val="tx1"/>
-                </a:solidFill>
-              </a:rPr>
-              <a:t>Comparisons will be performed on Distributed system cloud service (GCP), </a:t>
-            </a:r>
-            <a:r>
-              <a:rPr lang="en-IN" sz="1800" cap="none" dirty="0" err="1">
-                <a:solidFill>
-                  <a:schemeClr val="tx1"/>
-                </a:solidFill>
-              </a:rPr>
-              <a:t>postgresql</a:t>
-            </a:r>
-            <a:r>
-              <a:rPr lang="en-IN" sz="1800" cap="none" dirty="0">
-                <a:solidFill>
-                  <a:schemeClr val="tx1"/>
-                </a:solidFill>
-              </a:rPr>
-              <a:t> and Oracle single system architecture.</a:t>
-            </a:r>
-          </a:p>
-          <a:p>
-            <a:pPr marL="342900" indent="-342900">
-              <a:buFont typeface="Arial" panose="020B0604020202020204" pitchFamily="34" charset="0"/>
-              <a:buChar char="•"/>
-            </a:pPr>
-            <a:endParaRPr lang="en-IN" sz="1800" cap="none" dirty="0">
-              <a:solidFill>
-                <a:schemeClr val="tx1"/>
-              </a:solidFill>
-            </a:endParaRPr>
-          </a:p>
-        </p:txBody>
-      </p:sp>
     </p:spTree>
     <p:extLst>
       <p:ext uri="{BB962C8B-B14F-4D97-AF65-F5344CB8AC3E}">
-        <p14:creationId xmlns:p14="http://schemas.microsoft.com/office/powerpoint/2010/main" val="1118961920"/>
+        <p14:creationId xmlns:p14="http://schemas.microsoft.com/office/powerpoint/2010/main" val="519793505"/>
       </p:ext>
     </p:extLst>
   </p:cSld>
@@ -15721,10 +16732,10 @@
       </p:grpSpPr>
       <p:sp>
         <p:nvSpPr>
-          <p:cNvPr id="2" name="Title 1">
+          <p:cNvPr id="4" name="Title 3">
             <a:extLst>
               <a:ext uri="{FF2B5EF4-FFF2-40B4-BE49-F238E27FC236}">
-                <a16:creationId xmlns:a16="http://schemas.microsoft.com/office/drawing/2014/main" id="{AF63B45E-D49F-4C24-BE51-18007DCEE0E3}"/>
+                <a16:creationId xmlns:a16="http://schemas.microsoft.com/office/drawing/2014/main" id="{186F253D-EABE-4405-BAEB-16ABD3D160A9}"/>
               </a:ext>
             </a:extLst>
           </p:cNvPr>
@@ -15741,18 +16752,22 @@
           <a:lstStyle/>
           <a:p>
             <a:r>
-              <a:rPr lang="en-IN" dirty="0"/>
-              <a:t>Questions</a:t>
+              <a:rPr lang="en-US" sz="2000" dirty="0"/>
+              <a:t>Features</a:t>
             </a:r>
-          </a:p>
-        </p:txBody>
-      </p:sp>
-      <p:sp>
-        <p:nvSpPr>
-          <p:cNvPr id="4" name="Slide Number Placeholder 3">
+            <a:br>
+              <a:rPr lang="en-US" sz="2000" dirty="0"/>
+            </a:br>
+            <a:endParaRPr lang="en-US" dirty="0"/>
+          </a:p>
+        </p:txBody>
+      </p:sp>
+      <p:sp>
+        <p:nvSpPr>
+          <p:cNvPr id="5" name="Slide Number Placeholder 4">
             <a:extLst>
               <a:ext uri="{FF2B5EF4-FFF2-40B4-BE49-F238E27FC236}">
-                <a16:creationId xmlns:a16="http://schemas.microsoft.com/office/drawing/2014/main" id="{62EF5C63-12DA-4190-9C74-67B8EED3BF54}"/>
+                <a16:creationId xmlns:a16="http://schemas.microsoft.com/office/drawing/2014/main" id="{D3712B3D-96EC-448A-9D13-76731F156420}"/>
               </a:ext>
             </a:extLst>
           </p:cNvPr>
@@ -15781,7 +16796,7 @@
           <p:cNvPr id="6" name="Text Placeholder 5">
             <a:extLst>
               <a:ext uri="{FF2B5EF4-FFF2-40B4-BE49-F238E27FC236}">
-                <a16:creationId xmlns:a16="http://schemas.microsoft.com/office/drawing/2014/main" id="{5F868F8A-19FE-4390-8E4F-2EFD04AB2E33}"/>
+                <a16:creationId xmlns:a16="http://schemas.microsoft.com/office/drawing/2014/main" id="{C9A50F41-B3D9-4727-8B1B-38ABE3A67E4F}"/>
               </a:ext>
             </a:extLst>
           </p:cNvPr>
@@ -15789,51 +16804,289 @@
             <a:spLocks noGrp="1"/>
           </p:cNvSpPr>
           <p:nvPr>
-            <p:ph type="body" idx="1"/>
+            <p:ph type="body" sz="quarter" idx="14"/>
           </p:nvPr>
         </p:nvSpPr>
-        <p:spPr>
-          <a:xfrm>
-            <a:off x="6686023" y="1325922"/>
-            <a:ext cx="5134916" cy="5048374"/>
-          </a:xfrm>
+        <p:spPr/>
+        <p:txBody>
+          <a:bodyPr/>
+          <a:lstStyle/>
+          <a:p>
+            <a:r>
+              <a:rPr lang="en-US" dirty="0"/>
+              <a:t>CONCURRENCY</a:t>
+            </a:r>
+          </a:p>
+        </p:txBody>
+      </p:sp>
+      <p:sp>
+        <p:nvSpPr>
+          <p:cNvPr id="7" name="Text Placeholder 6">
+            <a:extLst>
+              <a:ext uri="{FF2B5EF4-FFF2-40B4-BE49-F238E27FC236}">
+                <a16:creationId xmlns:a16="http://schemas.microsoft.com/office/drawing/2014/main" id="{36304E01-8F58-4C05-9C89-ED60C42D9B64}"/>
+              </a:ext>
+            </a:extLst>
+          </p:cNvPr>
+          <p:cNvSpPr>
+            <a:spLocks noGrp="1"/>
+          </p:cNvSpPr>
+          <p:nvPr>
+            <p:ph type="body" sz="quarter" idx="16"/>
+          </p:nvPr>
+        </p:nvSpPr>
+        <p:spPr/>
+        <p:txBody>
+          <a:bodyPr/>
+          <a:lstStyle/>
+          <a:p>
+            <a:r>
+              <a:rPr lang="en-US" dirty="0"/>
+              <a:t>SCALABILITY</a:t>
+            </a:r>
+          </a:p>
+        </p:txBody>
+      </p:sp>
+      <p:sp>
+        <p:nvSpPr>
+          <p:cNvPr id="8" name="Text Placeholder 7">
+            <a:extLst>
+              <a:ext uri="{FF2B5EF4-FFF2-40B4-BE49-F238E27FC236}">
+                <a16:creationId xmlns:a16="http://schemas.microsoft.com/office/drawing/2014/main" id="{A30331A6-DED6-4A74-AE6E-4898D3F5779E}"/>
+              </a:ext>
+            </a:extLst>
+          </p:cNvPr>
+          <p:cNvSpPr>
+            <a:spLocks noGrp="1"/>
+          </p:cNvSpPr>
+          <p:nvPr>
+            <p:ph type="body" sz="quarter" idx="18"/>
+          </p:nvPr>
+        </p:nvSpPr>
+        <p:spPr/>
+        <p:txBody>
+          <a:bodyPr/>
+          <a:lstStyle/>
+          <a:p>
+            <a:r>
+              <a:rPr lang="en-US" dirty="0"/>
+              <a:t>FAULT TOLERENCE &amp; REPLICATION</a:t>
+            </a:r>
+          </a:p>
+        </p:txBody>
+      </p:sp>
+      <p:sp>
+        <p:nvSpPr>
+          <p:cNvPr id="9" name="Text Placeholder 8">
+            <a:extLst>
+              <a:ext uri="{FF2B5EF4-FFF2-40B4-BE49-F238E27FC236}">
+                <a16:creationId xmlns:a16="http://schemas.microsoft.com/office/drawing/2014/main" id="{C1BEC466-B434-4B9E-AD1D-0CDAE52BD2B4}"/>
+              </a:ext>
+            </a:extLst>
+          </p:cNvPr>
+          <p:cNvSpPr>
+            <a:spLocks noGrp="1"/>
+          </p:cNvSpPr>
+          <p:nvPr>
+            <p:ph type="body" sz="quarter" idx="20"/>
+          </p:nvPr>
+        </p:nvSpPr>
+        <p:spPr/>
+        <p:txBody>
+          <a:bodyPr/>
+          <a:lstStyle/>
+          <a:p>
+            <a:r>
+              <a:rPr lang="en-US" dirty="0"/>
+              <a:t>SECURITY</a:t>
+            </a:r>
+          </a:p>
+        </p:txBody>
+      </p:sp>
+      <p:pic>
+        <p:nvPicPr>
+          <p:cNvPr id="2050" name="Picture 2" descr="Concurrency, Royalty-free Concurrency Vector Images &amp; Drawings |  Depositphotos®">
+            <a:extLst>
+              <a:ext uri="{FF2B5EF4-FFF2-40B4-BE49-F238E27FC236}">
+                <a16:creationId xmlns:a16="http://schemas.microsoft.com/office/drawing/2014/main" id="{6AD0D097-3ADF-42FC-950B-92C839B8FE35}"/>
+              </a:ext>
+            </a:extLst>
+          </p:cNvPr>
+          <p:cNvPicPr>
+            <a:picLocks noGrp="1" noChangeAspect="1" noChangeArrowheads="1"/>
+          </p:cNvPicPr>
+          <p:nvPr>
+            <p:ph type="pic" sz="quarter" idx="21"/>
+          </p:nvPr>
+        </p:nvPicPr>
+        <p:blipFill>
+          <a:blip r:embed="rId2">
+            <a:extLst>
+              <a:ext uri="{28A0092B-C50C-407E-A947-70E740481C1C}">
+                <a14:useLocalDpi xmlns:a14="http://schemas.microsoft.com/office/drawing/2010/main" val="0"/>
+              </a:ext>
+            </a:extLst>
+          </a:blip>
+          <a:srcRect/>
+          <a:stretch>
+            <a:fillRect/>
+          </a:stretch>
+        </p:blipFill>
+        <p:spPr bwMode="auto">
+          <a:prstGeom prst="rect">
+            <a:avLst/>
+          </a:prstGeom>
+          <a:noFill/>
+          <a:extLst>
+            <a:ext uri="{909E8E84-426E-40DD-AFC4-6F175D3DCCD1}">
+              <a14:hiddenFill xmlns:a14="http://schemas.microsoft.com/office/drawing/2010/main">
+                <a:solidFill>
+                  <a:srgbClr val="FFFFFF"/>
+                </a:solidFill>
+              </a14:hiddenFill>
+            </a:ext>
+          </a:extLst>
         </p:spPr>
-        <p:txBody>
-          <a:bodyPr>
-            <a:normAutofit/>
-          </a:bodyPr>
-          <a:lstStyle/>
-          <a:p>
-            <a:pPr marL="342900" indent="-342900">
-              <a:buFont typeface="Arial" panose="020B0604020202020204" pitchFamily="34" charset="0"/>
-              <a:buChar char="•"/>
-            </a:pPr>
-            <a:r>
-              <a:rPr lang="en-US" sz="1800" cap="none" dirty="0">
+      </p:pic>
+      <p:pic>
+        <p:nvPicPr>
+          <p:cNvPr id="2052" name="Picture 4" descr="Scalability line icon Royalty Free Vector Image">
+            <a:extLst>
+              <a:ext uri="{FF2B5EF4-FFF2-40B4-BE49-F238E27FC236}">
+                <a16:creationId xmlns:a16="http://schemas.microsoft.com/office/drawing/2014/main" id="{6B970A49-F057-45DD-B412-E1058FE73054}"/>
+              </a:ext>
+            </a:extLst>
+          </p:cNvPr>
+          <p:cNvPicPr>
+            <a:picLocks noGrp="1" noChangeAspect="1" noChangeArrowheads="1"/>
+          </p:cNvPicPr>
+          <p:nvPr>
+            <p:ph type="pic" sz="quarter" idx="22"/>
+          </p:nvPr>
+        </p:nvPicPr>
+        <p:blipFill>
+          <a:blip r:embed="rId3">
+            <a:extLst>
+              <a:ext uri="{28A0092B-C50C-407E-A947-70E740481C1C}">
+                <a14:useLocalDpi xmlns:a14="http://schemas.microsoft.com/office/drawing/2010/main" val="0"/>
+              </a:ext>
+            </a:extLst>
+          </a:blip>
+          <a:srcRect t="3648" b="3648"/>
+          <a:stretch>
+            <a:fillRect/>
+          </a:stretch>
+        </p:blipFill>
+        <p:spPr bwMode="auto">
+          <a:prstGeom prst="rect">
+            <a:avLst/>
+          </a:prstGeom>
+          <a:noFill/>
+          <a:extLst>
+            <a:ext uri="{909E8E84-426E-40DD-AFC4-6F175D3DCCD1}">
+              <a14:hiddenFill xmlns:a14="http://schemas.microsoft.com/office/drawing/2010/main">
                 <a:solidFill>
-                  <a:schemeClr val="tx1"/>
+                  <a:srgbClr val="FFFFFF"/>
                 </a:solidFill>
-              </a:rPr>
-              <a:t>What exactly we need to implement in GCP using distributed systems.</a:t>
-            </a:r>
-          </a:p>
-          <a:p>
-            <a:pPr marL="342900" indent="-342900">
-              <a:buFont typeface="Arial" panose="020B0604020202020204" pitchFamily="34" charset="0"/>
-              <a:buChar char="•"/>
-            </a:pPr>
-            <a:endParaRPr lang="en-IN" sz="1800" cap="none" dirty="0">
-              <a:solidFill>
-                <a:schemeClr val="tx1"/>
-              </a:solidFill>
-            </a:endParaRPr>
-          </a:p>
-        </p:txBody>
-      </p:sp>
+              </a14:hiddenFill>
+            </a:ext>
+          </a:extLst>
+        </p:spPr>
+      </p:pic>
+      <p:pic>
+        <p:nvPicPr>
+          <p:cNvPr id="2054" name="Picture 6" descr="Replication - Omnis Technologies">
+            <a:extLst>
+              <a:ext uri="{FF2B5EF4-FFF2-40B4-BE49-F238E27FC236}">
+                <a16:creationId xmlns:a16="http://schemas.microsoft.com/office/drawing/2014/main" id="{16102722-1F7A-43B3-B415-D1377FC170E9}"/>
+              </a:ext>
+            </a:extLst>
+          </p:cNvPr>
+          <p:cNvPicPr>
+            <a:picLocks noGrp="1" noChangeAspect="1" noChangeArrowheads="1"/>
+          </p:cNvPicPr>
+          <p:nvPr>
+            <p:ph type="pic" sz="quarter" idx="23"/>
+          </p:nvPr>
+        </p:nvPicPr>
+        <p:blipFill>
+          <a:blip r:embed="rId4">
+            <a:extLst>
+              <a:ext uri="{28A0092B-C50C-407E-A947-70E740481C1C}">
+                <a14:useLocalDpi xmlns:a14="http://schemas.microsoft.com/office/drawing/2010/main" val="0"/>
+              </a:ext>
+            </a:extLst>
+          </a:blip>
+          <a:srcRect l="222" r="222"/>
+          <a:stretch>
+            <a:fillRect/>
+          </a:stretch>
+        </p:blipFill>
+        <p:spPr bwMode="auto">
+          <a:prstGeom prst="rect">
+            <a:avLst/>
+          </a:prstGeom>
+          <a:noFill/>
+          <a:extLst>
+            <a:ext uri="{909E8E84-426E-40DD-AFC4-6F175D3DCCD1}">
+              <a14:hiddenFill xmlns:a14="http://schemas.microsoft.com/office/drawing/2010/main">
+                <a:solidFill>
+                  <a:srgbClr val="FFFFFF"/>
+                </a:solidFill>
+              </a14:hiddenFill>
+            </a:ext>
+          </a:extLst>
+        </p:spPr>
+      </p:pic>
+      <p:pic>
+        <p:nvPicPr>
+          <p:cNvPr id="2056" name="Picture 8" descr="Circle lock privacy safe secure security icon - Web Ui Color">
+            <a:extLst>
+              <a:ext uri="{FF2B5EF4-FFF2-40B4-BE49-F238E27FC236}">
+                <a16:creationId xmlns:a16="http://schemas.microsoft.com/office/drawing/2014/main" id="{7575702E-A3E9-48FD-B3DA-2BC3038C6C45}"/>
+              </a:ext>
+            </a:extLst>
+          </p:cNvPr>
+          <p:cNvPicPr>
+            <a:picLocks noGrp="1" noChangeAspect="1" noChangeArrowheads="1"/>
+          </p:cNvPicPr>
+          <p:nvPr>
+            <p:ph type="pic" sz="quarter" idx="24"/>
+          </p:nvPr>
+        </p:nvPicPr>
+        <p:blipFill>
+          <a:blip r:embed="rId5">
+            <a:extLst>
+              <a:ext uri="{28A0092B-C50C-407E-A947-70E740481C1C}">
+                <a14:useLocalDpi xmlns:a14="http://schemas.microsoft.com/office/drawing/2010/main" val="0"/>
+              </a:ext>
+            </a:extLst>
+          </a:blip>
+          <a:srcRect t="85" b="85"/>
+          <a:stretch>
+            <a:fillRect/>
+          </a:stretch>
+        </p:blipFill>
+        <p:spPr bwMode="auto">
+          <a:prstGeom prst="rect">
+            <a:avLst/>
+          </a:prstGeom>
+          <a:noFill/>
+          <a:extLst>
+            <a:ext uri="{909E8E84-426E-40DD-AFC4-6F175D3DCCD1}">
+              <a14:hiddenFill xmlns:a14="http://schemas.microsoft.com/office/drawing/2010/main">
+                <a:solidFill>
+                  <a:srgbClr val="FFFFFF"/>
+                </a:solidFill>
+              </a14:hiddenFill>
+            </a:ext>
+          </a:extLst>
+        </p:spPr>
+      </p:pic>
     </p:spTree>
     <p:extLst>
       <p:ext uri="{BB962C8B-B14F-4D97-AF65-F5344CB8AC3E}">
-        <p14:creationId xmlns:p14="http://schemas.microsoft.com/office/powerpoint/2010/main" val="3110079407"/>
+        <p14:creationId xmlns:p14="http://schemas.microsoft.com/office/powerpoint/2010/main" val="2846575018"/>
       </p:ext>
     </p:extLst>
   </p:cSld>
@@ -16699,6 +17952,14 @@
 </file>
 
 <file path=customXml/item1.xml><?xml version="1.0" encoding="utf-8"?>
+<p:properties xmlns:p="http://schemas.microsoft.com/office/2006/metadata/properties" xmlns:xsi="http://www.w3.org/2001/XMLSchema-instance" xmlns:pc="http://schemas.microsoft.com/office/infopath/2007/PartnerControls">
+  <documentManagement>
+    <MediaServiceKeyPoints xmlns="71af3243-3dd4-4a8d-8c0d-dd76da1f02a5" xsi:nil="true"/>
+  </documentManagement>
+</p:properties>
+</file>
+
+<file path=customXml/item2.xml><?xml version="1.0" encoding="utf-8"?>
 <ct:contentTypeSchema xmlns:ct="http://schemas.microsoft.com/office/2006/metadata/contentType" xmlns:ma="http://schemas.microsoft.com/office/2006/metadata/properties/metaAttributes" ct:_="" ma:_="" ma:contentTypeName="Document" ma:contentTypeID="0x01010079F111ED35F8CC479449609E8A0923A6" ma:contentTypeVersion="11" ma:contentTypeDescription="Create a new document." ma:contentTypeScope="" ma:versionID="96291512c1ee715ab617f4c07df79fc1">
   <xsd:schema xmlns:xsd="http://www.w3.org/2001/XMLSchema" xmlns:xs="http://www.w3.org/2001/XMLSchema" xmlns:p="http://schemas.microsoft.com/office/2006/metadata/properties" xmlns:ns2="71af3243-3dd4-4a8d-8c0d-dd76da1f02a5" xmlns:ns3="16c05727-aa75-4e4a-9b5f-8a80a1165891" targetNamespace="http://schemas.microsoft.com/office/2006/metadata/properties" ma:root="true" ma:fieldsID="8256c27c40ca5c40ce1cf6c44f0205df" ns2:_="" ns3:_="">
     <xsd:import namespace="71af3243-3dd4-4a8d-8c0d-dd76da1f02a5"/>
@@ -16909,14 +18170,6 @@
 </ct:contentTypeSchema>
 </file>
 
-<file path=customXml/item2.xml><?xml version="1.0" encoding="utf-8"?>
-<p:properties xmlns:p="http://schemas.microsoft.com/office/2006/metadata/properties" xmlns:xsi="http://www.w3.org/2001/XMLSchema-instance" xmlns:pc="http://schemas.microsoft.com/office/infopath/2007/PartnerControls">
-  <documentManagement>
-    <MediaServiceKeyPoints xmlns="71af3243-3dd4-4a8d-8c0d-dd76da1f02a5" xsi:nil="true"/>
-  </documentManagement>
-</p:properties>
-</file>
-
 <file path=customXml/item3.xml><?xml version="1.0" encoding="utf-8"?>
 <?mso-contentType ?>
 <FormTemplates xmlns="http://schemas.microsoft.com/sharepoint/v3/contenttype/forms">
@@ -16927,6 +18180,23 @@
 </file>
 
 <file path=customXml/itemProps1.xml><?xml version="1.0" encoding="utf-8"?>
+<ds:datastoreItem xmlns:ds="http://schemas.openxmlformats.org/officeDocument/2006/customXml" ds:itemID="{F983CA34-C6E2-49BA-ACFF-78ADEC0C28FA}">
+  <ds:schemaRefs>
+    <ds:schemaRef ds:uri="http://purl.org/dc/terms/"/>
+    <ds:schemaRef ds:uri="http://www.w3.org/XML/1998/namespace"/>
+    <ds:schemaRef ds:uri="16c05727-aa75-4e4a-9b5f-8a80a1165891"/>
+    <ds:schemaRef ds:uri="http://purl.org/dc/elements/1.1/"/>
+    <ds:schemaRef ds:uri="71af3243-3dd4-4a8d-8c0d-dd76da1f02a5"/>
+    <ds:schemaRef ds:uri="http://schemas.microsoft.com/office/2006/metadata/properties"/>
+    <ds:schemaRef ds:uri="http://schemas.openxmlformats.org/package/2006/metadata/core-properties"/>
+    <ds:schemaRef ds:uri="http://purl.org/dc/dcmitype/"/>
+    <ds:schemaRef ds:uri="http://schemas.microsoft.com/office/2006/documentManagement/types"/>
+    <ds:schemaRef ds:uri="http://schemas.microsoft.com/office/infopath/2007/PartnerControls"/>
+  </ds:schemaRefs>
+</ds:datastoreItem>
+</file>
+
+<file path=customXml/itemProps2.xml><?xml version="1.0" encoding="utf-8"?>
 <ds:datastoreItem xmlns:ds="http://schemas.openxmlformats.org/officeDocument/2006/customXml" ds:itemID="{570D0EAE-52CD-493E-A174-3A7CD0E9C7B2}">
   <ds:schemaRefs>
     <ds:schemaRef ds:uri="http://schemas.microsoft.com/office/2006/metadata/contentType"/>
@@ -16945,16 +18215,6 @@
 </ds:datastoreItem>
 </file>
 
-<file path=customXml/itemProps2.xml><?xml version="1.0" encoding="utf-8"?>
-<ds:datastoreItem xmlns:ds="http://schemas.openxmlformats.org/officeDocument/2006/customXml" ds:itemID="{F983CA34-C6E2-49BA-ACFF-78ADEC0C28FA}">
-  <ds:schemaRefs>
-    <ds:schemaRef ds:uri="http://schemas.microsoft.com/office/2006/metadata/properties"/>
-    <ds:schemaRef ds:uri="http://schemas.microsoft.com/office/infopath/2007/PartnerControls"/>
-    <ds:schemaRef ds:uri="71af3243-3dd4-4a8d-8c0d-dd76da1f02a5"/>
-  </ds:schemaRefs>
-</ds:datastoreItem>
-</file>
-
 <file path=customXml/itemProps3.xml><?xml version="1.0" encoding="utf-8"?>
 <ds:datastoreItem xmlns:ds="http://schemas.openxmlformats.org/officeDocument/2006/customXml" ds:itemID="{CCB9AE35-8A31-4380-94A6-86E5DFCDD123}">
   <ds:schemaRefs>

--- a/DSD - ASVS.pptx
+++ b/DSD - ASVS.pptx
@@ -247,7 +247,7 @@
           <a:p>
             <a:fld id="{A6D7858F-6309-4F09-BEA0-6CBF97E55806}" type="datetimeFigureOut">
               <a:rPr lang="en-US" smtClean="0"/>
-              <a:t>12/18/2021</a:t>
+              <a:t>12/19/21</a:t>
             </a:fld>
             <a:endParaRPr lang="en-US" dirty="0"/>
           </a:p>
@@ -424,7 +424,7 @@
           <a:p>
             <a:fld id="{F4F53C5D-CD12-6D4C-A980-0612968271E2}" type="datetimeFigureOut">
               <a:rPr lang="en-US" smtClean="0"/>
-              <a:t>12/18/2021</a:t>
+              <a:t>12/19/21</a:t>
             </a:fld>
             <a:endParaRPr lang="en-US" dirty="0"/>
           </a:p>
@@ -1327,7 +1327,7 @@
           <a:p>
             <a:fld id="{75D0B1B9-C7DF-F64A-B488-12B3D5090923}" type="datetime1">
               <a:rPr lang="en-US" noProof="0" smtClean="0"/>
-              <a:t>12/18/2021</a:t>
+              <a:t>12/19/21</a:t>
             </a:fld>
             <a:endParaRPr lang="en-US" noProof="0" dirty="0"/>
           </a:p>
@@ -2553,7 +2553,7 @@
           <a:p>
             <a:fld id="{163A5200-74F0-9445-8847-A53AA9C11C7B}" type="datetime1">
               <a:rPr lang="en-US" noProof="0" smtClean="0"/>
-              <a:t>12/18/2021</a:t>
+              <a:t>12/19/21</a:t>
             </a:fld>
             <a:endParaRPr lang="en-US" noProof="0" dirty="0"/>
           </a:p>
@@ -3983,7 +3983,7 @@
           <a:p>
             <a:fld id="{163A5200-74F0-9445-8847-A53AA9C11C7B}" type="datetime1">
               <a:rPr lang="en-US" noProof="0" smtClean="0"/>
-              <a:t>12/18/2021</a:t>
+              <a:t>12/19/21</a:t>
             </a:fld>
             <a:endParaRPr lang="en-US" noProof="0" dirty="0"/>
           </a:p>
@@ -4252,7 +4252,7 @@
           <a:p>
             <a:fld id="{21B17C1C-DA5E-F743-826B-CB70C940D4E6}" type="datetime1">
               <a:rPr lang="en-US" noProof="0" smtClean="0"/>
-              <a:t>12/18/2021</a:t>
+              <a:t>12/19/21</a:t>
             </a:fld>
             <a:endParaRPr lang="en-US" noProof="0" dirty="0"/>
           </a:p>
@@ -4631,7 +4631,7 @@
           <a:p>
             <a:fld id="{E6F10E4C-E478-1D40-94DF-17D7429B053A}" type="datetime1">
               <a:rPr lang="en-US" noProof="0" smtClean="0"/>
-              <a:t>12/18/2021</a:t>
+              <a:t>12/19/21</a:t>
             </a:fld>
             <a:endParaRPr lang="en-US" noProof="0" dirty="0"/>
           </a:p>
@@ -4748,7 +4748,7 @@
           <a:p>
             <a:fld id="{AC1A9061-1D22-724D-9508-7BAEAF287353}" type="datetime1">
               <a:rPr lang="en-US" noProof="0" smtClean="0"/>
-              <a:t>12/18/2021</a:t>
+              <a:t>12/19/21</a:t>
             </a:fld>
             <a:endParaRPr lang="en-US" noProof="0" dirty="0"/>
           </a:p>
@@ -4865,7 +4865,7 @@
           <a:p>
             <a:fld id="{AC1A9061-1D22-724D-9508-7BAEAF287353}" type="datetime1">
               <a:rPr lang="en-US" noProof="0" smtClean="0"/>
-              <a:t>12/18/2021</a:t>
+              <a:t>12/19/21</a:t>
             </a:fld>
             <a:endParaRPr lang="en-US" noProof="0" dirty="0"/>
           </a:p>
@@ -5005,7 +5005,7 @@
           <a:p>
             <a:fld id="{A4205E0F-8980-D24A-B2F9-0C7A13C6A6DE}" type="datetime1">
               <a:rPr lang="en-US" noProof="0" smtClean="0"/>
-              <a:t>12/18/2021</a:t>
+              <a:t>12/19/21</a:t>
             </a:fld>
             <a:endParaRPr lang="en-US" noProof="0" dirty="0"/>
           </a:p>
@@ -5209,7 +5209,7 @@
           <a:p>
             <a:fld id="{06D41EE2-1449-2741-9D08-61623EFC2A0E}" type="datetime1">
               <a:rPr lang="en-US" noProof="0" smtClean="0"/>
-              <a:t>12/18/2021</a:t>
+              <a:t>12/19/21</a:t>
             </a:fld>
             <a:endParaRPr lang="en-US" noProof="0" dirty="0"/>
           </a:p>
@@ -6270,7 +6270,7 @@
           <a:p>
             <a:fld id="{9DAF7560-49B8-714F-A7F1-D946D3E64C23}" type="datetime1">
               <a:rPr lang="en-US" noProof="0" smtClean="0"/>
-              <a:t>12/18/2021</a:t>
+              <a:t>12/19/21</a:t>
             </a:fld>
             <a:endParaRPr lang="en-US" noProof="0" dirty="0"/>
           </a:p>
@@ -6904,7 +6904,7 @@
           <a:p>
             <a:fld id="{7DD9237C-03C9-D843-906B-96D98C6B2D61}" type="datetime1">
               <a:rPr lang="en-US" noProof="0" smtClean="0"/>
-              <a:t>12/18/2021</a:t>
+              <a:t>12/19/21</a:t>
             </a:fld>
             <a:endParaRPr lang="en-US" noProof="0" dirty="0"/>
           </a:p>
@@ -7828,7 +7828,7 @@
           <a:p>
             <a:fld id="{397BD2BD-1F35-9841-A6BF-76BE540EE01F}" type="datetime1">
               <a:rPr lang="en-US" noProof="0" smtClean="0"/>
-              <a:t>12/18/2021</a:t>
+              <a:t>12/19/21</a:t>
             </a:fld>
             <a:endParaRPr lang="en-US" noProof="0" dirty="0"/>
           </a:p>
@@ -8976,7 +8976,7 @@
           <a:p>
             <a:fld id="{6E94F40A-5592-5744-BFD7-61B04D70BFE7}" type="datetime1">
               <a:rPr lang="en-US" noProof="0" smtClean="0"/>
-              <a:t>12/18/2021</a:t>
+              <a:t>12/19/21</a:t>
             </a:fld>
             <a:endParaRPr lang="en-US" noProof="0" dirty="0"/>
           </a:p>
@@ -10260,7 +10260,7 @@
           <a:p>
             <a:fld id="{A177F711-7020-994E-A797-D04033A0CF12}" type="datetime1">
               <a:rPr lang="en-US" noProof="0" smtClean="0"/>
-              <a:t>12/18/2021</a:t>
+              <a:t>12/19/21</a:t>
             </a:fld>
             <a:endParaRPr lang="en-US" noProof="0" dirty="0"/>
           </a:p>
@@ -11256,7 +11256,7 @@
           <a:p>
             <a:fld id="{A177F711-7020-994E-A797-D04033A0CF12}" type="datetime1">
               <a:rPr lang="en-US" noProof="0" smtClean="0"/>
-              <a:t>12/18/2021</a:t>
+              <a:t>12/19/21</a:t>
             </a:fld>
             <a:endParaRPr lang="en-US" noProof="0" dirty="0"/>
           </a:p>
@@ -12170,7 +12170,7 @@
           <a:p>
             <a:fld id="{8C369370-372E-0846-B090-5E6EF97A3B62}" type="datetime1">
               <a:rPr lang="en-US" noProof="0" smtClean="0"/>
-              <a:t>12/18/2021</a:t>
+              <a:t>12/19/21</a:t>
             </a:fld>
             <a:endParaRPr lang="en-US" noProof="0" dirty="0"/>
           </a:p>
@@ -13562,7 +13562,7 @@
             <a:fld id="{36ACA6CA-E140-824D-8E8B-5CC5036BDBAE}" type="datetime1">
               <a:rPr lang="en-US" noProof="0" smtClean="0"/>
               <a:pPr/>
-              <a:t>12/18/2021</a:t>
+              <a:t>12/19/21</a:t>
             </a:fld>
             <a:endParaRPr lang="en-US" noProof="0" dirty="0"/>
           </a:p>
@@ -15805,7 +15805,7 @@
                   </a:schemeClr>
                 </a:solidFill>
               </a:rPr>
-              <a:t>It's a service, can be accessed by a API </a:t>
+              <a:t>It's a service, can be accessed by an API </a:t>
             </a:r>
           </a:p>
           <a:p>
@@ -16697,6 +16697,291 @@
               <a:t>8</a:t>
             </a:fld>
             <a:endParaRPr lang="en-US" noProof="0" dirty="0"/>
+          </a:p>
+        </p:txBody>
+      </p:sp>
+      <p:sp>
+        <p:nvSpPr>
+          <p:cNvPr id="4" name="TextBox 3">
+            <a:extLst>
+              <a:ext uri="{FF2B5EF4-FFF2-40B4-BE49-F238E27FC236}">
+                <a16:creationId xmlns:a16="http://schemas.microsoft.com/office/drawing/2014/main" id="{890DCCEF-E752-5644-A959-D11E2562C13D}"/>
+              </a:ext>
+            </a:extLst>
+          </p:cNvPr>
+          <p:cNvSpPr txBox="1"/>
+          <p:nvPr/>
+        </p:nvSpPr>
+        <p:spPr>
+          <a:xfrm>
+            <a:off x="5394121" y="1224555"/>
+            <a:ext cx="6400800" cy="5037341"/>
+          </a:xfrm>
+          <a:prstGeom prst="rect">
+            <a:avLst/>
+          </a:prstGeom>
+          <a:noFill/>
+        </p:spPr>
+        <p:txBody>
+          <a:bodyPr wrap="square" rtlCol="0">
+            <a:spAutoFit/>
+          </a:bodyPr>
+          <a:lstStyle/>
+          <a:p>
+            <a:pPr>
+              <a:lnSpc>
+                <a:spcPct val="150000"/>
+              </a:lnSpc>
+            </a:pPr>
+            <a:r>
+              <a:rPr lang="en-US" dirty="0">
+                <a:solidFill>
+                  <a:schemeClr val="tx2">
+                    <a:lumMod val="60000"/>
+                    <a:lumOff val="40000"/>
+                  </a:schemeClr>
+                </a:solidFill>
+              </a:rPr>
+              <a:t>Colossus: Distributed Storage</a:t>
+            </a:r>
+          </a:p>
+          <a:p>
+            <a:pPr marL="742950" lvl="1" indent="-285750">
+              <a:lnSpc>
+                <a:spcPct val="150000"/>
+              </a:lnSpc>
+              <a:buFont typeface="Wingdings" panose="05000000000000000000" pitchFamily="2" charset="2"/>
+              <a:buChar char="ü"/>
+            </a:pPr>
+            <a:r>
+              <a:rPr lang="en-US" sz="1400" dirty="0">
+                <a:solidFill>
+                  <a:schemeClr val="accent2">
+                    <a:lumMod val="75000"/>
+                  </a:schemeClr>
+                </a:solidFill>
+              </a:rPr>
+              <a:t>Next-generation cluster-level file system</a:t>
+            </a:r>
+          </a:p>
+          <a:p>
+            <a:pPr marL="742950" lvl="1" indent="-285750">
+              <a:lnSpc>
+                <a:spcPct val="150000"/>
+              </a:lnSpc>
+              <a:buFont typeface="Wingdings" panose="05000000000000000000" pitchFamily="2" charset="2"/>
+              <a:buChar char="ü"/>
+            </a:pPr>
+            <a:r>
+              <a:rPr lang="en-US" sz="1400" dirty="0">
+                <a:solidFill>
+                  <a:schemeClr val="accent2">
+                    <a:lumMod val="75000"/>
+                  </a:schemeClr>
+                </a:solidFill>
+              </a:rPr>
+              <a:t>Automatically shaded metadata layer</a:t>
+            </a:r>
+          </a:p>
+          <a:p>
+            <a:pPr marL="742950" lvl="1" indent="-285750">
+              <a:lnSpc>
+                <a:spcPct val="150000"/>
+              </a:lnSpc>
+              <a:buFont typeface="Wingdings" panose="05000000000000000000" pitchFamily="2" charset="2"/>
+              <a:buChar char="ü"/>
+            </a:pPr>
+            <a:r>
+              <a:rPr lang="en-US" sz="1400" dirty="0">
+                <a:solidFill>
+                  <a:schemeClr val="accent2">
+                    <a:lumMod val="75000"/>
+                  </a:schemeClr>
+                </a:solidFill>
+              </a:rPr>
+              <a:t>Data typically written using Reed-Solomon</a:t>
+            </a:r>
+          </a:p>
+          <a:p>
+            <a:pPr marL="0" lvl="1">
+              <a:lnSpc>
+                <a:spcPct val="150000"/>
+              </a:lnSpc>
+            </a:pPr>
+            <a:r>
+              <a:rPr lang="en-US" dirty="0" err="1">
+                <a:solidFill>
+                  <a:schemeClr val="tx2">
+                    <a:lumMod val="60000"/>
+                    <a:lumOff val="40000"/>
+                  </a:schemeClr>
+                </a:solidFill>
+              </a:rPr>
+              <a:t>ColumnIO</a:t>
+            </a:r>
+            <a:r>
+              <a:rPr lang="en-US" dirty="0">
+                <a:solidFill>
+                  <a:schemeClr val="tx2">
+                    <a:lumMod val="60000"/>
+                    <a:lumOff val="40000"/>
+                  </a:schemeClr>
+                </a:solidFill>
+              </a:rPr>
+              <a:t> storage format</a:t>
+            </a:r>
+          </a:p>
+          <a:p>
+            <a:pPr marL="742950" lvl="1" indent="-285750">
+              <a:lnSpc>
+                <a:spcPct val="150000"/>
+              </a:lnSpc>
+              <a:buFont typeface="Wingdings" panose="05000000000000000000" pitchFamily="2" charset="2"/>
+              <a:buChar char="ü"/>
+            </a:pPr>
+            <a:r>
+              <a:rPr lang="en-US" sz="1400" dirty="0">
+                <a:solidFill>
+                  <a:schemeClr val="accent2">
+                    <a:lumMod val="75000"/>
+                  </a:schemeClr>
+                </a:solidFill>
+              </a:rPr>
+              <a:t>A successor of Google Data Storage</a:t>
+            </a:r>
+          </a:p>
+          <a:p>
+            <a:pPr marL="742950" lvl="1" indent="-285750">
+              <a:lnSpc>
+                <a:spcPct val="150000"/>
+              </a:lnSpc>
+              <a:buFont typeface="Wingdings" panose="05000000000000000000" pitchFamily="2" charset="2"/>
+              <a:buChar char="ü"/>
+            </a:pPr>
+            <a:r>
+              <a:rPr lang="en-US" sz="1400" dirty="0">
+                <a:solidFill>
+                  <a:schemeClr val="accent2">
+                    <a:lumMod val="75000"/>
+                  </a:schemeClr>
+                </a:solidFill>
+              </a:rPr>
+              <a:t>Data stored in a columnar fashion</a:t>
+            </a:r>
+          </a:p>
+          <a:p>
+            <a:pPr marL="742950" lvl="1" indent="-285750">
+              <a:lnSpc>
+                <a:spcPct val="150000"/>
+              </a:lnSpc>
+              <a:buFont typeface="Wingdings" panose="05000000000000000000" pitchFamily="2" charset="2"/>
+              <a:buChar char="ü"/>
+            </a:pPr>
+            <a:r>
+              <a:rPr lang="en-US" sz="1400" dirty="0">
+                <a:solidFill>
+                  <a:schemeClr val="accent2">
+                    <a:lumMod val="75000"/>
+                  </a:schemeClr>
+                </a:solidFill>
+              </a:rPr>
+              <a:t>Highly advanced compression algorithm</a:t>
+            </a:r>
+          </a:p>
+          <a:p>
+            <a:pPr marL="0" lvl="1">
+              <a:lnSpc>
+                <a:spcPct val="150000"/>
+              </a:lnSpc>
+            </a:pPr>
+            <a:r>
+              <a:rPr lang="en-US" dirty="0">
+                <a:solidFill>
+                  <a:schemeClr val="tx2">
+                    <a:lumMod val="60000"/>
+                    <a:lumOff val="40000"/>
+                  </a:schemeClr>
+                </a:solidFill>
+              </a:rPr>
+              <a:t>Federated Query Engine</a:t>
+            </a:r>
+          </a:p>
+          <a:p>
+            <a:pPr marL="742950" lvl="1" indent="-285750">
+              <a:lnSpc>
+                <a:spcPct val="150000"/>
+              </a:lnSpc>
+              <a:buFont typeface="Wingdings" panose="05000000000000000000" pitchFamily="2" charset="2"/>
+              <a:buChar char="ü"/>
+            </a:pPr>
+            <a:r>
+              <a:rPr lang="en-US" sz="1400" dirty="0">
+                <a:solidFill>
+                  <a:schemeClr val="accent2">
+                    <a:lumMod val="75000"/>
+                  </a:schemeClr>
+                </a:solidFill>
+              </a:rPr>
+              <a:t>Query data from any Google service without data movement</a:t>
+            </a:r>
+          </a:p>
+          <a:p>
+            <a:pPr marL="0" lvl="1">
+              <a:lnSpc>
+                <a:spcPct val="150000"/>
+              </a:lnSpc>
+            </a:pPr>
+            <a:endParaRPr lang="en-US" dirty="0">
+              <a:solidFill>
+                <a:schemeClr val="tx2">
+                  <a:lumMod val="60000"/>
+                  <a:lumOff val="40000"/>
+                </a:schemeClr>
+              </a:solidFill>
+            </a:endParaRPr>
+          </a:p>
+          <a:p>
+            <a:pPr lvl="1">
+              <a:lnSpc>
+                <a:spcPct val="150000"/>
+              </a:lnSpc>
+            </a:pPr>
+            <a:endParaRPr lang="en-US" sz="1400" dirty="0">
+              <a:solidFill>
+                <a:schemeClr val="accent2">
+                  <a:lumMod val="75000"/>
+                </a:schemeClr>
+              </a:solidFill>
+            </a:endParaRPr>
+          </a:p>
+          <a:p>
+            <a:pPr marL="0" lvl="1">
+              <a:lnSpc>
+                <a:spcPct val="150000"/>
+              </a:lnSpc>
+            </a:pPr>
+            <a:endParaRPr lang="en-US" dirty="0">
+              <a:solidFill>
+                <a:schemeClr val="tx2">
+                  <a:lumMod val="60000"/>
+                  <a:lumOff val="40000"/>
+                </a:schemeClr>
+              </a:solidFill>
+            </a:endParaRPr>
+          </a:p>
+          <a:p>
+            <a:pPr lvl="1">
+              <a:lnSpc>
+                <a:spcPct val="150000"/>
+              </a:lnSpc>
+            </a:pPr>
+            <a:endParaRPr lang="en-US" sz="1400" dirty="0">
+              <a:solidFill>
+                <a:schemeClr val="accent2">
+                  <a:lumMod val="75000"/>
+                </a:schemeClr>
+              </a:solidFill>
+            </a:endParaRPr>
           </a:p>
         </p:txBody>
       </p:sp>
@@ -17952,14 +18237,6 @@
 </file>
 
 <file path=customXml/item1.xml><?xml version="1.0" encoding="utf-8"?>
-<p:properties xmlns:p="http://schemas.microsoft.com/office/2006/metadata/properties" xmlns:xsi="http://www.w3.org/2001/XMLSchema-instance" xmlns:pc="http://schemas.microsoft.com/office/infopath/2007/PartnerControls">
-  <documentManagement>
-    <MediaServiceKeyPoints xmlns="71af3243-3dd4-4a8d-8c0d-dd76da1f02a5" xsi:nil="true"/>
-  </documentManagement>
-</p:properties>
-</file>
-
-<file path=customXml/item2.xml><?xml version="1.0" encoding="utf-8"?>
 <ct:contentTypeSchema xmlns:ct="http://schemas.microsoft.com/office/2006/metadata/contentType" xmlns:ma="http://schemas.microsoft.com/office/2006/metadata/properties/metaAttributes" ct:_="" ma:_="" ma:contentTypeName="Document" ma:contentTypeID="0x01010079F111ED35F8CC479449609E8A0923A6" ma:contentTypeVersion="11" ma:contentTypeDescription="Create a new document." ma:contentTypeScope="" ma:versionID="96291512c1ee715ab617f4c07df79fc1">
   <xsd:schema xmlns:xsd="http://www.w3.org/2001/XMLSchema" xmlns:xs="http://www.w3.org/2001/XMLSchema" xmlns:p="http://schemas.microsoft.com/office/2006/metadata/properties" xmlns:ns2="71af3243-3dd4-4a8d-8c0d-dd76da1f02a5" xmlns:ns3="16c05727-aa75-4e4a-9b5f-8a80a1165891" targetNamespace="http://schemas.microsoft.com/office/2006/metadata/properties" ma:root="true" ma:fieldsID="8256c27c40ca5c40ce1cf6c44f0205df" ns2:_="" ns3:_="">
     <xsd:import namespace="71af3243-3dd4-4a8d-8c0d-dd76da1f02a5"/>
@@ -18170,6 +18447,14 @@
 </ct:contentTypeSchema>
 </file>
 
+<file path=customXml/item2.xml><?xml version="1.0" encoding="utf-8"?>
+<p:properties xmlns:p="http://schemas.microsoft.com/office/2006/metadata/properties" xmlns:xsi="http://www.w3.org/2001/XMLSchema-instance" xmlns:pc="http://schemas.microsoft.com/office/infopath/2007/PartnerControls">
+  <documentManagement>
+    <MediaServiceKeyPoints xmlns="71af3243-3dd4-4a8d-8c0d-dd76da1f02a5" xsi:nil="true"/>
+  </documentManagement>
+</p:properties>
+</file>
+
 <file path=customXml/item3.xml><?xml version="1.0" encoding="utf-8"?>
 <?mso-contentType ?>
 <FormTemplates xmlns="http://schemas.microsoft.com/sharepoint/v3/contenttype/forms">
@@ -18180,23 +18465,6 @@
 </file>
 
 <file path=customXml/itemProps1.xml><?xml version="1.0" encoding="utf-8"?>
-<ds:datastoreItem xmlns:ds="http://schemas.openxmlformats.org/officeDocument/2006/customXml" ds:itemID="{F983CA34-C6E2-49BA-ACFF-78ADEC0C28FA}">
-  <ds:schemaRefs>
-    <ds:schemaRef ds:uri="http://purl.org/dc/terms/"/>
-    <ds:schemaRef ds:uri="http://www.w3.org/XML/1998/namespace"/>
-    <ds:schemaRef ds:uri="16c05727-aa75-4e4a-9b5f-8a80a1165891"/>
-    <ds:schemaRef ds:uri="http://purl.org/dc/elements/1.1/"/>
-    <ds:schemaRef ds:uri="71af3243-3dd4-4a8d-8c0d-dd76da1f02a5"/>
-    <ds:schemaRef ds:uri="http://schemas.microsoft.com/office/2006/metadata/properties"/>
-    <ds:schemaRef ds:uri="http://schemas.openxmlformats.org/package/2006/metadata/core-properties"/>
-    <ds:schemaRef ds:uri="http://purl.org/dc/dcmitype/"/>
-    <ds:schemaRef ds:uri="http://schemas.microsoft.com/office/2006/documentManagement/types"/>
-    <ds:schemaRef ds:uri="http://schemas.microsoft.com/office/infopath/2007/PartnerControls"/>
-  </ds:schemaRefs>
-</ds:datastoreItem>
-</file>
-
-<file path=customXml/itemProps2.xml><?xml version="1.0" encoding="utf-8"?>
 <ds:datastoreItem xmlns:ds="http://schemas.openxmlformats.org/officeDocument/2006/customXml" ds:itemID="{570D0EAE-52CD-493E-A174-3A7CD0E9C7B2}">
   <ds:schemaRefs>
     <ds:schemaRef ds:uri="http://schemas.microsoft.com/office/2006/metadata/contentType"/>
@@ -18215,6 +18483,23 @@
 </ds:datastoreItem>
 </file>
 
+<file path=customXml/itemProps2.xml><?xml version="1.0" encoding="utf-8"?>
+<ds:datastoreItem xmlns:ds="http://schemas.openxmlformats.org/officeDocument/2006/customXml" ds:itemID="{F983CA34-C6E2-49BA-ACFF-78ADEC0C28FA}">
+  <ds:schemaRefs>
+    <ds:schemaRef ds:uri="http://purl.org/dc/terms/"/>
+    <ds:schemaRef ds:uri="http://www.w3.org/XML/1998/namespace"/>
+    <ds:schemaRef ds:uri="16c05727-aa75-4e4a-9b5f-8a80a1165891"/>
+    <ds:schemaRef ds:uri="http://purl.org/dc/elements/1.1/"/>
+    <ds:schemaRef ds:uri="71af3243-3dd4-4a8d-8c0d-dd76da1f02a5"/>
+    <ds:schemaRef ds:uri="http://schemas.microsoft.com/office/2006/metadata/properties"/>
+    <ds:schemaRef ds:uri="http://schemas.openxmlformats.org/package/2006/metadata/core-properties"/>
+    <ds:schemaRef ds:uri="http://purl.org/dc/dcmitype/"/>
+    <ds:schemaRef ds:uri="http://schemas.microsoft.com/office/2006/documentManagement/types"/>
+    <ds:schemaRef ds:uri="http://schemas.microsoft.com/office/infopath/2007/PartnerControls"/>
+  </ds:schemaRefs>
+</ds:datastoreItem>
+</file>
+
 <file path=customXml/itemProps3.xml><?xml version="1.0" encoding="utf-8"?>
 <ds:datastoreItem xmlns:ds="http://schemas.openxmlformats.org/officeDocument/2006/customXml" ds:itemID="{CCB9AE35-8A31-4380-94A6-86E5DFCDD123}">
   <ds:schemaRefs>
